--- a/mamu.docs/src/main/webapp/pptdocs/资源平台计划_V7.pptx
+++ b/mamu.docs/src/main/webapp/pptdocs/资源平台计划_V7.pptx
@@ -5,21 +5,42 @@
     <p:sldMasterId id="2147483648" r:id="rId1"/>
   </p:sldMasterIdLst>
   <p:notesMasterIdLst>
-    <p:notesMasterId r:id="rId6"/>
+    <p:notesMasterId r:id="rId27"/>
   </p:notesMasterIdLst>
   <p:handoutMasterIdLst>
-    <p:handoutMasterId r:id="rId7"/>
+    <p:handoutMasterId r:id="rId28"/>
   </p:handoutMasterIdLst>
   <p:sldIdLst>
     <p:sldId id="991" r:id="rId2"/>
     <p:sldId id="1095" r:id="rId3"/>
     <p:sldId id="1080" r:id="rId4"/>
-    <p:sldId id="1096" r:id="rId5"/>
+    <p:sldId id="1097" r:id="rId5"/>
+    <p:sldId id="1098" r:id="rId6"/>
+    <p:sldId id="1099" r:id="rId7"/>
+    <p:sldId id="1100" r:id="rId8"/>
+    <p:sldId id="1107" r:id="rId9"/>
+    <p:sldId id="1101" r:id="rId10"/>
+    <p:sldId id="1102" r:id="rId11"/>
+    <p:sldId id="1103" r:id="rId12"/>
+    <p:sldId id="1104" r:id="rId13"/>
+    <p:sldId id="1105" r:id="rId14"/>
+    <p:sldId id="1106" r:id="rId15"/>
+    <p:sldId id="1108" r:id="rId16"/>
+    <p:sldId id="1109" r:id="rId17"/>
+    <p:sldId id="1110" r:id="rId18"/>
+    <p:sldId id="1112" r:id="rId19"/>
+    <p:sldId id="1111" r:id="rId20"/>
+    <p:sldId id="1113" r:id="rId21"/>
+    <p:sldId id="1116" r:id="rId22"/>
+    <p:sldId id="1117" r:id="rId23"/>
+    <p:sldId id="1114" r:id="rId24"/>
+    <p:sldId id="1115" r:id="rId25"/>
+    <p:sldId id="1118" r:id="rId26"/>
   </p:sldIdLst>
   <p:sldSz cx="12192000" cy="6858000"/>
   <p:notesSz cx="6858000" cy="9144000"/>
   <p:custDataLst>
-    <p:tags r:id="rId8"/>
+    <p:tags r:id="rId29"/>
   </p:custDataLst>
   <p:defaultTextStyle>
     <a:defPPr>
@@ -238,7 +259,7 @@
             <a:fld id="{42F5B7F0-EA63-4C0D-9E04-442451976120}" type="datetimeFigureOut">
               <a:rPr lang="zh-CN" altLang="en-US" smtClean="0"/>
               <a:pPr/>
-              <a:t>2016/3/16</a:t>
+              <a:t>16/3/16</a:t>
             </a:fld>
             <a:endParaRPr lang="zh-CN" altLang="en-US"/>
           </a:p>
@@ -406,7 +427,7 @@
             <a:fld id="{AE837A4A-3019-42F5-9F7E-FDD4EE680D52}" type="datetimeFigureOut">
               <a:rPr lang="zh-CN" altLang="en-US" smtClean="0"/>
               <a:pPr/>
-              <a:t>2016/3/16</a:t>
+              <a:t>16/3/16</a:t>
             </a:fld>
             <a:endParaRPr lang="zh-CN" altLang="en-US"/>
           </a:p>
@@ -816,7 +837,7 @@
             <a:fld id="{FC262AC7-036F-424F-A6EB-24732E6F8CBE}" type="datetime1">
               <a:rPr lang="zh-CN" altLang="en-US" smtClean="0"/>
               <a:pPr/>
-              <a:t>2016/3/16</a:t>
+              <a:t>16/3/16</a:t>
             </a:fld>
             <a:endParaRPr lang="zh-CN" altLang="en-US"/>
           </a:p>
@@ -1048,7 +1069,7 @@
             <a:fld id="{8F9CC5AC-7F8C-BE4E-B16A-C02790D672F1}" type="datetime1">
               <a:rPr lang="zh-CN" altLang="en-US" smtClean="0"/>
               <a:pPr/>
-              <a:t>2016/3/16</a:t>
+              <a:t>16/3/16</a:t>
             </a:fld>
             <a:endParaRPr lang="zh-CN" altLang="en-US"/>
           </a:p>
@@ -2383,7 +2404,7 @@
             <a:fld id="{609DCF6E-5DE3-B649-8B84-FEFFE2409DB5}" type="datetime1">
               <a:rPr lang="zh-CN" altLang="en-US" smtClean="0"/>
               <a:pPr/>
-              <a:t>2016/3/16</a:t>
+              <a:t>16/3/16</a:t>
             </a:fld>
             <a:endParaRPr lang="zh-CN" altLang="en-US"/>
           </a:p>
@@ -2655,7 +2676,7 @@
             <a:fld id="{81E920B6-AAF4-CB4C-AC58-F7AF357AAA88}" type="datetime1">
               <a:rPr lang="zh-CN" altLang="en-US" smtClean="0"/>
               <a:pPr/>
-              <a:t>2016/3/16</a:t>
+              <a:t>16/3/16</a:t>
             </a:fld>
             <a:endParaRPr lang="zh-CN" altLang="en-US"/>
           </a:p>
@@ -2975,7 +2996,7 @@
             <a:fld id="{9B8B9524-E876-D942-A6CC-39C160F551D8}" type="datetime1">
               <a:rPr lang="zh-CN" altLang="en-US" smtClean="0"/>
               <a:pPr/>
-              <a:t>2016/3/16</a:t>
+              <a:t>16/3/16</a:t>
             </a:fld>
             <a:endParaRPr lang="zh-CN" altLang="en-US"/>
           </a:p>
@@ -3109,7 +3130,7 @@
             <a:fld id="{F09F362E-79F8-2B43-8E2A-31A2BE20A266}" type="datetime1">
               <a:rPr lang="zh-CN" altLang="en-US" smtClean="0"/>
               <a:pPr/>
-              <a:t>2016/3/16</a:t>
+              <a:t>16/3/16</a:t>
             </a:fld>
             <a:endParaRPr lang="zh-CN" altLang="en-US"/>
           </a:p>
@@ -3212,7 +3233,7 @@
             <a:fld id="{61E5EAB0-2B5A-8145-8481-74379D3F77E0}" type="datetime1">
               <a:rPr lang="zh-CN" altLang="en-US" smtClean="0"/>
               <a:pPr/>
-              <a:t>2016/3/16</a:t>
+              <a:t>16/3/16</a:t>
             </a:fld>
             <a:endParaRPr lang="zh-CN" altLang="en-US"/>
           </a:p>
@@ -3497,7 +3518,7 @@
             <a:fld id="{E7CE525E-D048-BD45-A745-B3E3443D2D10}" type="datetime1">
               <a:rPr lang="zh-CN" altLang="en-US" smtClean="0"/>
               <a:pPr/>
-              <a:t>2016/3/16</a:t>
+              <a:t>16/3/16</a:t>
             </a:fld>
             <a:endParaRPr lang="zh-CN" altLang="en-US"/>
           </a:p>
@@ -3770,7 +3791,7 @@
             <a:fld id="{5649FE78-740A-4D43-96EF-7B1CE020F78E}" type="datetime1">
               <a:rPr lang="zh-CN" altLang="en-US" smtClean="0"/>
               <a:pPr/>
-              <a:t>2016/3/16</a:t>
+              <a:t>16/3/16</a:t>
             </a:fld>
             <a:endParaRPr lang="zh-CN" altLang="en-US"/>
           </a:p>
@@ -4000,7 +4021,7 @@
             <a:fld id="{D5B78FB8-9F68-1E4A-B62A-2AED53BDA0C7}" type="datetime1">
               <a:rPr lang="zh-CN" altLang="en-US" smtClean="0"/>
               <a:pPr/>
-              <a:t>2016/3/16</a:t>
+              <a:t>16/3/16</a:t>
             </a:fld>
             <a:endParaRPr lang="zh-CN" altLang="en-US"/>
           </a:p>
@@ -4246,7 +4267,7 @@
             <a:fld id="{D1B4E766-8968-A543-9737-F5FAAD1F20DE}" type="datetime1">
               <a:rPr lang="zh-CN" altLang="en-US" smtClean="0"/>
               <a:pPr/>
-              <a:t>2016/3/16</a:t>
+              <a:t>16/3/16</a:t>
             </a:fld>
             <a:endParaRPr lang="zh-CN" altLang="en-US"/>
           </a:p>
@@ -4774,7 +4795,7 @@
 </p:sld>
 </file>
 
-<file path=ppt/slides/slide2.xml><?xml version="1.0" encoding="utf-8"?>
+<file path=ppt/slides/slide10.xml><?xml version="1.0" encoding="utf-8"?>
 <p:sld xmlns:a="http://schemas.openxmlformats.org/drawingml/2006/main" xmlns:r="http://schemas.openxmlformats.org/officeDocument/2006/relationships" xmlns:p="http://schemas.openxmlformats.org/presentationml/2006/main">
   <p:cSld>
     <p:spTree>
@@ -4832,7 +4853,7 @@
             <a:fld id="{E2531F13-3D55-48F5-9D66-4D113F3EC470}" type="slidenum">
               <a:rPr lang="zh-CN" altLang="en-US" smtClean="0"/>
               <a:pPr/>
-              <a:t>2</a:t>
+              <a:t>10</a:t>
             </a:fld>
             <a:endParaRPr lang="zh-CN" altLang="en-US" dirty="0"/>
           </a:p>
@@ -4913,6 +4934,3257 @@
           <a:lstStyle/>
           <a:p>
             <a:r>
+              <a:rPr lang="zh-CN" altLang="en-US" sz="3600" b="1" dirty="0" smtClean="0">
+                <a:latin typeface="微软雅黑" pitchFamily="34" charset="-122"/>
+                <a:ea typeface="微软雅黑" pitchFamily="34" charset="-122"/>
+              </a:rPr>
+              <a:t>资源评注管理</a:t>
+            </a:r>
+            <a:endParaRPr lang="zh-CN" altLang="en-US" sz="3600" b="1" dirty="0">
+              <a:latin typeface="微软雅黑" pitchFamily="34" charset="-122"/>
+              <a:ea typeface="微软雅黑" pitchFamily="34" charset="-122"/>
+            </a:endParaRPr>
+          </a:p>
+        </p:txBody>
+      </p:sp>
+      <p:sp>
+        <p:nvSpPr>
+          <p:cNvPr id="6" name="矩形 5"/>
+          <p:cNvSpPr/>
+          <p:nvPr/>
+        </p:nvSpPr>
+        <p:spPr>
+          <a:xfrm>
+            <a:off x="794931" y="1616752"/>
+            <a:ext cx="10124942" cy="3785652"/>
+          </a:xfrm>
+          <a:prstGeom prst="rect">
+            <a:avLst/>
+          </a:prstGeom>
+        </p:spPr>
+        <p:txBody>
+          <a:bodyPr wrap="square">
+            <a:spAutoFit/>
+          </a:bodyPr>
+          <a:lstStyle/>
+          <a:p>
+            <a:pPr marL="514350" indent="-514350">
+              <a:lnSpc>
+                <a:spcPct val="150000"/>
+              </a:lnSpc>
+              <a:buFont typeface="Wingdings" pitchFamily="2" charset="2"/>
+              <a:buChar char="l"/>
+            </a:pPr>
+            <a:r>
+              <a:rPr lang="zh-CN" altLang="en-US" sz="2000" dirty="0" smtClean="0">
+                <a:solidFill>
+                  <a:schemeClr val="bg1"/>
+                </a:solidFill>
+                <a:latin typeface="微软雅黑" pitchFamily="34" charset="-122"/>
+                <a:ea typeface="微软雅黑" pitchFamily="34" charset="-122"/>
+              </a:rPr>
+              <a:t>支持资源评价。</a:t>
+            </a:r>
+          </a:p>
+          <a:p>
+            <a:pPr marL="514350" indent="-514350">
+              <a:lnSpc>
+                <a:spcPct val="150000"/>
+              </a:lnSpc>
+              <a:buFont typeface="Wingdings" pitchFamily="2" charset="2"/>
+              <a:buChar char="l"/>
+            </a:pPr>
+            <a:r>
+              <a:rPr lang="zh-CN" altLang="en-US" sz="2000" dirty="0" smtClean="0">
+                <a:solidFill>
+                  <a:schemeClr val="bg1"/>
+                </a:solidFill>
+                <a:latin typeface="微软雅黑" pitchFamily="34" charset="-122"/>
+                <a:ea typeface="微软雅黑" pitchFamily="34" charset="-122"/>
+              </a:rPr>
+              <a:t>支持资源等级评价。</a:t>
+            </a:r>
+          </a:p>
+          <a:p>
+            <a:pPr marL="514350" indent="-514350">
+              <a:lnSpc>
+                <a:spcPct val="150000"/>
+              </a:lnSpc>
+              <a:buFont typeface="Wingdings" pitchFamily="2" charset="2"/>
+              <a:buChar char="l"/>
+            </a:pPr>
+            <a:r>
+              <a:rPr lang="zh-CN" altLang="en-US" sz="2000" dirty="0" smtClean="0">
+                <a:solidFill>
+                  <a:schemeClr val="bg1"/>
+                </a:solidFill>
+                <a:latin typeface="微软雅黑" pitchFamily="34" charset="-122"/>
+                <a:ea typeface="微软雅黑" pitchFamily="34" charset="-122"/>
+              </a:rPr>
+              <a:t>支持资源备注。</a:t>
+            </a:r>
+          </a:p>
+          <a:p>
+            <a:pPr marL="514350" indent="-514350">
+              <a:lnSpc>
+                <a:spcPct val="150000"/>
+              </a:lnSpc>
+              <a:buFont typeface="Wingdings" pitchFamily="2" charset="2"/>
+              <a:buChar char="l"/>
+            </a:pPr>
+            <a:r>
+              <a:rPr lang="zh-CN" altLang="en-US" sz="2000" dirty="0" smtClean="0">
+                <a:solidFill>
+                  <a:schemeClr val="bg1"/>
+                </a:solidFill>
+                <a:latin typeface="微软雅黑" pitchFamily="34" charset="-122"/>
+                <a:ea typeface="微软雅黑" pitchFamily="34" charset="-122"/>
+              </a:rPr>
+              <a:t>支持资源备注类型管理。</a:t>
+            </a:r>
+          </a:p>
+          <a:p>
+            <a:pPr marL="514350" indent="-514350">
+              <a:lnSpc>
+                <a:spcPct val="150000"/>
+              </a:lnSpc>
+              <a:buFont typeface="Wingdings" pitchFamily="2" charset="2"/>
+              <a:buChar char="l"/>
+            </a:pPr>
+            <a:r>
+              <a:rPr lang="zh-CN" altLang="en-US" sz="2000" dirty="0" smtClean="0">
+                <a:solidFill>
+                  <a:schemeClr val="bg1"/>
+                </a:solidFill>
+                <a:latin typeface="微软雅黑" pitchFamily="34" charset="-122"/>
+                <a:ea typeface="微软雅黑" pitchFamily="34" charset="-122"/>
+              </a:rPr>
+              <a:t>支持资源备注查询。</a:t>
+            </a:r>
+          </a:p>
+          <a:p>
+            <a:pPr marL="514350" indent="-514350">
+              <a:lnSpc>
+                <a:spcPct val="150000"/>
+              </a:lnSpc>
+              <a:buFont typeface="Wingdings" pitchFamily="2" charset="2"/>
+              <a:buChar char="l"/>
+            </a:pPr>
+            <a:r>
+              <a:rPr lang="zh-CN" altLang="en-US" sz="2000" dirty="0" smtClean="0">
+                <a:solidFill>
+                  <a:schemeClr val="bg1"/>
+                </a:solidFill>
+                <a:latin typeface="微软雅黑" pitchFamily="34" charset="-122"/>
+                <a:ea typeface="微软雅黑" pitchFamily="34" charset="-122"/>
+              </a:rPr>
+              <a:t>支持资源生命周期备注查询。</a:t>
+            </a:r>
+          </a:p>
+          <a:p>
+            <a:pPr marL="514350" indent="-514350">
+              <a:lnSpc>
+                <a:spcPct val="150000"/>
+              </a:lnSpc>
+              <a:buFont typeface="Wingdings" pitchFamily="2" charset="2"/>
+              <a:buChar char="l"/>
+            </a:pPr>
+            <a:r>
+              <a:rPr lang="zh-CN" altLang="en-US" sz="2000" dirty="0" smtClean="0">
+                <a:solidFill>
+                  <a:srgbClr val="FF0000"/>
+                </a:solidFill>
+                <a:latin typeface="微软雅黑" pitchFamily="34" charset="-122"/>
+                <a:ea typeface="微软雅黑" pitchFamily="34" charset="-122"/>
+              </a:rPr>
+              <a:t>待支持资源评注审核管理。</a:t>
+            </a:r>
+          </a:p>
+          <a:p>
+            <a:pPr marL="514350" indent="-514350">
+              <a:lnSpc>
+                <a:spcPct val="150000"/>
+              </a:lnSpc>
+              <a:buFont typeface="Wingdings" pitchFamily="2" charset="2"/>
+              <a:buChar char="l"/>
+            </a:pPr>
+            <a:r>
+              <a:rPr lang="zh-CN" altLang="en-US" sz="2000" dirty="0" smtClean="0">
+                <a:solidFill>
+                  <a:srgbClr val="FF0000"/>
+                </a:solidFill>
+                <a:latin typeface="微软雅黑" pitchFamily="34" charset="-122"/>
+                <a:ea typeface="微软雅黑" pitchFamily="34" charset="-122"/>
+              </a:rPr>
+              <a:t>待支持资源评注关键词过滤能力。</a:t>
+            </a:r>
+            <a:endParaRPr lang="en-US" altLang="zh-CN" sz="2000" dirty="0" smtClean="0">
+              <a:solidFill>
+                <a:srgbClr val="FF0000"/>
+              </a:solidFill>
+              <a:latin typeface="微软雅黑" pitchFamily="34" charset="-122"/>
+              <a:ea typeface="微软雅黑" pitchFamily="34" charset="-122"/>
+            </a:endParaRPr>
+          </a:p>
+        </p:txBody>
+      </p:sp>
+    </p:spTree>
+    <p:extLst>
+      <p:ext uri="{BB962C8B-B14F-4D97-AF65-F5344CB8AC3E}">
+        <p14:creationId xmlns:p14="http://schemas.microsoft.com/office/powerpoint/2010/main" val="269455306"/>
+      </p:ext>
+    </p:extLst>
+  </p:cSld>
+  <p:clrMapOvr>
+    <a:masterClrMapping/>
+  </p:clrMapOvr>
+  <p:timing>
+    <p:tnLst>
+      <p:par>
+        <p:cTn id="1" dur="indefinite" restart="never" nodeType="tmRoot"/>
+      </p:par>
+    </p:tnLst>
+  </p:timing>
+</p:sld>
+</file>
+
+<file path=ppt/slides/slide11.xml><?xml version="1.0" encoding="utf-8"?>
+<p:sld xmlns:a="http://schemas.openxmlformats.org/drawingml/2006/main" xmlns:r="http://schemas.openxmlformats.org/officeDocument/2006/relationships" xmlns:p="http://schemas.openxmlformats.org/presentationml/2006/main">
+  <p:cSld>
+    <p:spTree>
+      <p:nvGrpSpPr>
+        <p:cNvPr id="1" name=""/>
+        <p:cNvGrpSpPr/>
+        <p:nvPr/>
+      </p:nvGrpSpPr>
+      <p:grpSpPr>
+        <a:xfrm>
+          <a:off x="0" y="0"/>
+          <a:ext cx="0" cy="0"/>
+          <a:chOff x="0" y="0"/>
+          <a:chExt cx="0" cy="0"/>
+        </a:xfrm>
+      </p:grpSpPr>
+      <p:sp>
+        <p:nvSpPr>
+          <p:cNvPr id="2" name="页脚占位符 1"/>
+          <p:cNvSpPr>
+            <a:spLocks noGrp="1"/>
+          </p:cNvSpPr>
+          <p:nvPr>
+            <p:ph type="ftr" sz="quarter" idx="11"/>
+          </p:nvPr>
+        </p:nvSpPr>
+        <p:spPr/>
+        <p:txBody>
+          <a:bodyPr/>
+          <a:lstStyle/>
+          <a:p>
+            <a:r>
+              <a:rPr lang="en-US" altLang="zh-CN" smtClean="0"/>
+              <a:t>ND Engineering Institute Confidential</a:t>
+            </a:r>
+            <a:endParaRPr lang="zh-CN" altLang="en-US" dirty="0"/>
+          </a:p>
+        </p:txBody>
+      </p:sp>
+      <p:sp>
+        <p:nvSpPr>
+          <p:cNvPr id="3" name="灯片编号占位符 2"/>
+          <p:cNvSpPr>
+            <a:spLocks noGrp="1"/>
+          </p:cNvSpPr>
+          <p:nvPr>
+            <p:ph type="sldNum" sz="quarter" idx="12"/>
+          </p:nvPr>
+        </p:nvSpPr>
+        <p:spPr/>
+        <p:txBody>
+          <a:bodyPr/>
+          <a:lstStyle/>
+          <a:p>
+            <a:fld id="{E2531F13-3D55-48F5-9D66-4D113F3EC470}" type="slidenum">
+              <a:rPr lang="zh-CN" altLang="en-US" smtClean="0"/>
+              <a:pPr/>
+              <a:t>11</a:t>
+            </a:fld>
+            <a:endParaRPr lang="zh-CN" altLang="en-US" dirty="0"/>
+          </a:p>
+        </p:txBody>
+      </p:sp>
+      <p:cxnSp>
+        <p:nvCxnSpPr>
+          <p:cNvPr id="32" name="直接连接符 31"/>
+          <p:cNvCxnSpPr/>
+          <p:nvPr/>
+        </p:nvCxnSpPr>
+        <p:spPr>
+          <a:xfrm rot="5400000">
+            <a:off x="628853" y="507178"/>
+            <a:ext cx="658908" cy="1"/>
+          </a:xfrm>
+          <a:prstGeom prst="line">
+            <a:avLst/>
+          </a:prstGeom>
+          <a:ln w="76200">
+            <a:solidFill>
+              <a:srgbClr val="FF0000"/>
+            </a:solidFill>
+          </a:ln>
+        </p:spPr>
+        <p:style>
+          <a:lnRef idx="1">
+            <a:schemeClr val="accent1"/>
+          </a:lnRef>
+          <a:fillRef idx="0">
+            <a:schemeClr val="accent1"/>
+          </a:fillRef>
+          <a:effectRef idx="0">
+            <a:schemeClr val="accent1"/>
+          </a:effectRef>
+          <a:fontRef idx="minor">
+            <a:schemeClr val="tx1"/>
+          </a:fontRef>
+        </p:style>
+      </p:cxnSp>
+      <p:sp>
+        <p:nvSpPr>
+          <p:cNvPr id="33" name="矩形 32"/>
+          <p:cNvSpPr/>
+          <p:nvPr/>
+        </p:nvSpPr>
+        <p:spPr>
+          <a:xfrm>
+            <a:off x="1029571" y="311084"/>
+            <a:ext cx="9210505" cy="423949"/>
+          </a:xfrm>
+          <a:prstGeom prst="rect">
+            <a:avLst/>
+          </a:prstGeom>
+          <a:noFill/>
+          <a:ln>
+            <a:noFill/>
+          </a:ln>
+        </p:spPr>
+        <p:style>
+          <a:lnRef idx="2">
+            <a:schemeClr val="accent2">
+              <a:shade val="50000"/>
+            </a:schemeClr>
+          </a:lnRef>
+          <a:fillRef idx="1">
+            <a:schemeClr val="accent2"/>
+          </a:fillRef>
+          <a:effectRef idx="0">
+            <a:schemeClr val="accent2"/>
+          </a:effectRef>
+          <a:fontRef idx="minor">
+            <a:schemeClr val="lt1"/>
+          </a:fontRef>
+        </p:style>
+        <p:txBody>
+          <a:bodyPr rtlCol="0" anchor="ctr"/>
+          <a:lstStyle/>
+          <a:p>
+            <a:r>
+              <a:rPr lang="zh-CN" altLang="en-US" sz="3600" b="1" dirty="0" smtClean="0">
+                <a:latin typeface="微软雅黑" pitchFamily="34" charset="-122"/>
+                <a:ea typeface="微软雅黑" pitchFamily="34" charset="-122"/>
+              </a:rPr>
+              <a:t>调度管理</a:t>
+            </a:r>
+            <a:endParaRPr lang="zh-CN" altLang="en-US" sz="3600" b="1" dirty="0">
+              <a:latin typeface="微软雅黑" pitchFamily="34" charset="-122"/>
+              <a:ea typeface="微软雅黑" pitchFamily="34" charset="-122"/>
+            </a:endParaRPr>
+          </a:p>
+        </p:txBody>
+      </p:sp>
+      <p:sp>
+        <p:nvSpPr>
+          <p:cNvPr id="6" name="矩形 5"/>
+          <p:cNvSpPr/>
+          <p:nvPr/>
+        </p:nvSpPr>
+        <p:spPr>
+          <a:xfrm>
+            <a:off x="794931" y="1616752"/>
+            <a:ext cx="10124942" cy="2400657"/>
+          </a:xfrm>
+          <a:prstGeom prst="rect">
+            <a:avLst/>
+          </a:prstGeom>
+        </p:spPr>
+        <p:txBody>
+          <a:bodyPr wrap="square">
+            <a:spAutoFit/>
+          </a:bodyPr>
+          <a:lstStyle/>
+          <a:p>
+            <a:pPr marL="514350" indent="-514350">
+              <a:lnSpc>
+                <a:spcPct val="150000"/>
+              </a:lnSpc>
+              <a:buFont typeface="Wingdings" pitchFamily="2" charset="2"/>
+              <a:buChar char="l"/>
+            </a:pPr>
+            <a:r>
+              <a:rPr lang="zh-CN" altLang="en-US" sz="2000" dirty="0" smtClean="0">
+                <a:solidFill>
+                  <a:schemeClr val="bg1"/>
+                </a:solidFill>
+                <a:latin typeface="微软雅黑" pitchFamily="34" charset="-122"/>
+                <a:ea typeface="微软雅黑" pitchFamily="34" charset="-122"/>
+              </a:rPr>
+              <a:t>支持资源任务调度管理。</a:t>
+            </a:r>
+          </a:p>
+          <a:p>
+            <a:pPr marL="514350" indent="-514350">
+              <a:lnSpc>
+                <a:spcPct val="150000"/>
+              </a:lnSpc>
+              <a:buFont typeface="Wingdings" pitchFamily="2" charset="2"/>
+              <a:buChar char="l"/>
+            </a:pPr>
+            <a:r>
+              <a:rPr lang="zh-CN" altLang="en-US" sz="2000" dirty="0" smtClean="0">
+                <a:solidFill>
+                  <a:schemeClr val="bg1"/>
+                </a:solidFill>
+                <a:latin typeface="微软雅黑" pitchFamily="34" charset="-122"/>
+                <a:ea typeface="微软雅黑" pitchFamily="34" charset="-122"/>
+              </a:rPr>
+              <a:t>支持任务调度取消。</a:t>
+            </a:r>
+          </a:p>
+          <a:p>
+            <a:pPr marL="514350" indent="-514350">
+              <a:lnSpc>
+                <a:spcPct val="150000"/>
+              </a:lnSpc>
+              <a:buFont typeface="Wingdings" pitchFamily="2" charset="2"/>
+              <a:buChar char="l"/>
+            </a:pPr>
+            <a:r>
+              <a:rPr lang="zh-CN" altLang="en-US" sz="2000" dirty="0" smtClean="0">
+                <a:solidFill>
+                  <a:schemeClr val="bg1"/>
+                </a:solidFill>
+                <a:latin typeface="微软雅黑" pitchFamily="34" charset="-122"/>
+                <a:ea typeface="微软雅黑" pitchFamily="34" charset="-122"/>
+              </a:rPr>
+              <a:t>支持任务调度状态回调。</a:t>
+            </a:r>
+          </a:p>
+          <a:p>
+            <a:pPr marL="514350" indent="-514350">
+              <a:lnSpc>
+                <a:spcPct val="150000"/>
+              </a:lnSpc>
+              <a:buFont typeface="Wingdings" pitchFamily="2" charset="2"/>
+              <a:buChar char="l"/>
+            </a:pPr>
+            <a:r>
+              <a:rPr lang="zh-CN" altLang="en-US" sz="2000" dirty="0" smtClean="0">
+                <a:solidFill>
+                  <a:schemeClr val="bg1"/>
+                </a:solidFill>
+                <a:latin typeface="微软雅黑" pitchFamily="34" charset="-122"/>
+                <a:ea typeface="微软雅黑" pitchFamily="34" charset="-122"/>
+              </a:rPr>
+              <a:t>支持任务调度分组管理。</a:t>
+            </a:r>
+          </a:p>
+          <a:p>
+            <a:pPr marL="514350" indent="-514350">
+              <a:lnSpc>
+                <a:spcPct val="150000"/>
+              </a:lnSpc>
+              <a:buFont typeface="Wingdings" pitchFamily="2" charset="2"/>
+              <a:buChar char="l"/>
+            </a:pPr>
+            <a:r>
+              <a:rPr lang="zh-CN" altLang="en-US" sz="2000" dirty="0" smtClean="0">
+                <a:solidFill>
+                  <a:schemeClr val="bg1"/>
+                </a:solidFill>
+                <a:latin typeface="微软雅黑" pitchFamily="34" charset="-122"/>
+                <a:ea typeface="微软雅黑" pitchFamily="34" charset="-122"/>
+              </a:rPr>
+              <a:t>支持任务调度优先级管理。</a:t>
+            </a:r>
+            <a:endParaRPr lang="en-US" altLang="zh-CN" sz="2000" dirty="0" smtClean="0">
+              <a:solidFill>
+                <a:schemeClr val="bg1"/>
+              </a:solidFill>
+              <a:latin typeface="微软雅黑" pitchFamily="34" charset="-122"/>
+              <a:ea typeface="微软雅黑" pitchFamily="34" charset="-122"/>
+            </a:endParaRPr>
+          </a:p>
+        </p:txBody>
+      </p:sp>
+    </p:spTree>
+    <p:extLst>
+      <p:ext uri="{BB962C8B-B14F-4D97-AF65-F5344CB8AC3E}">
+        <p14:creationId xmlns:p14="http://schemas.microsoft.com/office/powerpoint/2010/main" val="200747796"/>
+      </p:ext>
+    </p:extLst>
+  </p:cSld>
+  <p:clrMapOvr>
+    <a:masterClrMapping/>
+  </p:clrMapOvr>
+  <p:timing>
+    <p:tnLst>
+      <p:par>
+        <p:cTn id="1" dur="indefinite" restart="never" nodeType="tmRoot"/>
+      </p:par>
+    </p:tnLst>
+  </p:timing>
+</p:sld>
+</file>
+
+<file path=ppt/slides/slide12.xml><?xml version="1.0" encoding="utf-8"?>
+<p:sld xmlns:a="http://schemas.openxmlformats.org/drawingml/2006/main" xmlns:r="http://schemas.openxmlformats.org/officeDocument/2006/relationships" xmlns:p="http://schemas.openxmlformats.org/presentationml/2006/main">
+  <p:cSld>
+    <p:spTree>
+      <p:nvGrpSpPr>
+        <p:cNvPr id="1" name=""/>
+        <p:cNvGrpSpPr/>
+        <p:nvPr/>
+      </p:nvGrpSpPr>
+      <p:grpSpPr>
+        <a:xfrm>
+          <a:off x="0" y="0"/>
+          <a:ext cx="0" cy="0"/>
+          <a:chOff x="0" y="0"/>
+          <a:chExt cx="0" cy="0"/>
+        </a:xfrm>
+      </p:grpSpPr>
+      <p:sp>
+        <p:nvSpPr>
+          <p:cNvPr id="2" name="页脚占位符 1"/>
+          <p:cNvSpPr>
+            <a:spLocks noGrp="1"/>
+          </p:cNvSpPr>
+          <p:nvPr>
+            <p:ph type="ftr" sz="quarter" idx="11"/>
+          </p:nvPr>
+        </p:nvSpPr>
+        <p:spPr/>
+        <p:txBody>
+          <a:bodyPr/>
+          <a:lstStyle/>
+          <a:p>
+            <a:r>
+              <a:rPr lang="en-US" altLang="zh-CN" smtClean="0"/>
+              <a:t>ND Engineering Institute Confidential</a:t>
+            </a:r>
+            <a:endParaRPr lang="zh-CN" altLang="en-US" dirty="0"/>
+          </a:p>
+        </p:txBody>
+      </p:sp>
+      <p:sp>
+        <p:nvSpPr>
+          <p:cNvPr id="3" name="灯片编号占位符 2"/>
+          <p:cNvSpPr>
+            <a:spLocks noGrp="1"/>
+          </p:cNvSpPr>
+          <p:nvPr>
+            <p:ph type="sldNum" sz="quarter" idx="12"/>
+          </p:nvPr>
+        </p:nvSpPr>
+        <p:spPr/>
+        <p:txBody>
+          <a:bodyPr/>
+          <a:lstStyle/>
+          <a:p>
+            <a:fld id="{E2531F13-3D55-48F5-9D66-4D113F3EC470}" type="slidenum">
+              <a:rPr lang="zh-CN" altLang="en-US" smtClean="0"/>
+              <a:pPr/>
+              <a:t>12</a:t>
+            </a:fld>
+            <a:endParaRPr lang="zh-CN" altLang="en-US" dirty="0"/>
+          </a:p>
+        </p:txBody>
+      </p:sp>
+      <p:cxnSp>
+        <p:nvCxnSpPr>
+          <p:cNvPr id="32" name="直接连接符 31"/>
+          <p:cNvCxnSpPr/>
+          <p:nvPr/>
+        </p:nvCxnSpPr>
+        <p:spPr>
+          <a:xfrm rot="5400000">
+            <a:off x="628853" y="507178"/>
+            <a:ext cx="658908" cy="1"/>
+          </a:xfrm>
+          <a:prstGeom prst="line">
+            <a:avLst/>
+          </a:prstGeom>
+          <a:ln w="76200">
+            <a:solidFill>
+              <a:srgbClr val="FF0000"/>
+            </a:solidFill>
+          </a:ln>
+        </p:spPr>
+        <p:style>
+          <a:lnRef idx="1">
+            <a:schemeClr val="accent1"/>
+          </a:lnRef>
+          <a:fillRef idx="0">
+            <a:schemeClr val="accent1"/>
+          </a:fillRef>
+          <a:effectRef idx="0">
+            <a:schemeClr val="accent1"/>
+          </a:effectRef>
+          <a:fontRef idx="minor">
+            <a:schemeClr val="tx1"/>
+          </a:fontRef>
+        </p:style>
+      </p:cxnSp>
+      <p:sp>
+        <p:nvSpPr>
+          <p:cNvPr id="33" name="矩形 32"/>
+          <p:cNvSpPr/>
+          <p:nvPr/>
+        </p:nvSpPr>
+        <p:spPr>
+          <a:xfrm>
+            <a:off x="1029571" y="311084"/>
+            <a:ext cx="9210505" cy="423949"/>
+          </a:xfrm>
+          <a:prstGeom prst="rect">
+            <a:avLst/>
+          </a:prstGeom>
+          <a:noFill/>
+          <a:ln>
+            <a:noFill/>
+          </a:ln>
+        </p:spPr>
+        <p:style>
+          <a:lnRef idx="2">
+            <a:schemeClr val="accent2">
+              <a:shade val="50000"/>
+            </a:schemeClr>
+          </a:lnRef>
+          <a:fillRef idx="1">
+            <a:schemeClr val="accent2"/>
+          </a:fillRef>
+          <a:effectRef idx="0">
+            <a:schemeClr val="accent2"/>
+          </a:effectRef>
+          <a:fontRef idx="minor">
+            <a:schemeClr val="lt1"/>
+          </a:fontRef>
+        </p:style>
+        <p:txBody>
+          <a:bodyPr rtlCol="0" anchor="ctr"/>
+          <a:lstStyle/>
+          <a:p>
+            <a:r>
+              <a:rPr lang="zh-CN" altLang="en-US" sz="3600" b="1" dirty="0" smtClean="0">
+                <a:latin typeface="微软雅黑" pitchFamily="34" charset="-122"/>
+                <a:ea typeface="微软雅黑" pitchFamily="34" charset="-122"/>
+              </a:rPr>
+              <a:t>调度监控管理</a:t>
+            </a:r>
+            <a:endParaRPr lang="zh-CN" altLang="en-US" sz="3600" b="1" dirty="0">
+              <a:latin typeface="微软雅黑" pitchFamily="34" charset="-122"/>
+              <a:ea typeface="微软雅黑" pitchFamily="34" charset="-122"/>
+            </a:endParaRPr>
+          </a:p>
+        </p:txBody>
+      </p:sp>
+      <p:sp>
+        <p:nvSpPr>
+          <p:cNvPr id="6" name="矩形 5"/>
+          <p:cNvSpPr/>
+          <p:nvPr/>
+        </p:nvSpPr>
+        <p:spPr>
+          <a:xfrm>
+            <a:off x="794931" y="1616752"/>
+            <a:ext cx="10124942" cy="1938992"/>
+          </a:xfrm>
+          <a:prstGeom prst="rect">
+            <a:avLst/>
+          </a:prstGeom>
+        </p:spPr>
+        <p:txBody>
+          <a:bodyPr wrap="square">
+            <a:spAutoFit/>
+          </a:bodyPr>
+          <a:lstStyle/>
+          <a:p>
+            <a:pPr marL="514350" indent="-514350">
+              <a:lnSpc>
+                <a:spcPct val="150000"/>
+              </a:lnSpc>
+              <a:buFont typeface="Wingdings" pitchFamily="2" charset="2"/>
+              <a:buChar char="l"/>
+            </a:pPr>
+            <a:r>
+              <a:rPr lang="zh-CN" altLang="en-US" sz="2000" dirty="0" smtClean="0">
+                <a:solidFill>
+                  <a:schemeClr val="bg1"/>
+                </a:solidFill>
+                <a:latin typeface="微软雅黑" pitchFamily="34" charset="-122"/>
+                <a:ea typeface="微软雅黑" pitchFamily="34" charset="-122"/>
+              </a:rPr>
+              <a:t>支持任务调度队列监控。</a:t>
+            </a:r>
+          </a:p>
+          <a:p>
+            <a:pPr marL="514350" indent="-514350">
+              <a:lnSpc>
+                <a:spcPct val="150000"/>
+              </a:lnSpc>
+              <a:buFont typeface="Wingdings" pitchFamily="2" charset="2"/>
+              <a:buChar char="l"/>
+            </a:pPr>
+            <a:r>
+              <a:rPr lang="zh-CN" altLang="en-US" sz="2000" dirty="0" smtClean="0">
+                <a:solidFill>
+                  <a:schemeClr val="bg1"/>
+                </a:solidFill>
+                <a:latin typeface="微软雅黑" pitchFamily="34" charset="-122"/>
+                <a:ea typeface="微软雅黑" pitchFamily="34" charset="-122"/>
+              </a:rPr>
+              <a:t>支持任务状态监控。</a:t>
+            </a:r>
+          </a:p>
+          <a:p>
+            <a:pPr marL="514350" indent="-514350">
+              <a:lnSpc>
+                <a:spcPct val="150000"/>
+              </a:lnSpc>
+              <a:buFont typeface="Wingdings" pitchFamily="2" charset="2"/>
+              <a:buChar char="l"/>
+            </a:pPr>
+            <a:r>
+              <a:rPr lang="zh-CN" altLang="en-US" sz="2000" dirty="0" smtClean="0">
+                <a:solidFill>
+                  <a:schemeClr val="bg1"/>
+                </a:solidFill>
+                <a:latin typeface="微软雅黑" pitchFamily="34" charset="-122"/>
+                <a:ea typeface="微软雅黑" pitchFamily="34" charset="-122"/>
+              </a:rPr>
+              <a:t>支持任务异常监控。</a:t>
+            </a:r>
+          </a:p>
+          <a:p>
+            <a:pPr marL="514350" indent="-514350">
+              <a:lnSpc>
+                <a:spcPct val="150000"/>
+              </a:lnSpc>
+              <a:buFont typeface="Wingdings" pitchFamily="2" charset="2"/>
+              <a:buChar char="l"/>
+            </a:pPr>
+            <a:r>
+              <a:rPr lang="zh-CN" altLang="en-US" sz="2000" dirty="0" smtClean="0">
+                <a:solidFill>
+                  <a:schemeClr val="bg1"/>
+                </a:solidFill>
+                <a:latin typeface="微软雅黑" pitchFamily="34" charset="-122"/>
+                <a:ea typeface="微软雅黑" pitchFamily="34" charset="-122"/>
+              </a:rPr>
+              <a:t>支持任务队列处理日志监控。</a:t>
+            </a:r>
+            <a:endParaRPr lang="en-US" altLang="zh-CN" sz="2000" dirty="0" smtClean="0">
+              <a:solidFill>
+                <a:schemeClr val="bg1"/>
+              </a:solidFill>
+              <a:latin typeface="微软雅黑" pitchFamily="34" charset="-122"/>
+              <a:ea typeface="微软雅黑" pitchFamily="34" charset="-122"/>
+            </a:endParaRPr>
+          </a:p>
+        </p:txBody>
+      </p:sp>
+    </p:spTree>
+    <p:extLst>
+      <p:ext uri="{BB962C8B-B14F-4D97-AF65-F5344CB8AC3E}">
+        <p14:creationId xmlns:p14="http://schemas.microsoft.com/office/powerpoint/2010/main" val="841148365"/>
+      </p:ext>
+    </p:extLst>
+  </p:cSld>
+  <p:clrMapOvr>
+    <a:masterClrMapping/>
+  </p:clrMapOvr>
+  <p:timing>
+    <p:tnLst>
+      <p:par>
+        <p:cTn id="1" dur="indefinite" restart="never" nodeType="tmRoot"/>
+      </p:par>
+    </p:tnLst>
+  </p:timing>
+</p:sld>
+</file>
+
+<file path=ppt/slides/slide13.xml><?xml version="1.0" encoding="utf-8"?>
+<p:sld xmlns:a="http://schemas.openxmlformats.org/drawingml/2006/main" xmlns:r="http://schemas.openxmlformats.org/officeDocument/2006/relationships" xmlns:p="http://schemas.openxmlformats.org/presentationml/2006/main">
+  <p:cSld>
+    <p:spTree>
+      <p:nvGrpSpPr>
+        <p:cNvPr id="1" name=""/>
+        <p:cNvGrpSpPr/>
+        <p:nvPr/>
+      </p:nvGrpSpPr>
+      <p:grpSpPr>
+        <a:xfrm>
+          <a:off x="0" y="0"/>
+          <a:ext cx="0" cy="0"/>
+          <a:chOff x="0" y="0"/>
+          <a:chExt cx="0" cy="0"/>
+        </a:xfrm>
+      </p:grpSpPr>
+      <p:sp>
+        <p:nvSpPr>
+          <p:cNvPr id="2" name="页脚占位符 1"/>
+          <p:cNvSpPr>
+            <a:spLocks noGrp="1"/>
+          </p:cNvSpPr>
+          <p:nvPr>
+            <p:ph type="ftr" sz="quarter" idx="11"/>
+          </p:nvPr>
+        </p:nvSpPr>
+        <p:spPr/>
+        <p:txBody>
+          <a:bodyPr/>
+          <a:lstStyle/>
+          <a:p>
+            <a:r>
+              <a:rPr lang="en-US" altLang="zh-CN" smtClean="0"/>
+              <a:t>ND Engineering Institute Confidential</a:t>
+            </a:r>
+            <a:endParaRPr lang="zh-CN" altLang="en-US" dirty="0"/>
+          </a:p>
+        </p:txBody>
+      </p:sp>
+      <p:sp>
+        <p:nvSpPr>
+          <p:cNvPr id="3" name="灯片编号占位符 2"/>
+          <p:cNvSpPr>
+            <a:spLocks noGrp="1"/>
+          </p:cNvSpPr>
+          <p:nvPr>
+            <p:ph type="sldNum" sz="quarter" idx="12"/>
+          </p:nvPr>
+        </p:nvSpPr>
+        <p:spPr/>
+        <p:txBody>
+          <a:bodyPr/>
+          <a:lstStyle/>
+          <a:p>
+            <a:fld id="{E2531F13-3D55-48F5-9D66-4D113F3EC470}" type="slidenum">
+              <a:rPr lang="zh-CN" altLang="en-US" smtClean="0"/>
+              <a:pPr/>
+              <a:t>13</a:t>
+            </a:fld>
+            <a:endParaRPr lang="zh-CN" altLang="en-US" dirty="0"/>
+          </a:p>
+        </p:txBody>
+      </p:sp>
+      <p:cxnSp>
+        <p:nvCxnSpPr>
+          <p:cNvPr id="32" name="直接连接符 31"/>
+          <p:cNvCxnSpPr/>
+          <p:nvPr/>
+        </p:nvCxnSpPr>
+        <p:spPr>
+          <a:xfrm rot="5400000">
+            <a:off x="628853" y="507178"/>
+            <a:ext cx="658908" cy="1"/>
+          </a:xfrm>
+          <a:prstGeom prst="line">
+            <a:avLst/>
+          </a:prstGeom>
+          <a:ln w="76200">
+            <a:solidFill>
+              <a:srgbClr val="FF0000"/>
+            </a:solidFill>
+          </a:ln>
+        </p:spPr>
+        <p:style>
+          <a:lnRef idx="1">
+            <a:schemeClr val="accent1"/>
+          </a:lnRef>
+          <a:fillRef idx="0">
+            <a:schemeClr val="accent1"/>
+          </a:fillRef>
+          <a:effectRef idx="0">
+            <a:schemeClr val="accent1"/>
+          </a:effectRef>
+          <a:fontRef idx="minor">
+            <a:schemeClr val="tx1"/>
+          </a:fontRef>
+        </p:style>
+      </p:cxnSp>
+      <p:sp>
+        <p:nvSpPr>
+          <p:cNvPr id="33" name="矩形 32"/>
+          <p:cNvSpPr/>
+          <p:nvPr/>
+        </p:nvSpPr>
+        <p:spPr>
+          <a:xfrm>
+            <a:off x="1029571" y="311084"/>
+            <a:ext cx="9210505" cy="423949"/>
+          </a:xfrm>
+          <a:prstGeom prst="rect">
+            <a:avLst/>
+          </a:prstGeom>
+          <a:noFill/>
+          <a:ln>
+            <a:noFill/>
+          </a:ln>
+        </p:spPr>
+        <p:style>
+          <a:lnRef idx="2">
+            <a:schemeClr val="accent2">
+              <a:shade val="50000"/>
+            </a:schemeClr>
+          </a:lnRef>
+          <a:fillRef idx="1">
+            <a:schemeClr val="accent2"/>
+          </a:fillRef>
+          <a:effectRef idx="0">
+            <a:schemeClr val="accent2"/>
+          </a:effectRef>
+          <a:fontRef idx="minor">
+            <a:schemeClr val="lt1"/>
+          </a:fontRef>
+        </p:style>
+        <p:txBody>
+          <a:bodyPr rtlCol="0" anchor="ctr"/>
+          <a:lstStyle/>
+          <a:p>
+            <a:r>
+              <a:rPr lang="zh-CN" altLang="en-US" sz="3600" b="1" dirty="0" smtClean="0">
+                <a:latin typeface="微软雅黑" pitchFamily="34" charset="-122"/>
+                <a:ea typeface="微软雅黑" pitchFamily="34" charset="-122"/>
+              </a:rPr>
+              <a:t>资源转码服务</a:t>
+            </a:r>
+            <a:endParaRPr lang="zh-CN" altLang="en-US" sz="3600" b="1" dirty="0">
+              <a:latin typeface="微软雅黑" pitchFamily="34" charset="-122"/>
+              <a:ea typeface="微软雅黑" pitchFamily="34" charset="-122"/>
+            </a:endParaRPr>
+          </a:p>
+        </p:txBody>
+      </p:sp>
+      <p:sp>
+        <p:nvSpPr>
+          <p:cNvPr id="6" name="矩形 5"/>
+          <p:cNvSpPr/>
+          <p:nvPr/>
+        </p:nvSpPr>
+        <p:spPr>
+          <a:xfrm>
+            <a:off x="794931" y="1616752"/>
+            <a:ext cx="10124942" cy="2400657"/>
+          </a:xfrm>
+          <a:prstGeom prst="rect">
+            <a:avLst/>
+          </a:prstGeom>
+        </p:spPr>
+        <p:txBody>
+          <a:bodyPr wrap="square">
+            <a:spAutoFit/>
+          </a:bodyPr>
+          <a:lstStyle/>
+          <a:p>
+            <a:pPr marL="514350" indent="-514350">
+              <a:lnSpc>
+                <a:spcPct val="150000"/>
+              </a:lnSpc>
+              <a:buFont typeface="Wingdings" pitchFamily="2" charset="2"/>
+              <a:buChar char="l"/>
+            </a:pPr>
+            <a:r>
+              <a:rPr lang="zh-CN" altLang="en-US" sz="2000" dirty="0" smtClean="0">
+                <a:solidFill>
+                  <a:schemeClr val="bg1"/>
+                </a:solidFill>
+                <a:latin typeface="微软雅黑" pitchFamily="34" charset="-122"/>
+                <a:ea typeface="微软雅黑" pitchFamily="34" charset="-122"/>
+              </a:rPr>
+              <a:t>支持</a:t>
+            </a:r>
+            <a:r>
+              <a:rPr lang="en-US" altLang="zh-CN" sz="2000" dirty="0" smtClean="0">
+                <a:solidFill>
+                  <a:schemeClr val="bg1"/>
+                </a:solidFill>
+                <a:latin typeface="微软雅黑" pitchFamily="34" charset="-122"/>
+                <a:ea typeface="微软雅黑" pitchFamily="34" charset="-122"/>
+              </a:rPr>
+              <a:t>doc</a:t>
+            </a:r>
+            <a:r>
+              <a:rPr lang="zh-CN" altLang="en-US" sz="2000" dirty="0" smtClean="0">
+                <a:solidFill>
+                  <a:schemeClr val="bg1"/>
+                </a:solidFill>
+                <a:latin typeface="微软雅黑" pitchFamily="34" charset="-122"/>
+                <a:ea typeface="微软雅黑" pitchFamily="34" charset="-122"/>
+              </a:rPr>
+              <a:t>，</a:t>
+            </a:r>
+            <a:r>
+              <a:rPr lang="en-US" altLang="zh-CN" sz="2000" dirty="0" err="1" smtClean="0">
+                <a:solidFill>
+                  <a:schemeClr val="bg1"/>
+                </a:solidFill>
+                <a:latin typeface="微软雅黑" pitchFamily="34" charset="-122"/>
+                <a:ea typeface="微软雅黑" pitchFamily="34" charset="-122"/>
+              </a:rPr>
+              <a:t>ppt</a:t>
+            </a:r>
+            <a:r>
+              <a:rPr lang="zh-CN" altLang="en-US" sz="2000" dirty="0" smtClean="0">
+                <a:solidFill>
+                  <a:schemeClr val="bg1"/>
+                </a:solidFill>
+                <a:latin typeface="微软雅黑" pitchFamily="34" charset="-122"/>
+                <a:ea typeface="微软雅黑" pitchFamily="34" charset="-122"/>
+              </a:rPr>
+              <a:t>转码。</a:t>
+            </a:r>
+          </a:p>
+          <a:p>
+            <a:pPr marL="514350" indent="-514350">
+              <a:lnSpc>
+                <a:spcPct val="150000"/>
+              </a:lnSpc>
+              <a:buFont typeface="Wingdings" pitchFamily="2" charset="2"/>
+              <a:buChar char="l"/>
+            </a:pPr>
+            <a:r>
+              <a:rPr lang="zh-CN" altLang="en-US" sz="2000" dirty="0" smtClean="0">
+                <a:solidFill>
+                  <a:schemeClr val="bg1"/>
+                </a:solidFill>
+                <a:latin typeface="微软雅黑" pitchFamily="34" charset="-122"/>
+                <a:ea typeface="微软雅黑" pitchFamily="34" charset="-122"/>
+              </a:rPr>
+              <a:t>支持视频［</a:t>
+            </a:r>
+            <a:r>
+              <a:rPr lang="en-US" altLang="zh-CN" sz="2000" dirty="0" err="1" smtClean="0">
+                <a:solidFill>
+                  <a:schemeClr val="bg1"/>
+                </a:solidFill>
+                <a:latin typeface="微软雅黑" pitchFamily="34" charset="-122"/>
+                <a:ea typeface="微软雅黑" pitchFamily="34" charset="-122"/>
+              </a:rPr>
+              <a:t>rmvb</a:t>
+            </a:r>
+            <a:r>
+              <a:rPr lang="zh-CN" altLang="en-US" sz="2000" dirty="0" smtClean="0">
+                <a:solidFill>
+                  <a:schemeClr val="bg1"/>
+                </a:solidFill>
+                <a:latin typeface="微软雅黑" pitchFamily="34" charset="-122"/>
+                <a:ea typeface="微软雅黑" pitchFamily="34" charset="-122"/>
+              </a:rPr>
+              <a:t>，</a:t>
+            </a:r>
+            <a:r>
+              <a:rPr lang="en-US" altLang="zh-CN" sz="2000" dirty="0" err="1" smtClean="0">
+                <a:solidFill>
+                  <a:schemeClr val="bg1"/>
+                </a:solidFill>
+                <a:latin typeface="微软雅黑" pitchFamily="34" charset="-122"/>
+                <a:ea typeface="微软雅黑" pitchFamily="34" charset="-122"/>
+              </a:rPr>
+              <a:t>avi</a:t>
+            </a:r>
+            <a:r>
+              <a:rPr lang="zh-CN" altLang="en-US" sz="2000" dirty="0" smtClean="0">
+                <a:solidFill>
+                  <a:schemeClr val="bg1"/>
+                </a:solidFill>
+                <a:latin typeface="微软雅黑" pitchFamily="34" charset="-122"/>
+                <a:ea typeface="微软雅黑" pitchFamily="34" charset="-122"/>
+              </a:rPr>
+              <a:t>，</a:t>
+            </a:r>
+            <a:r>
+              <a:rPr lang="en-US" altLang="zh-CN" sz="2000" dirty="0" err="1" smtClean="0">
+                <a:solidFill>
+                  <a:schemeClr val="bg1"/>
+                </a:solidFill>
+                <a:latin typeface="微软雅黑" pitchFamily="34" charset="-122"/>
+                <a:ea typeface="微软雅黑" pitchFamily="34" charset="-122"/>
+              </a:rPr>
+              <a:t>wmv</a:t>
+            </a:r>
+            <a:r>
+              <a:rPr lang="zh-CN" altLang="en-US" sz="2000" dirty="0" smtClean="0">
+                <a:solidFill>
+                  <a:schemeClr val="bg1"/>
+                </a:solidFill>
+                <a:latin typeface="微软雅黑" pitchFamily="34" charset="-122"/>
+                <a:ea typeface="微软雅黑" pitchFamily="34" charset="-122"/>
+              </a:rPr>
+              <a:t>等常用格式转</a:t>
+            </a:r>
+            <a:r>
+              <a:rPr lang="en-US" altLang="zh-CN" sz="2000" dirty="0" smtClean="0">
+                <a:solidFill>
+                  <a:schemeClr val="bg1"/>
+                </a:solidFill>
+                <a:latin typeface="微软雅黑" pitchFamily="34" charset="-122"/>
+                <a:ea typeface="微软雅黑" pitchFamily="34" charset="-122"/>
+              </a:rPr>
+              <a:t>mp4</a:t>
+            </a:r>
+            <a:r>
+              <a:rPr lang="zh-CN" altLang="en-US" sz="2000" dirty="0" smtClean="0">
+                <a:solidFill>
+                  <a:schemeClr val="bg1"/>
+                </a:solidFill>
+                <a:latin typeface="微软雅黑" pitchFamily="34" charset="-122"/>
+                <a:ea typeface="微软雅黑" pitchFamily="34" charset="-122"/>
+              </a:rPr>
+              <a:t>］转码</a:t>
+            </a:r>
+          </a:p>
+          <a:p>
+            <a:pPr marL="514350" indent="-514350">
+              <a:lnSpc>
+                <a:spcPct val="150000"/>
+              </a:lnSpc>
+              <a:buFont typeface="Wingdings" pitchFamily="2" charset="2"/>
+              <a:buChar char="l"/>
+            </a:pPr>
+            <a:r>
+              <a:rPr lang="zh-CN" altLang="en-US" sz="2000" dirty="0" smtClean="0">
+                <a:solidFill>
+                  <a:schemeClr val="bg1"/>
+                </a:solidFill>
+                <a:latin typeface="微软雅黑" pitchFamily="34" charset="-122"/>
+                <a:ea typeface="微软雅黑" pitchFamily="34" charset="-122"/>
+              </a:rPr>
+              <a:t>支持</a:t>
+            </a:r>
+            <a:r>
+              <a:rPr lang="en-US" altLang="zh-CN" sz="2000" dirty="0" err="1" smtClean="0">
+                <a:solidFill>
+                  <a:schemeClr val="bg1"/>
+                </a:solidFill>
+                <a:latin typeface="微软雅黑" pitchFamily="34" charset="-122"/>
+                <a:ea typeface="微软雅黑" pitchFamily="34" charset="-122"/>
+              </a:rPr>
+              <a:t>ppt</a:t>
+            </a:r>
+            <a:r>
+              <a:rPr lang="zh-CN" altLang="en-US" sz="2000" dirty="0" smtClean="0">
+                <a:solidFill>
+                  <a:schemeClr val="bg1"/>
+                </a:solidFill>
+                <a:latin typeface="微软雅黑" pitchFamily="34" charset="-122"/>
+                <a:ea typeface="微软雅黑" pitchFamily="34" charset="-122"/>
+              </a:rPr>
+              <a:t>转</a:t>
+            </a:r>
+            <a:r>
+              <a:rPr lang="en-US" altLang="zh-CN" sz="2000" dirty="0" smtClean="0">
+                <a:solidFill>
+                  <a:schemeClr val="bg1"/>
+                </a:solidFill>
+                <a:latin typeface="微软雅黑" pitchFamily="34" charset="-122"/>
+                <a:ea typeface="微软雅黑" pitchFamily="34" charset="-122"/>
+              </a:rPr>
+              <a:t>h5</a:t>
+            </a:r>
+            <a:r>
+              <a:rPr lang="zh-CN" altLang="en-US" sz="2000" dirty="0" smtClean="0">
+                <a:solidFill>
+                  <a:schemeClr val="bg1"/>
+                </a:solidFill>
+                <a:latin typeface="微软雅黑" pitchFamily="34" charset="-122"/>
+                <a:ea typeface="微软雅黑" pitchFamily="34" charset="-122"/>
+              </a:rPr>
+              <a:t>转码。</a:t>
+            </a:r>
+          </a:p>
+          <a:p>
+            <a:pPr marL="514350" indent="-514350">
+              <a:lnSpc>
+                <a:spcPct val="150000"/>
+              </a:lnSpc>
+              <a:buFont typeface="Wingdings" pitchFamily="2" charset="2"/>
+              <a:buChar char="l"/>
+            </a:pPr>
+            <a:r>
+              <a:rPr lang="zh-CN" altLang="en-US" sz="2000" dirty="0" smtClean="0">
+                <a:solidFill>
+                  <a:srgbClr val="FF0000"/>
+                </a:solidFill>
+                <a:latin typeface="微软雅黑" pitchFamily="34" charset="-122"/>
+                <a:ea typeface="微软雅黑" pitchFamily="34" charset="-122"/>
+              </a:rPr>
+              <a:t>待支持</a:t>
+            </a:r>
+            <a:r>
+              <a:rPr lang="en-US" altLang="zh-CN" sz="2000" dirty="0" smtClean="0">
+                <a:solidFill>
+                  <a:srgbClr val="FF0000"/>
+                </a:solidFill>
+                <a:latin typeface="微软雅黑" pitchFamily="34" charset="-122"/>
+                <a:ea typeface="微软雅黑" pitchFamily="34" charset="-122"/>
+              </a:rPr>
+              <a:t>VCD</a:t>
+            </a:r>
+            <a:r>
+              <a:rPr lang="zh-CN" altLang="en-US" sz="2000" dirty="0" smtClean="0">
+                <a:solidFill>
+                  <a:srgbClr val="FF0000"/>
+                </a:solidFill>
+                <a:latin typeface="微软雅黑" pitchFamily="34" charset="-122"/>
+                <a:ea typeface="微软雅黑" pitchFamily="34" charset="-122"/>
+              </a:rPr>
+              <a:t>，</a:t>
+            </a:r>
+            <a:r>
+              <a:rPr lang="en-US" altLang="zh-CN" sz="2000" dirty="0" smtClean="0">
+                <a:solidFill>
+                  <a:srgbClr val="FF0000"/>
+                </a:solidFill>
+                <a:latin typeface="微软雅黑" pitchFamily="34" charset="-122"/>
+                <a:ea typeface="微软雅黑" pitchFamily="34" charset="-122"/>
+              </a:rPr>
+              <a:t>DVD</a:t>
+            </a:r>
+            <a:r>
+              <a:rPr lang="zh-CN" altLang="en-US" sz="2000" dirty="0" smtClean="0">
+                <a:solidFill>
+                  <a:srgbClr val="FF0000"/>
+                </a:solidFill>
+                <a:latin typeface="微软雅黑" pitchFamily="34" charset="-122"/>
+                <a:ea typeface="微软雅黑" pitchFamily="34" charset="-122"/>
+              </a:rPr>
+              <a:t>视频等资源转码。</a:t>
+            </a:r>
+          </a:p>
+          <a:p>
+            <a:pPr marL="514350" indent="-514350">
+              <a:lnSpc>
+                <a:spcPct val="150000"/>
+              </a:lnSpc>
+              <a:buFont typeface="Wingdings" pitchFamily="2" charset="2"/>
+              <a:buChar char="l"/>
+            </a:pPr>
+            <a:r>
+              <a:rPr lang="zh-CN" altLang="en-US" sz="2000" dirty="0" smtClean="0">
+                <a:solidFill>
+                  <a:srgbClr val="FF0000"/>
+                </a:solidFill>
+                <a:latin typeface="微软雅黑" pitchFamily="34" charset="-122"/>
+                <a:ea typeface="微软雅黑" pitchFamily="34" charset="-122"/>
+              </a:rPr>
+              <a:t>待支持</a:t>
+            </a:r>
+            <a:r>
+              <a:rPr lang="en-US" altLang="zh-CN" sz="2000" dirty="0" smtClean="0">
+                <a:solidFill>
+                  <a:srgbClr val="FF0000"/>
+                </a:solidFill>
+                <a:latin typeface="微软雅黑" pitchFamily="34" charset="-122"/>
+                <a:ea typeface="微软雅黑" pitchFamily="34" charset="-122"/>
+              </a:rPr>
+              <a:t>3D</a:t>
+            </a:r>
+            <a:r>
+              <a:rPr lang="zh-CN" altLang="en-US" sz="2000" dirty="0" smtClean="0">
+                <a:solidFill>
+                  <a:srgbClr val="FF0000"/>
+                </a:solidFill>
+                <a:latin typeface="微软雅黑" pitchFamily="34" charset="-122"/>
+                <a:ea typeface="微软雅黑" pitchFamily="34" charset="-122"/>
+              </a:rPr>
+              <a:t>资源转码。</a:t>
+            </a:r>
+            <a:endParaRPr lang="en-US" altLang="zh-CN" sz="2000" dirty="0" smtClean="0">
+              <a:solidFill>
+                <a:srgbClr val="FF0000"/>
+              </a:solidFill>
+              <a:latin typeface="微软雅黑" pitchFamily="34" charset="-122"/>
+              <a:ea typeface="微软雅黑" pitchFamily="34" charset="-122"/>
+            </a:endParaRPr>
+          </a:p>
+        </p:txBody>
+      </p:sp>
+    </p:spTree>
+    <p:extLst>
+      <p:ext uri="{BB962C8B-B14F-4D97-AF65-F5344CB8AC3E}">
+        <p14:creationId xmlns:p14="http://schemas.microsoft.com/office/powerpoint/2010/main" val="2112255763"/>
+      </p:ext>
+    </p:extLst>
+  </p:cSld>
+  <p:clrMapOvr>
+    <a:masterClrMapping/>
+  </p:clrMapOvr>
+  <p:timing>
+    <p:tnLst>
+      <p:par>
+        <p:cTn id="1" dur="indefinite" restart="never" nodeType="tmRoot"/>
+      </p:par>
+    </p:tnLst>
+  </p:timing>
+</p:sld>
+</file>
+
+<file path=ppt/slides/slide14.xml><?xml version="1.0" encoding="utf-8"?>
+<p:sld xmlns:a="http://schemas.openxmlformats.org/drawingml/2006/main" xmlns:r="http://schemas.openxmlformats.org/officeDocument/2006/relationships" xmlns:p="http://schemas.openxmlformats.org/presentationml/2006/main">
+  <p:cSld>
+    <p:spTree>
+      <p:nvGrpSpPr>
+        <p:cNvPr id="1" name=""/>
+        <p:cNvGrpSpPr/>
+        <p:nvPr/>
+      </p:nvGrpSpPr>
+      <p:grpSpPr>
+        <a:xfrm>
+          <a:off x="0" y="0"/>
+          <a:ext cx="0" cy="0"/>
+          <a:chOff x="0" y="0"/>
+          <a:chExt cx="0" cy="0"/>
+        </a:xfrm>
+      </p:grpSpPr>
+      <p:sp>
+        <p:nvSpPr>
+          <p:cNvPr id="2" name="页脚占位符 1"/>
+          <p:cNvSpPr>
+            <a:spLocks noGrp="1"/>
+          </p:cNvSpPr>
+          <p:nvPr>
+            <p:ph type="ftr" sz="quarter" idx="11"/>
+          </p:nvPr>
+        </p:nvSpPr>
+        <p:spPr/>
+        <p:txBody>
+          <a:bodyPr/>
+          <a:lstStyle/>
+          <a:p>
+            <a:r>
+              <a:rPr lang="en-US" altLang="zh-CN" smtClean="0"/>
+              <a:t>ND Engineering Institute Confidential</a:t>
+            </a:r>
+            <a:endParaRPr lang="zh-CN" altLang="en-US" dirty="0"/>
+          </a:p>
+        </p:txBody>
+      </p:sp>
+      <p:sp>
+        <p:nvSpPr>
+          <p:cNvPr id="3" name="灯片编号占位符 2"/>
+          <p:cNvSpPr>
+            <a:spLocks noGrp="1"/>
+          </p:cNvSpPr>
+          <p:nvPr>
+            <p:ph type="sldNum" sz="quarter" idx="12"/>
+          </p:nvPr>
+        </p:nvSpPr>
+        <p:spPr/>
+        <p:txBody>
+          <a:bodyPr/>
+          <a:lstStyle/>
+          <a:p>
+            <a:fld id="{E2531F13-3D55-48F5-9D66-4D113F3EC470}" type="slidenum">
+              <a:rPr lang="zh-CN" altLang="en-US" smtClean="0"/>
+              <a:pPr/>
+              <a:t>14</a:t>
+            </a:fld>
+            <a:endParaRPr lang="zh-CN" altLang="en-US" dirty="0"/>
+          </a:p>
+        </p:txBody>
+      </p:sp>
+      <p:cxnSp>
+        <p:nvCxnSpPr>
+          <p:cNvPr id="32" name="直接连接符 31"/>
+          <p:cNvCxnSpPr/>
+          <p:nvPr/>
+        </p:nvCxnSpPr>
+        <p:spPr>
+          <a:xfrm rot="5400000">
+            <a:off x="628853" y="507178"/>
+            <a:ext cx="658908" cy="1"/>
+          </a:xfrm>
+          <a:prstGeom prst="line">
+            <a:avLst/>
+          </a:prstGeom>
+          <a:ln w="76200">
+            <a:solidFill>
+              <a:srgbClr val="FF0000"/>
+            </a:solidFill>
+          </a:ln>
+        </p:spPr>
+        <p:style>
+          <a:lnRef idx="1">
+            <a:schemeClr val="accent1"/>
+          </a:lnRef>
+          <a:fillRef idx="0">
+            <a:schemeClr val="accent1"/>
+          </a:fillRef>
+          <a:effectRef idx="0">
+            <a:schemeClr val="accent1"/>
+          </a:effectRef>
+          <a:fontRef idx="minor">
+            <a:schemeClr val="tx1"/>
+          </a:fontRef>
+        </p:style>
+      </p:cxnSp>
+      <p:sp>
+        <p:nvSpPr>
+          <p:cNvPr id="33" name="矩形 32"/>
+          <p:cNvSpPr/>
+          <p:nvPr/>
+        </p:nvSpPr>
+        <p:spPr>
+          <a:xfrm>
+            <a:off x="1029571" y="311084"/>
+            <a:ext cx="9210505" cy="423949"/>
+          </a:xfrm>
+          <a:prstGeom prst="rect">
+            <a:avLst/>
+          </a:prstGeom>
+          <a:noFill/>
+          <a:ln>
+            <a:noFill/>
+          </a:ln>
+        </p:spPr>
+        <p:style>
+          <a:lnRef idx="2">
+            <a:schemeClr val="accent2">
+              <a:shade val="50000"/>
+            </a:schemeClr>
+          </a:lnRef>
+          <a:fillRef idx="1">
+            <a:schemeClr val="accent2"/>
+          </a:fillRef>
+          <a:effectRef idx="0">
+            <a:schemeClr val="accent2"/>
+          </a:effectRef>
+          <a:fontRef idx="minor">
+            <a:schemeClr val="lt1"/>
+          </a:fontRef>
+        </p:style>
+        <p:txBody>
+          <a:bodyPr rtlCol="0" anchor="ctr"/>
+          <a:lstStyle/>
+          <a:p>
+            <a:r>
+              <a:rPr lang="zh-CN" altLang="en-US" sz="3600" b="1" dirty="0" smtClean="0">
+                <a:latin typeface="微软雅黑" pitchFamily="34" charset="-122"/>
+                <a:ea typeface="微软雅黑" pitchFamily="34" charset="-122"/>
+              </a:rPr>
+              <a:t>资源打包服务</a:t>
+            </a:r>
+            <a:endParaRPr lang="zh-CN" altLang="en-US" sz="3600" b="1" dirty="0">
+              <a:latin typeface="微软雅黑" pitchFamily="34" charset="-122"/>
+              <a:ea typeface="微软雅黑" pitchFamily="34" charset="-122"/>
+            </a:endParaRPr>
+          </a:p>
+        </p:txBody>
+      </p:sp>
+      <p:sp>
+        <p:nvSpPr>
+          <p:cNvPr id="6" name="矩形 5"/>
+          <p:cNvSpPr/>
+          <p:nvPr/>
+        </p:nvSpPr>
+        <p:spPr>
+          <a:xfrm>
+            <a:off x="794931" y="1616752"/>
+            <a:ext cx="10124942" cy="2400657"/>
+          </a:xfrm>
+          <a:prstGeom prst="rect">
+            <a:avLst/>
+          </a:prstGeom>
+        </p:spPr>
+        <p:txBody>
+          <a:bodyPr wrap="square">
+            <a:spAutoFit/>
+          </a:bodyPr>
+          <a:lstStyle/>
+          <a:p>
+            <a:pPr marL="514350" indent="-514350">
+              <a:lnSpc>
+                <a:spcPct val="150000"/>
+              </a:lnSpc>
+              <a:buFont typeface="Wingdings" pitchFamily="2" charset="2"/>
+              <a:buChar char="l"/>
+            </a:pPr>
+            <a:r>
+              <a:rPr lang="zh-CN" altLang="en-US" sz="2000" dirty="0" smtClean="0">
+                <a:solidFill>
+                  <a:schemeClr val="bg1"/>
+                </a:solidFill>
+                <a:latin typeface="微软雅黑" pitchFamily="34" charset="-122"/>
+                <a:ea typeface="微软雅黑" pitchFamily="34" charset="-122"/>
+              </a:rPr>
+              <a:t>支持互动课件打包。</a:t>
+            </a:r>
+          </a:p>
+          <a:p>
+            <a:pPr marL="514350" indent="-514350">
+              <a:lnSpc>
+                <a:spcPct val="150000"/>
+              </a:lnSpc>
+              <a:buFont typeface="Wingdings" pitchFamily="2" charset="2"/>
+              <a:buChar char="l"/>
+            </a:pPr>
+            <a:r>
+              <a:rPr lang="zh-CN" altLang="en-US" sz="2000" dirty="0" smtClean="0">
+                <a:solidFill>
+                  <a:schemeClr val="bg1"/>
+                </a:solidFill>
+                <a:latin typeface="微软雅黑" pitchFamily="34" charset="-122"/>
+                <a:ea typeface="微软雅黑" pitchFamily="34" charset="-122"/>
+              </a:rPr>
+              <a:t>支持课件颗粒打包。</a:t>
+            </a:r>
+          </a:p>
+          <a:p>
+            <a:pPr marL="514350" indent="-514350">
+              <a:lnSpc>
+                <a:spcPct val="150000"/>
+              </a:lnSpc>
+              <a:buFont typeface="Wingdings" pitchFamily="2" charset="2"/>
+              <a:buChar char="l"/>
+            </a:pPr>
+            <a:r>
+              <a:rPr lang="zh-CN" altLang="en-US" sz="2000" dirty="0" smtClean="0">
+                <a:solidFill>
+                  <a:schemeClr val="bg1"/>
+                </a:solidFill>
+                <a:latin typeface="微软雅黑" pitchFamily="34" charset="-122"/>
+                <a:ea typeface="微软雅黑" pitchFamily="34" charset="-122"/>
+              </a:rPr>
+              <a:t>支持习题打包。</a:t>
+            </a:r>
+          </a:p>
+          <a:p>
+            <a:pPr marL="514350" indent="-514350">
+              <a:lnSpc>
+                <a:spcPct val="150000"/>
+              </a:lnSpc>
+              <a:buFont typeface="Wingdings" pitchFamily="2" charset="2"/>
+              <a:buChar char="l"/>
+            </a:pPr>
+            <a:r>
+              <a:rPr lang="zh-CN" altLang="en-US" sz="2000" dirty="0" smtClean="0">
+                <a:solidFill>
+                  <a:schemeClr val="bg1"/>
+                </a:solidFill>
+                <a:latin typeface="微软雅黑" pitchFamily="34" charset="-122"/>
+                <a:ea typeface="微软雅黑" pitchFamily="34" charset="-122"/>
+              </a:rPr>
+              <a:t>支持以上资源预打包。</a:t>
+            </a:r>
+          </a:p>
+          <a:p>
+            <a:pPr marL="514350" indent="-514350">
+              <a:lnSpc>
+                <a:spcPct val="150000"/>
+              </a:lnSpc>
+              <a:buFont typeface="Wingdings" pitchFamily="2" charset="2"/>
+              <a:buChar char="l"/>
+            </a:pPr>
+            <a:r>
+              <a:rPr lang="zh-CN" altLang="en-US" sz="2000" dirty="0" smtClean="0">
+                <a:solidFill>
+                  <a:srgbClr val="FF0000"/>
+                </a:solidFill>
+                <a:latin typeface="微软雅黑" pitchFamily="34" charset="-122"/>
+                <a:ea typeface="微软雅黑" pitchFamily="34" charset="-122"/>
+              </a:rPr>
+              <a:t>待支持客户端资源打包。</a:t>
+            </a:r>
+          </a:p>
+        </p:txBody>
+      </p:sp>
+    </p:spTree>
+    <p:extLst>
+      <p:ext uri="{BB962C8B-B14F-4D97-AF65-F5344CB8AC3E}">
+        <p14:creationId xmlns:p14="http://schemas.microsoft.com/office/powerpoint/2010/main" val="87755422"/>
+      </p:ext>
+    </p:extLst>
+  </p:cSld>
+  <p:clrMapOvr>
+    <a:masterClrMapping/>
+  </p:clrMapOvr>
+  <p:timing>
+    <p:tnLst>
+      <p:par>
+        <p:cTn id="1" dur="indefinite" restart="never" nodeType="tmRoot"/>
+      </p:par>
+    </p:tnLst>
+  </p:timing>
+</p:sld>
+</file>
+
+<file path=ppt/slides/slide15.xml><?xml version="1.0" encoding="utf-8"?>
+<p:sld xmlns:a="http://schemas.openxmlformats.org/drawingml/2006/main" xmlns:r="http://schemas.openxmlformats.org/officeDocument/2006/relationships" xmlns:p="http://schemas.openxmlformats.org/presentationml/2006/main">
+  <p:cSld>
+    <p:spTree>
+      <p:nvGrpSpPr>
+        <p:cNvPr id="1" name=""/>
+        <p:cNvGrpSpPr/>
+        <p:nvPr/>
+      </p:nvGrpSpPr>
+      <p:grpSpPr>
+        <a:xfrm>
+          <a:off x="0" y="0"/>
+          <a:ext cx="0" cy="0"/>
+          <a:chOff x="0" y="0"/>
+          <a:chExt cx="0" cy="0"/>
+        </a:xfrm>
+      </p:grpSpPr>
+      <p:sp>
+        <p:nvSpPr>
+          <p:cNvPr id="2" name="页脚占位符 1"/>
+          <p:cNvSpPr>
+            <a:spLocks noGrp="1"/>
+          </p:cNvSpPr>
+          <p:nvPr>
+            <p:ph type="ftr" sz="quarter" idx="11"/>
+          </p:nvPr>
+        </p:nvSpPr>
+        <p:spPr/>
+        <p:txBody>
+          <a:bodyPr/>
+          <a:lstStyle/>
+          <a:p>
+            <a:r>
+              <a:rPr lang="en-US" altLang="zh-CN" smtClean="0"/>
+              <a:t>ND Engineering Institute Confidential</a:t>
+            </a:r>
+            <a:endParaRPr lang="zh-CN" altLang="en-US" dirty="0"/>
+          </a:p>
+        </p:txBody>
+      </p:sp>
+      <p:sp>
+        <p:nvSpPr>
+          <p:cNvPr id="3" name="灯片编号占位符 2"/>
+          <p:cNvSpPr>
+            <a:spLocks noGrp="1"/>
+          </p:cNvSpPr>
+          <p:nvPr>
+            <p:ph type="sldNum" sz="quarter" idx="12"/>
+          </p:nvPr>
+        </p:nvSpPr>
+        <p:spPr/>
+        <p:txBody>
+          <a:bodyPr/>
+          <a:lstStyle/>
+          <a:p>
+            <a:fld id="{E2531F13-3D55-48F5-9D66-4D113F3EC470}" type="slidenum">
+              <a:rPr lang="zh-CN" altLang="en-US" smtClean="0"/>
+              <a:pPr/>
+              <a:t>15</a:t>
+            </a:fld>
+            <a:endParaRPr lang="zh-CN" altLang="en-US" dirty="0"/>
+          </a:p>
+        </p:txBody>
+      </p:sp>
+      <p:cxnSp>
+        <p:nvCxnSpPr>
+          <p:cNvPr id="32" name="直接连接符 31"/>
+          <p:cNvCxnSpPr/>
+          <p:nvPr/>
+        </p:nvCxnSpPr>
+        <p:spPr>
+          <a:xfrm rot="5400000">
+            <a:off x="628853" y="507178"/>
+            <a:ext cx="658908" cy="1"/>
+          </a:xfrm>
+          <a:prstGeom prst="line">
+            <a:avLst/>
+          </a:prstGeom>
+          <a:ln w="76200">
+            <a:solidFill>
+              <a:srgbClr val="FF0000"/>
+            </a:solidFill>
+          </a:ln>
+        </p:spPr>
+        <p:style>
+          <a:lnRef idx="1">
+            <a:schemeClr val="accent1"/>
+          </a:lnRef>
+          <a:fillRef idx="0">
+            <a:schemeClr val="accent1"/>
+          </a:fillRef>
+          <a:effectRef idx="0">
+            <a:schemeClr val="accent1"/>
+          </a:effectRef>
+          <a:fontRef idx="minor">
+            <a:schemeClr val="tx1"/>
+          </a:fontRef>
+        </p:style>
+      </p:cxnSp>
+      <p:sp>
+        <p:nvSpPr>
+          <p:cNvPr id="33" name="矩形 32"/>
+          <p:cNvSpPr/>
+          <p:nvPr/>
+        </p:nvSpPr>
+        <p:spPr>
+          <a:xfrm>
+            <a:off x="1029571" y="311084"/>
+            <a:ext cx="9210505" cy="423949"/>
+          </a:xfrm>
+          <a:prstGeom prst="rect">
+            <a:avLst/>
+          </a:prstGeom>
+          <a:noFill/>
+          <a:ln>
+            <a:noFill/>
+          </a:ln>
+        </p:spPr>
+        <p:style>
+          <a:lnRef idx="2">
+            <a:schemeClr val="accent2">
+              <a:shade val="50000"/>
+            </a:schemeClr>
+          </a:lnRef>
+          <a:fillRef idx="1">
+            <a:schemeClr val="accent2"/>
+          </a:fillRef>
+          <a:effectRef idx="0">
+            <a:schemeClr val="accent2"/>
+          </a:effectRef>
+          <a:fontRef idx="minor">
+            <a:schemeClr val="lt1"/>
+          </a:fontRef>
+        </p:style>
+        <p:txBody>
+          <a:bodyPr rtlCol="0" anchor="ctr"/>
+          <a:lstStyle/>
+          <a:p>
+            <a:r>
+              <a:rPr lang="zh-CN" altLang="en-US" sz="3600" b="1" dirty="0" smtClean="0">
+                <a:latin typeface="微软雅黑" pitchFamily="34" charset="-122"/>
+                <a:ea typeface="微软雅黑" pitchFamily="34" charset="-122"/>
+              </a:rPr>
+              <a:t>资源平台依赖管理</a:t>
+            </a:r>
+            <a:endParaRPr lang="zh-CN" altLang="en-US" sz="3600" b="1" dirty="0">
+              <a:latin typeface="微软雅黑" pitchFamily="34" charset="-122"/>
+              <a:ea typeface="微软雅黑" pitchFamily="34" charset="-122"/>
+            </a:endParaRPr>
+          </a:p>
+        </p:txBody>
+      </p:sp>
+      <p:sp>
+        <p:nvSpPr>
+          <p:cNvPr id="6" name="矩形 5"/>
+          <p:cNvSpPr/>
+          <p:nvPr/>
+        </p:nvSpPr>
+        <p:spPr>
+          <a:xfrm>
+            <a:off x="794931" y="1616752"/>
+            <a:ext cx="10124942" cy="2400657"/>
+          </a:xfrm>
+          <a:prstGeom prst="rect">
+            <a:avLst/>
+          </a:prstGeom>
+        </p:spPr>
+        <p:txBody>
+          <a:bodyPr wrap="square">
+            <a:spAutoFit/>
+          </a:bodyPr>
+          <a:lstStyle/>
+          <a:p>
+            <a:pPr marL="514350" indent="-514350">
+              <a:lnSpc>
+                <a:spcPct val="150000"/>
+              </a:lnSpc>
+              <a:buFont typeface="Wingdings" pitchFamily="2" charset="2"/>
+              <a:buChar char="l"/>
+            </a:pPr>
+            <a:r>
+              <a:rPr lang="zh-CN" altLang="en-US" sz="2000" dirty="0" smtClean="0">
+                <a:solidFill>
+                  <a:schemeClr val="bg1"/>
+                </a:solidFill>
+                <a:latin typeface="微软雅黑" pitchFamily="34" charset="-122"/>
+                <a:ea typeface="微软雅黑" pitchFamily="34" charset="-122"/>
+              </a:rPr>
+              <a:t>支持资源技术指标管理，比如：分辨率，采样率，媒体格式</a:t>
+            </a:r>
+            <a:r>
+              <a:rPr lang="zh-CN" altLang="en-US" sz="2000" dirty="0" smtClean="0">
+                <a:solidFill>
+                  <a:schemeClr val="bg1"/>
+                </a:solidFill>
+                <a:latin typeface="微软雅黑" pitchFamily="34" charset="-122"/>
+                <a:ea typeface="微软雅黑" pitchFamily="34" charset="-122"/>
+              </a:rPr>
+              <a:t>。</a:t>
+            </a:r>
+          </a:p>
+          <a:p>
+            <a:pPr marL="514350" indent="-514350">
+              <a:lnSpc>
+                <a:spcPct val="150000"/>
+              </a:lnSpc>
+              <a:buFont typeface="Wingdings" pitchFamily="2" charset="2"/>
+              <a:buChar char="l"/>
+            </a:pPr>
+            <a:r>
+              <a:rPr lang="zh-CN" altLang="en-US" sz="2000" dirty="0" smtClean="0">
+                <a:solidFill>
+                  <a:schemeClr val="bg1"/>
+                </a:solidFill>
+                <a:latin typeface="微软雅黑" pitchFamily="34" charset="-122"/>
+                <a:ea typeface="微软雅黑" pitchFamily="34" charset="-122"/>
+              </a:rPr>
+              <a:t>支持资源运行软件环境的管理，比如：</a:t>
+            </a:r>
+            <a:r>
+              <a:rPr lang="en-US" altLang="zh-CN" sz="2000" dirty="0" smtClean="0">
+                <a:solidFill>
+                  <a:schemeClr val="bg1"/>
+                </a:solidFill>
+                <a:latin typeface="微软雅黑" pitchFamily="34" charset="-122"/>
+                <a:ea typeface="微软雅黑" pitchFamily="34" charset="-122"/>
+              </a:rPr>
+              <a:t>office</a:t>
+            </a:r>
+            <a:r>
+              <a:rPr lang="zh-CN" altLang="en-US" sz="2000" dirty="0" smtClean="0">
+                <a:solidFill>
+                  <a:schemeClr val="bg1"/>
+                </a:solidFill>
+                <a:latin typeface="微软雅黑" pitchFamily="34" charset="-122"/>
+                <a:ea typeface="微软雅黑" pitchFamily="34" charset="-122"/>
+              </a:rPr>
+              <a:t>版本，操作系统版本，终端设备要求等。</a:t>
+            </a:r>
+          </a:p>
+          <a:p>
+            <a:pPr marL="514350" indent="-514350">
+              <a:lnSpc>
+                <a:spcPct val="150000"/>
+              </a:lnSpc>
+              <a:buFont typeface="Wingdings" pitchFamily="2" charset="2"/>
+              <a:buChar char="l"/>
+            </a:pPr>
+            <a:r>
+              <a:rPr lang="zh-CN" altLang="en-US" sz="2000" dirty="0" smtClean="0">
+                <a:solidFill>
+                  <a:schemeClr val="bg1"/>
+                </a:solidFill>
+                <a:latin typeface="微软雅黑" pitchFamily="34" charset="-122"/>
+                <a:ea typeface="微软雅黑" pitchFamily="34" charset="-122"/>
+              </a:rPr>
+              <a:t>支持网络环境要求管理：比如网络带宽要求，互联网连接形势要求。</a:t>
+            </a:r>
+          </a:p>
+          <a:p>
+            <a:pPr marL="514350" indent="-514350">
+              <a:lnSpc>
+                <a:spcPct val="150000"/>
+              </a:lnSpc>
+              <a:buFont typeface="Wingdings" pitchFamily="2" charset="2"/>
+              <a:buChar char="l"/>
+            </a:pPr>
+            <a:r>
+              <a:rPr lang="zh-CN" altLang="en-US" sz="2000" dirty="0" smtClean="0">
+                <a:solidFill>
+                  <a:schemeClr val="bg1"/>
+                </a:solidFill>
+                <a:latin typeface="微软雅黑" pitchFamily="34" charset="-122"/>
+                <a:ea typeface="微软雅黑" pitchFamily="34" charset="-122"/>
+              </a:rPr>
+              <a:t>支持硬件平台要求管理：比如</a:t>
+            </a:r>
+            <a:r>
+              <a:rPr lang="en-US" altLang="zh-CN" sz="2000" dirty="0" smtClean="0">
+                <a:solidFill>
+                  <a:schemeClr val="bg1"/>
+                </a:solidFill>
+                <a:latin typeface="微软雅黑" pitchFamily="34" charset="-122"/>
+                <a:ea typeface="微软雅黑" pitchFamily="34" charset="-122"/>
+              </a:rPr>
+              <a:t>CPU</a:t>
+            </a:r>
+            <a:r>
+              <a:rPr lang="zh-CN" altLang="en-US" sz="2000" dirty="0" smtClean="0">
+                <a:solidFill>
+                  <a:schemeClr val="bg1"/>
+                </a:solidFill>
+                <a:latin typeface="微软雅黑" pitchFamily="34" charset="-122"/>
+                <a:ea typeface="微软雅黑" pitchFamily="34" charset="-122"/>
+              </a:rPr>
+              <a:t>，内存，存储空间要求等。</a:t>
+            </a:r>
+          </a:p>
+          <a:p>
+            <a:pPr marL="514350" indent="-514350">
+              <a:lnSpc>
+                <a:spcPct val="150000"/>
+              </a:lnSpc>
+              <a:buFont typeface="Wingdings" pitchFamily="2" charset="2"/>
+              <a:buChar char="l"/>
+            </a:pPr>
+            <a:r>
+              <a:rPr lang="zh-CN" altLang="en-US" sz="2000" dirty="0" smtClean="0">
+                <a:solidFill>
+                  <a:srgbClr val="FF0000"/>
+                </a:solidFill>
+                <a:latin typeface="微软雅黑" pitchFamily="34" charset="-122"/>
+                <a:ea typeface="微软雅黑" pitchFamily="34" charset="-122"/>
+              </a:rPr>
+              <a:t>待支持平台自动识别和适配。</a:t>
+            </a:r>
+            <a:endParaRPr lang="en-US" altLang="zh-CN" sz="2000" dirty="0" smtClean="0">
+              <a:solidFill>
+                <a:srgbClr val="FF0000"/>
+              </a:solidFill>
+              <a:latin typeface="微软雅黑" pitchFamily="34" charset="-122"/>
+              <a:ea typeface="微软雅黑" pitchFamily="34" charset="-122"/>
+            </a:endParaRPr>
+          </a:p>
+        </p:txBody>
+      </p:sp>
+    </p:spTree>
+    <p:extLst>
+      <p:ext uri="{BB962C8B-B14F-4D97-AF65-F5344CB8AC3E}">
+        <p14:creationId xmlns:p14="http://schemas.microsoft.com/office/powerpoint/2010/main" val="1642548899"/>
+      </p:ext>
+    </p:extLst>
+  </p:cSld>
+  <p:clrMapOvr>
+    <a:masterClrMapping/>
+  </p:clrMapOvr>
+  <p:timing>
+    <p:tnLst>
+      <p:par>
+        <p:cTn id="1" dur="indefinite" restart="never" nodeType="tmRoot"/>
+      </p:par>
+    </p:tnLst>
+  </p:timing>
+</p:sld>
+</file>
+
+<file path=ppt/slides/slide16.xml><?xml version="1.0" encoding="utf-8"?>
+<p:sld xmlns:a="http://schemas.openxmlformats.org/drawingml/2006/main" xmlns:r="http://schemas.openxmlformats.org/officeDocument/2006/relationships" xmlns:p="http://schemas.openxmlformats.org/presentationml/2006/main">
+  <p:cSld>
+    <p:spTree>
+      <p:nvGrpSpPr>
+        <p:cNvPr id="1" name=""/>
+        <p:cNvGrpSpPr/>
+        <p:nvPr/>
+      </p:nvGrpSpPr>
+      <p:grpSpPr>
+        <a:xfrm>
+          <a:off x="0" y="0"/>
+          <a:ext cx="0" cy="0"/>
+          <a:chOff x="0" y="0"/>
+          <a:chExt cx="0" cy="0"/>
+        </a:xfrm>
+      </p:grpSpPr>
+      <p:sp>
+        <p:nvSpPr>
+          <p:cNvPr id="2" name="页脚占位符 1"/>
+          <p:cNvSpPr>
+            <a:spLocks noGrp="1"/>
+          </p:cNvSpPr>
+          <p:nvPr>
+            <p:ph type="ftr" sz="quarter" idx="11"/>
+          </p:nvPr>
+        </p:nvSpPr>
+        <p:spPr/>
+        <p:txBody>
+          <a:bodyPr/>
+          <a:lstStyle/>
+          <a:p>
+            <a:r>
+              <a:rPr lang="en-US" altLang="zh-CN" smtClean="0"/>
+              <a:t>ND Engineering Institute Confidential</a:t>
+            </a:r>
+            <a:endParaRPr lang="zh-CN" altLang="en-US" dirty="0"/>
+          </a:p>
+        </p:txBody>
+      </p:sp>
+      <p:sp>
+        <p:nvSpPr>
+          <p:cNvPr id="3" name="灯片编号占位符 2"/>
+          <p:cNvSpPr>
+            <a:spLocks noGrp="1"/>
+          </p:cNvSpPr>
+          <p:nvPr>
+            <p:ph type="sldNum" sz="quarter" idx="12"/>
+          </p:nvPr>
+        </p:nvSpPr>
+        <p:spPr/>
+        <p:txBody>
+          <a:bodyPr/>
+          <a:lstStyle/>
+          <a:p>
+            <a:fld id="{E2531F13-3D55-48F5-9D66-4D113F3EC470}" type="slidenum">
+              <a:rPr lang="zh-CN" altLang="en-US" smtClean="0"/>
+              <a:pPr/>
+              <a:t>16</a:t>
+            </a:fld>
+            <a:endParaRPr lang="zh-CN" altLang="en-US" dirty="0"/>
+          </a:p>
+        </p:txBody>
+      </p:sp>
+      <p:cxnSp>
+        <p:nvCxnSpPr>
+          <p:cNvPr id="32" name="直接连接符 31"/>
+          <p:cNvCxnSpPr/>
+          <p:nvPr/>
+        </p:nvCxnSpPr>
+        <p:spPr>
+          <a:xfrm rot="5400000">
+            <a:off x="628853" y="507178"/>
+            <a:ext cx="658908" cy="1"/>
+          </a:xfrm>
+          <a:prstGeom prst="line">
+            <a:avLst/>
+          </a:prstGeom>
+          <a:ln w="76200">
+            <a:solidFill>
+              <a:srgbClr val="FF0000"/>
+            </a:solidFill>
+          </a:ln>
+        </p:spPr>
+        <p:style>
+          <a:lnRef idx="1">
+            <a:schemeClr val="accent1"/>
+          </a:lnRef>
+          <a:fillRef idx="0">
+            <a:schemeClr val="accent1"/>
+          </a:fillRef>
+          <a:effectRef idx="0">
+            <a:schemeClr val="accent1"/>
+          </a:effectRef>
+          <a:fontRef idx="minor">
+            <a:schemeClr val="tx1"/>
+          </a:fontRef>
+        </p:style>
+      </p:cxnSp>
+      <p:sp>
+        <p:nvSpPr>
+          <p:cNvPr id="33" name="矩形 32"/>
+          <p:cNvSpPr/>
+          <p:nvPr/>
+        </p:nvSpPr>
+        <p:spPr>
+          <a:xfrm>
+            <a:off x="1029571" y="311084"/>
+            <a:ext cx="9210505" cy="423949"/>
+          </a:xfrm>
+          <a:prstGeom prst="rect">
+            <a:avLst/>
+          </a:prstGeom>
+          <a:noFill/>
+          <a:ln>
+            <a:noFill/>
+          </a:ln>
+        </p:spPr>
+        <p:style>
+          <a:lnRef idx="2">
+            <a:schemeClr val="accent2">
+              <a:shade val="50000"/>
+            </a:schemeClr>
+          </a:lnRef>
+          <a:fillRef idx="1">
+            <a:schemeClr val="accent2"/>
+          </a:fillRef>
+          <a:effectRef idx="0">
+            <a:schemeClr val="accent2"/>
+          </a:effectRef>
+          <a:fontRef idx="minor">
+            <a:schemeClr val="lt1"/>
+          </a:fontRef>
+        </p:style>
+        <p:txBody>
+          <a:bodyPr rtlCol="0" anchor="ctr"/>
+          <a:lstStyle/>
+          <a:p>
+            <a:r>
+              <a:rPr lang="zh-CN" altLang="en-US" sz="3600" b="1" dirty="0" smtClean="0">
+                <a:latin typeface="微软雅黑" pitchFamily="34" charset="-122"/>
+                <a:ea typeface="微软雅黑" pitchFamily="34" charset="-122"/>
+              </a:rPr>
+              <a:t>分类纬度管理</a:t>
+            </a:r>
+            <a:endParaRPr lang="zh-CN" altLang="en-US" sz="3600" b="1" dirty="0">
+              <a:latin typeface="微软雅黑" pitchFamily="34" charset="-122"/>
+              <a:ea typeface="微软雅黑" pitchFamily="34" charset="-122"/>
+            </a:endParaRPr>
+          </a:p>
+        </p:txBody>
+      </p:sp>
+      <p:sp>
+        <p:nvSpPr>
+          <p:cNvPr id="6" name="矩形 5"/>
+          <p:cNvSpPr/>
+          <p:nvPr/>
+        </p:nvSpPr>
+        <p:spPr>
+          <a:xfrm>
+            <a:off x="794931" y="1616752"/>
+            <a:ext cx="10124942" cy="2400657"/>
+          </a:xfrm>
+          <a:prstGeom prst="rect">
+            <a:avLst/>
+          </a:prstGeom>
+        </p:spPr>
+        <p:txBody>
+          <a:bodyPr wrap="square">
+            <a:spAutoFit/>
+          </a:bodyPr>
+          <a:lstStyle/>
+          <a:p>
+            <a:pPr marL="514350" indent="-514350">
+              <a:lnSpc>
+                <a:spcPct val="150000"/>
+              </a:lnSpc>
+              <a:buFont typeface="Wingdings" pitchFamily="2" charset="2"/>
+              <a:buChar char="l"/>
+            </a:pPr>
+            <a:r>
+              <a:rPr lang="zh-CN" altLang="en-US" sz="2000" dirty="0" smtClean="0">
+                <a:solidFill>
+                  <a:schemeClr val="bg1"/>
+                </a:solidFill>
+                <a:latin typeface="微软雅黑" pitchFamily="34" charset="-122"/>
+                <a:ea typeface="微软雅黑" pitchFamily="34" charset="-122"/>
+              </a:rPr>
+              <a:t>支持细分领域的专业分类体系的管理。</a:t>
+            </a:r>
+          </a:p>
+          <a:p>
+            <a:pPr marL="514350" indent="-514350">
+              <a:lnSpc>
+                <a:spcPct val="150000"/>
+              </a:lnSpc>
+              <a:buFont typeface="Wingdings" pitchFamily="2" charset="2"/>
+              <a:buChar char="l"/>
+            </a:pPr>
+            <a:r>
+              <a:rPr lang="zh-CN" altLang="en-US" sz="2000" dirty="0" smtClean="0">
+                <a:solidFill>
+                  <a:schemeClr val="bg1"/>
+                </a:solidFill>
+                <a:latin typeface="微软雅黑" pitchFamily="34" charset="-122"/>
+                <a:ea typeface="微软雅黑" pitchFamily="34" charset="-122"/>
+              </a:rPr>
+              <a:t>支持分类数据编码和国标分类的映射。</a:t>
+            </a:r>
+          </a:p>
+          <a:p>
+            <a:pPr marL="514350" indent="-514350">
+              <a:lnSpc>
+                <a:spcPct val="150000"/>
+              </a:lnSpc>
+              <a:buFont typeface="Wingdings" pitchFamily="2" charset="2"/>
+              <a:buChar char="l"/>
+            </a:pPr>
+            <a:r>
+              <a:rPr lang="zh-CN" altLang="en-US" sz="2000" dirty="0" smtClean="0">
+                <a:solidFill>
+                  <a:schemeClr val="bg1"/>
+                </a:solidFill>
+                <a:latin typeface="微软雅黑" pitchFamily="34" charset="-122"/>
+                <a:ea typeface="微软雅黑" pitchFamily="34" charset="-122"/>
+              </a:rPr>
+              <a:t>支持分类纬度的自动扩展。</a:t>
+            </a:r>
+          </a:p>
+          <a:p>
+            <a:pPr marL="514350" indent="-514350">
+              <a:lnSpc>
+                <a:spcPct val="150000"/>
+              </a:lnSpc>
+              <a:buFont typeface="Wingdings" pitchFamily="2" charset="2"/>
+              <a:buChar char="l"/>
+            </a:pPr>
+            <a:r>
+              <a:rPr lang="zh-CN" altLang="en-US" sz="2000" dirty="0" smtClean="0">
+                <a:solidFill>
+                  <a:srgbClr val="FF0000"/>
+                </a:solidFill>
+                <a:latin typeface="微软雅黑" pitchFamily="34" charset="-122"/>
+                <a:ea typeface="微软雅黑" pitchFamily="34" charset="-122"/>
+              </a:rPr>
+              <a:t>待支持多个标准体系的编码映射。</a:t>
+            </a:r>
+          </a:p>
+          <a:p>
+            <a:pPr marL="514350" indent="-514350">
+              <a:lnSpc>
+                <a:spcPct val="150000"/>
+              </a:lnSpc>
+              <a:buFont typeface="Wingdings" pitchFamily="2" charset="2"/>
+              <a:buChar char="l"/>
+            </a:pPr>
+            <a:r>
+              <a:rPr lang="zh-CN" altLang="en-US" sz="2000" dirty="0" smtClean="0">
+                <a:solidFill>
+                  <a:srgbClr val="FF0000"/>
+                </a:solidFill>
+                <a:latin typeface="微软雅黑" pitchFamily="34" charset="-122"/>
+                <a:ea typeface="微软雅黑" pitchFamily="34" charset="-122"/>
+              </a:rPr>
+              <a:t>待支持分类纬度的自定义扩展。</a:t>
+            </a:r>
+          </a:p>
+        </p:txBody>
+      </p:sp>
+    </p:spTree>
+    <p:extLst>
+      <p:ext uri="{BB962C8B-B14F-4D97-AF65-F5344CB8AC3E}">
+        <p14:creationId xmlns:p14="http://schemas.microsoft.com/office/powerpoint/2010/main" val="387451659"/>
+      </p:ext>
+    </p:extLst>
+  </p:cSld>
+  <p:clrMapOvr>
+    <a:masterClrMapping/>
+  </p:clrMapOvr>
+  <p:timing>
+    <p:tnLst>
+      <p:par>
+        <p:cTn id="1" dur="indefinite" restart="never" nodeType="tmRoot"/>
+      </p:par>
+    </p:tnLst>
+  </p:timing>
+</p:sld>
+</file>
+
+<file path=ppt/slides/slide17.xml><?xml version="1.0" encoding="utf-8"?>
+<p:sld xmlns:a="http://schemas.openxmlformats.org/drawingml/2006/main" xmlns:r="http://schemas.openxmlformats.org/officeDocument/2006/relationships" xmlns:p="http://schemas.openxmlformats.org/presentationml/2006/main">
+  <p:cSld>
+    <p:spTree>
+      <p:nvGrpSpPr>
+        <p:cNvPr id="1" name=""/>
+        <p:cNvGrpSpPr/>
+        <p:nvPr/>
+      </p:nvGrpSpPr>
+      <p:grpSpPr>
+        <a:xfrm>
+          <a:off x="0" y="0"/>
+          <a:ext cx="0" cy="0"/>
+          <a:chOff x="0" y="0"/>
+          <a:chExt cx="0" cy="0"/>
+        </a:xfrm>
+      </p:grpSpPr>
+      <p:sp>
+        <p:nvSpPr>
+          <p:cNvPr id="2" name="页脚占位符 1"/>
+          <p:cNvSpPr>
+            <a:spLocks noGrp="1"/>
+          </p:cNvSpPr>
+          <p:nvPr>
+            <p:ph type="ftr" sz="quarter" idx="11"/>
+          </p:nvPr>
+        </p:nvSpPr>
+        <p:spPr/>
+        <p:txBody>
+          <a:bodyPr/>
+          <a:lstStyle/>
+          <a:p>
+            <a:r>
+              <a:rPr lang="en-US" altLang="zh-CN" smtClean="0"/>
+              <a:t>ND Engineering Institute Confidential</a:t>
+            </a:r>
+            <a:endParaRPr lang="zh-CN" altLang="en-US" dirty="0"/>
+          </a:p>
+        </p:txBody>
+      </p:sp>
+      <p:sp>
+        <p:nvSpPr>
+          <p:cNvPr id="3" name="灯片编号占位符 2"/>
+          <p:cNvSpPr>
+            <a:spLocks noGrp="1"/>
+          </p:cNvSpPr>
+          <p:nvPr>
+            <p:ph type="sldNum" sz="quarter" idx="12"/>
+          </p:nvPr>
+        </p:nvSpPr>
+        <p:spPr/>
+        <p:txBody>
+          <a:bodyPr/>
+          <a:lstStyle/>
+          <a:p>
+            <a:fld id="{E2531F13-3D55-48F5-9D66-4D113F3EC470}" type="slidenum">
+              <a:rPr lang="zh-CN" altLang="en-US" smtClean="0"/>
+              <a:pPr/>
+              <a:t>17</a:t>
+            </a:fld>
+            <a:endParaRPr lang="zh-CN" altLang="en-US" dirty="0"/>
+          </a:p>
+        </p:txBody>
+      </p:sp>
+      <p:cxnSp>
+        <p:nvCxnSpPr>
+          <p:cNvPr id="32" name="直接连接符 31"/>
+          <p:cNvCxnSpPr/>
+          <p:nvPr/>
+        </p:nvCxnSpPr>
+        <p:spPr>
+          <a:xfrm rot="5400000">
+            <a:off x="628853" y="507178"/>
+            <a:ext cx="658908" cy="1"/>
+          </a:xfrm>
+          <a:prstGeom prst="line">
+            <a:avLst/>
+          </a:prstGeom>
+          <a:ln w="76200">
+            <a:solidFill>
+              <a:srgbClr val="FF0000"/>
+            </a:solidFill>
+          </a:ln>
+        </p:spPr>
+        <p:style>
+          <a:lnRef idx="1">
+            <a:schemeClr val="accent1"/>
+          </a:lnRef>
+          <a:fillRef idx="0">
+            <a:schemeClr val="accent1"/>
+          </a:fillRef>
+          <a:effectRef idx="0">
+            <a:schemeClr val="accent1"/>
+          </a:effectRef>
+          <a:fontRef idx="minor">
+            <a:schemeClr val="tx1"/>
+          </a:fontRef>
+        </p:style>
+      </p:cxnSp>
+      <p:sp>
+        <p:nvSpPr>
+          <p:cNvPr id="33" name="矩形 32"/>
+          <p:cNvSpPr/>
+          <p:nvPr/>
+        </p:nvSpPr>
+        <p:spPr>
+          <a:xfrm>
+            <a:off x="1029571" y="311084"/>
+            <a:ext cx="9210505" cy="423949"/>
+          </a:xfrm>
+          <a:prstGeom prst="rect">
+            <a:avLst/>
+          </a:prstGeom>
+          <a:noFill/>
+          <a:ln>
+            <a:noFill/>
+          </a:ln>
+        </p:spPr>
+        <p:style>
+          <a:lnRef idx="2">
+            <a:schemeClr val="accent2">
+              <a:shade val="50000"/>
+            </a:schemeClr>
+          </a:lnRef>
+          <a:fillRef idx="1">
+            <a:schemeClr val="accent2"/>
+          </a:fillRef>
+          <a:effectRef idx="0">
+            <a:schemeClr val="accent2"/>
+          </a:effectRef>
+          <a:fontRef idx="minor">
+            <a:schemeClr val="lt1"/>
+          </a:fontRef>
+        </p:style>
+        <p:txBody>
+          <a:bodyPr rtlCol="0" anchor="ctr"/>
+          <a:lstStyle/>
+          <a:p>
+            <a:r>
+              <a:rPr lang="zh-CN" altLang="en-US" sz="3600" b="1" dirty="0" smtClean="0">
+                <a:latin typeface="微软雅黑" pitchFamily="34" charset="-122"/>
+                <a:ea typeface="微软雅黑" pitchFamily="34" charset="-122"/>
+              </a:rPr>
+              <a:t>分类应用模式管理</a:t>
+            </a:r>
+            <a:endParaRPr lang="zh-CN" altLang="en-US" sz="3600" b="1" dirty="0">
+              <a:latin typeface="微软雅黑" pitchFamily="34" charset="-122"/>
+              <a:ea typeface="微软雅黑" pitchFamily="34" charset="-122"/>
+            </a:endParaRPr>
+          </a:p>
+        </p:txBody>
+      </p:sp>
+      <p:sp>
+        <p:nvSpPr>
+          <p:cNvPr id="6" name="矩形 5"/>
+          <p:cNvSpPr/>
+          <p:nvPr/>
+        </p:nvSpPr>
+        <p:spPr>
+          <a:xfrm>
+            <a:off x="794931" y="1616752"/>
+            <a:ext cx="10124942" cy="1938992"/>
+          </a:xfrm>
+          <a:prstGeom prst="rect">
+            <a:avLst/>
+          </a:prstGeom>
+        </p:spPr>
+        <p:txBody>
+          <a:bodyPr wrap="square">
+            <a:spAutoFit/>
+          </a:bodyPr>
+          <a:lstStyle/>
+          <a:p>
+            <a:pPr marL="514350" indent="-514350">
+              <a:lnSpc>
+                <a:spcPct val="150000"/>
+              </a:lnSpc>
+              <a:buFont typeface="Wingdings" pitchFamily="2" charset="2"/>
+              <a:buChar char="l"/>
+            </a:pPr>
+            <a:r>
+              <a:rPr lang="zh-CN" altLang="en-US" sz="2000" dirty="0" smtClean="0">
+                <a:solidFill>
+                  <a:schemeClr val="bg1"/>
+                </a:solidFill>
+                <a:latin typeface="微软雅黑" pitchFamily="34" charset="-122"/>
+                <a:ea typeface="微软雅黑" pitchFamily="34" charset="-122"/>
+              </a:rPr>
+              <a:t>支持根据场景构件自定义形势的分类应用模式</a:t>
+            </a:r>
+            <a:r>
+              <a:rPr lang="zh-CN" altLang="en-US" sz="2000" dirty="0" smtClean="0">
+                <a:solidFill>
+                  <a:schemeClr val="bg1"/>
+                </a:solidFill>
+                <a:latin typeface="微软雅黑" pitchFamily="34" charset="-122"/>
+                <a:ea typeface="微软雅黑" pitchFamily="34" charset="-122"/>
+              </a:rPr>
+              <a:t>。</a:t>
+            </a:r>
+          </a:p>
+          <a:p>
+            <a:pPr marL="514350" indent="-514350">
+              <a:lnSpc>
+                <a:spcPct val="150000"/>
+              </a:lnSpc>
+              <a:buFont typeface="Wingdings" pitchFamily="2" charset="2"/>
+              <a:buChar char="l"/>
+            </a:pPr>
+            <a:r>
+              <a:rPr lang="zh-CN" altLang="en-US" sz="2000" dirty="0" smtClean="0">
+                <a:solidFill>
+                  <a:schemeClr val="bg1"/>
+                </a:solidFill>
+                <a:latin typeface="微软雅黑" pitchFamily="34" charset="-122"/>
+                <a:ea typeface="微软雅黑" pitchFamily="34" charset="-122"/>
+              </a:rPr>
+              <a:t>支持分类应用模式的调整和移动。</a:t>
+            </a:r>
+          </a:p>
+          <a:p>
+            <a:pPr marL="514350" indent="-514350">
+              <a:lnSpc>
+                <a:spcPct val="150000"/>
+              </a:lnSpc>
+              <a:buFont typeface="Wingdings" pitchFamily="2" charset="2"/>
+              <a:buChar char="l"/>
+            </a:pPr>
+            <a:r>
+              <a:rPr lang="zh-CN" altLang="en-US" sz="2000" dirty="0" smtClean="0">
+                <a:solidFill>
+                  <a:srgbClr val="FF0000"/>
+                </a:solidFill>
+                <a:latin typeface="微软雅黑" pitchFamily="34" charset="-122"/>
+                <a:ea typeface="微软雅黑" pitchFamily="34" charset="-122"/>
+              </a:rPr>
+              <a:t>待支持分类应用模式数据迁移。</a:t>
+            </a:r>
+          </a:p>
+          <a:p>
+            <a:pPr marL="514350" indent="-514350">
+              <a:lnSpc>
+                <a:spcPct val="150000"/>
+              </a:lnSpc>
+              <a:buFont typeface="Wingdings" pitchFamily="2" charset="2"/>
+              <a:buChar char="l"/>
+            </a:pPr>
+            <a:r>
+              <a:rPr lang="zh-CN" altLang="en-US" sz="2000" dirty="0" smtClean="0">
+                <a:solidFill>
+                  <a:srgbClr val="FF0000"/>
+                </a:solidFill>
+                <a:latin typeface="微软雅黑" pitchFamily="34" charset="-122"/>
+                <a:ea typeface="微软雅黑" pitchFamily="34" charset="-122"/>
+              </a:rPr>
+              <a:t>待支持分类应用模式之间的数据映射。</a:t>
+            </a:r>
+            <a:endParaRPr lang="en-US" altLang="zh-CN" sz="2000" dirty="0" smtClean="0">
+              <a:solidFill>
+                <a:srgbClr val="FF0000"/>
+              </a:solidFill>
+              <a:latin typeface="微软雅黑" pitchFamily="34" charset="-122"/>
+              <a:ea typeface="微软雅黑" pitchFamily="34" charset="-122"/>
+            </a:endParaRPr>
+          </a:p>
+        </p:txBody>
+      </p:sp>
+    </p:spTree>
+    <p:extLst>
+      <p:ext uri="{BB962C8B-B14F-4D97-AF65-F5344CB8AC3E}">
+        <p14:creationId xmlns:p14="http://schemas.microsoft.com/office/powerpoint/2010/main" val="524688209"/>
+      </p:ext>
+    </p:extLst>
+  </p:cSld>
+  <p:clrMapOvr>
+    <a:masterClrMapping/>
+  </p:clrMapOvr>
+  <p:timing>
+    <p:tnLst>
+      <p:par>
+        <p:cTn id="1" dur="indefinite" restart="never" nodeType="tmRoot"/>
+      </p:par>
+    </p:tnLst>
+  </p:timing>
+</p:sld>
+</file>
+
+<file path=ppt/slides/slide18.xml><?xml version="1.0" encoding="utf-8"?>
+<p:sld xmlns:a="http://schemas.openxmlformats.org/drawingml/2006/main" xmlns:r="http://schemas.openxmlformats.org/officeDocument/2006/relationships" xmlns:p="http://schemas.openxmlformats.org/presentationml/2006/main">
+  <p:cSld>
+    <p:spTree>
+      <p:nvGrpSpPr>
+        <p:cNvPr id="1" name=""/>
+        <p:cNvGrpSpPr/>
+        <p:nvPr/>
+      </p:nvGrpSpPr>
+      <p:grpSpPr>
+        <a:xfrm>
+          <a:off x="0" y="0"/>
+          <a:ext cx="0" cy="0"/>
+          <a:chOff x="0" y="0"/>
+          <a:chExt cx="0" cy="0"/>
+        </a:xfrm>
+      </p:grpSpPr>
+      <p:sp>
+        <p:nvSpPr>
+          <p:cNvPr id="2" name="页脚占位符 1"/>
+          <p:cNvSpPr>
+            <a:spLocks noGrp="1"/>
+          </p:cNvSpPr>
+          <p:nvPr>
+            <p:ph type="ftr" sz="quarter" idx="11"/>
+          </p:nvPr>
+        </p:nvSpPr>
+        <p:spPr/>
+        <p:txBody>
+          <a:bodyPr/>
+          <a:lstStyle/>
+          <a:p>
+            <a:r>
+              <a:rPr lang="en-US" altLang="zh-CN" smtClean="0"/>
+              <a:t>ND Engineering Institute Confidential</a:t>
+            </a:r>
+            <a:endParaRPr lang="zh-CN" altLang="en-US" dirty="0"/>
+          </a:p>
+        </p:txBody>
+      </p:sp>
+      <p:sp>
+        <p:nvSpPr>
+          <p:cNvPr id="3" name="灯片编号占位符 2"/>
+          <p:cNvSpPr>
+            <a:spLocks noGrp="1"/>
+          </p:cNvSpPr>
+          <p:nvPr>
+            <p:ph type="sldNum" sz="quarter" idx="12"/>
+          </p:nvPr>
+        </p:nvSpPr>
+        <p:spPr/>
+        <p:txBody>
+          <a:bodyPr/>
+          <a:lstStyle/>
+          <a:p>
+            <a:fld id="{E2531F13-3D55-48F5-9D66-4D113F3EC470}" type="slidenum">
+              <a:rPr lang="zh-CN" altLang="en-US" smtClean="0"/>
+              <a:pPr/>
+              <a:t>18</a:t>
+            </a:fld>
+            <a:endParaRPr lang="zh-CN" altLang="en-US" dirty="0"/>
+          </a:p>
+        </p:txBody>
+      </p:sp>
+      <p:cxnSp>
+        <p:nvCxnSpPr>
+          <p:cNvPr id="32" name="直接连接符 31"/>
+          <p:cNvCxnSpPr/>
+          <p:nvPr/>
+        </p:nvCxnSpPr>
+        <p:spPr>
+          <a:xfrm rot="5400000">
+            <a:off x="628853" y="507178"/>
+            <a:ext cx="658908" cy="1"/>
+          </a:xfrm>
+          <a:prstGeom prst="line">
+            <a:avLst/>
+          </a:prstGeom>
+          <a:ln w="76200">
+            <a:solidFill>
+              <a:srgbClr val="FF0000"/>
+            </a:solidFill>
+          </a:ln>
+        </p:spPr>
+        <p:style>
+          <a:lnRef idx="1">
+            <a:schemeClr val="accent1"/>
+          </a:lnRef>
+          <a:fillRef idx="0">
+            <a:schemeClr val="accent1"/>
+          </a:fillRef>
+          <a:effectRef idx="0">
+            <a:schemeClr val="accent1"/>
+          </a:effectRef>
+          <a:fontRef idx="minor">
+            <a:schemeClr val="tx1"/>
+          </a:fontRef>
+        </p:style>
+      </p:cxnSp>
+      <p:sp>
+        <p:nvSpPr>
+          <p:cNvPr id="33" name="矩形 32"/>
+          <p:cNvSpPr/>
+          <p:nvPr/>
+        </p:nvSpPr>
+        <p:spPr>
+          <a:xfrm>
+            <a:off x="1029571" y="311084"/>
+            <a:ext cx="9210505" cy="423949"/>
+          </a:xfrm>
+          <a:prstGeom prst="rect">
+            <a:avLst/>
+          </a:prstGeom>
+          <a:noFill/>
+          <a:ln>
+            <a:noFill/>
+          </a:ln>
+        </p:spPr>
+        <p:style>
+          <a:lnRef idx="2">
+            <a:schemeClr val="accent2">
+              <a:shade val="50000"/>
+            </a:schemeClr>
+          </a:lnRef>
+          <a:fillRef idx="1">
+            <a:schemeClr val="accent2"/>
+          </a:fillRef>
+          <a:effectRef idx="0">
+            <a:schemeClr val="accent2"/>
+          </a:effectRef>
+          <a:fontRef idx="minor">
+            <a:schemeClr val="lt1"/>
+          </a:fontRef>
+        </p:style>
+        <p:txBody>
+          <a:bodyPr rtlCol="0" anchor="ctr"/>
+          <a:lstStyle/>
+          <a:p>
+            <a:r>
+              <a:rPr lang="zh-CN" altLang="en-US" sz="3600" b="1" dirty="0" smtClean="0">
+                <a:latin typeface="微软雅黑" pitchFamily="34" charset="-122"/>
+                <a:ea typeface="微软雅黑" pitchFamily="34" charset="-122"/>
+              </a:rPr>
+              <a:t>进行中－资源安全策略管理</a:t>
+            </a:r>
+            <a:endParaRPr lang="zh-CN" altLang="en-US" sz="3600" b="1" dirty="0">
+              <a:latin typeface="微软雅黑" pitchFamily="34" charset="-122"/>
+              <a:ea typeface="微软雅黑" pitchFamily="34" charset="-122"/>
+            </a:endParaRPr>
+          </a:p>
+        </p:txBody>
+      </p:sp>
+      <p:sp>
+        <p:nvSpPr>
+          <p:cNvPr id="6" name="矩形 5"/>
+          <p:cNvSpPr/>
+          <p:nvPr/>
+        </p:nvSpPr>
+        <p:spPr>
+          <a:xfrm>
+            <a:off x="794931" y="1616752"/>
+            <a:ext cx="10124942" cy="2400657"/>
+          </a:xfrm>
+          <a:prstGeom prst="rect">
+            <a:avLst/>
+          </a:prstGeom>
+        </p:spPr>
+        <p:txBody>
+          <a:bodyPr wrap="square">
+            <a:spAutoFit/>
+          </a:bodyPr>
+          <a:lstStyle/>
+          <a:p>
+            <a:pPr marL="514350" indent="-514350">
+              <a:lnSpc>
+                <a:spcPct val="150000"/>
+              </a:lnSpc>
+              <a:buFont typeface="Wingdings" pitchFamily="2" charset="2"/>
+              <a:buChar char="l"/>
+            </a:pPr>
+            <a:r>
+              <a:rPr lang="zh-CN" altLang="en-US" sz="2000" dirty="0" smtClean="0">
+                <a:solidFill>
+                  <a:srgbClr val="FF0000"/>
+                </a:solidFill>
+                <a:latin typeface="微软雅黑" pitchFamily="34" charset="-122"/>
+                <a:ea typeface="微软雅黑" pitchFamily="34" charset="-122"/>
+              </a:rPr>
+              <a:t>支持针对对接业务系统的资源访问策略的管理。</a:t>
+            </a:r>
+          </a:p>
+          <a:p>
+            <a:pPr marL="514350" indent="-514350">
+              <a:lnSpc>
+                <a:spcPct val="150000"/>
+              </a:lnSpc>
+              <a:buFont typeface="Wingdings" pitchFamily="2" charset="2"/>
+              <a:buChar char="l"/>
+            </a:pPr>
+            <a:r>
+              <a:rPr lang="zh-CN" altLang="en-US" sz="2000" dirty="0" smtClean="0">
+                <a:solidFill>
+                  <a:srgbClr val="FF0000"/>
+                </a:solidFill>
+                <a:latin typeface="微软雅黑" pitchFamily="34" charset="-122"/>
+                <a:ea typeface="微软雅黑" pitchFamily="34" charset="-122"/>
+              </a:rPr>
+              <a:t>支持公私有库，访问请求量，访问数据量，访问终端物理设备的策略管理。</a:t>
+            </a:r>
+          </a:p>
+          <a:p>
+            <a:pPr marL="514350" indent="-514350">
+              <a:lnSpc>
+                <a:spcPct val="150000"/>
+              </a:lnSpc>
+              <a:buFont typeface="Wingdings" pitchFamily="2" charset="2"/>
+              <a:buChar char="l"/>
+            </a:pPr>
+            <a:r>
+              <a:rPr lang="zh-CN" altLang="en-US" sz="2000" dirty="0" smtClean="0">
+                <a:solidFill>
+                  <a:srgbClr val="FF0000"/>
+                </a:solidFill>
+                <a:latin typeface="微软雅黑" pitchFamily="34" charset="-122"/>
+                <a:ea typeface="微软雅黑" pitchFamily="34" charset="-122"/>
+              </a:rPr>
+              <a:t>支持资源粒度级别的安全私有对称加密认证策略。</a:t>
+            </a:r>
+          </a:p>
+          <a:p>
+            <a:pPr marL="514350" indent="-514350">
+              <a:lnSpc>
+                <a:spcPct val="150000"/>
+              </a:lnSpc>
+              <a:buFont typeface="Wingdings" pitchFamily="2" charset="2"/>
+              <a:buChar char="l"/>
+            </a:pPr>
+            <a:r>
+              <a:rPr lang="zh-CN" altLang="en-US" sz="2000" dirty="0" smtClean="0">
+                <a:solidFill>
+                  <a:srgbClr val="FF0000"/>
+                </a:solidFill>
+                <a:latin typeface="微软雅黑" pitchFamily="34" charset="-122"/>
+                <a:ea typeface="微软雅黑" pitchFamily="34" charset="-122"/>
+              </a:rPr>
+              <a:t>支持资源公私有库分享权限策略管理。</a:t>
+            </a:r>
+          </a:p>
+          <a:p>
+            <a:pPr marL="514350" indent="-514350">
+              <a:lnSpc>
+                <a:spcPct val="150000"/>
+              </a:lnSpc>
+              <a:buFont typeface="Wingdings" pitchFamily="2" charset="2"/>
+              <a:buChar char="l"/>
+            </a:pPr>
+            <a:r>
+              <a:rPr lang="zh-CN" altLang="en-US" sz="2000" dirty="0" smtClean="0">
+                <a:solidFill>
+                  <a:srgbClr val="FF0000"/>
+                </a:solidFill>
+                <a:latin typeface="微软雅黑" pitchFamily="34" charset="-122"/>
+                <a:ea typeface="微软雅黑" pitchFamily="34" charset="-122"/>
+              </a:rPr>
+              <a:t>支持个人库资源分享权限策略管理。</a:t>
+            </a:r>
+          </a:p>
+        </p:txBody>
+      </p:sp>
+    </p:spTree>
+    <p:extLst>
+      <p:ext uri="{BB962C8B-B14F-4D97-AF65-F5344CB8AC3E}">
+        <p14:creationId xmlns:p14="http://schemas.microsoft.com/office/powerpoint/2010/main" val="629248671"/>
+      </p:ext>
+    </p:extLst>
+  </p:cSld>
+  <p:clrMapOvr>
+    <a:masterClrMapping/>
+  </p:clrMapOvr>
+  <p:timing>
+    <p:tnLst>
+      <p:par>
+        <p:cTn id="1" dur="indefinite" restart="never" nodeType="tmRoot"/>
+      </p:par>
+    </p:tnLst>
+  </p:timing>
+</p:sld>
+</file>
+
+<file path=ppt/slides/slide19.xml><?xml version="1.0" encoding="utf-8"?>
+<p:sld xmlns:a="http://schemas.openxmlformats.org/drawingml/2006/main" xmlns:r="http://schemas.openxmlformats.org/officeDocument/2006/relationships" xmlns:p="http://schemas.openxmlformats.org/presentationml/2006/main">
+  <p:cSld>
+    <p:spTree>
+      <p:nvGrpSpPr>
+        <p:cNvPr id="1" name=""/>
+        <p:cNvGrpSpPr/>
+        <p:nvPr/>
+      </p:nvGrpSpPr>
+      <p:grpSpPr>
+        <a:xfrm>
+          <a:off x="0" y="0"/>
+          <a:ext cx="0" cy="0"/>
+          <a:chOff x="0" y="0"/>
+          <a:chExt cx="0" cy="0"/>
+        </a:xfrm>
+      </p:grpSpPr>
+      <p:sp>
+        <p:nvSpPr>
+          <p:cNvPr id="2" name="页脚占位符 1"/>
+          <p:cNvSpPr>
+            <a:spLocks noGrp="1"/>
+          </p:cNvSpPr>
+          <p:nvPr>
+            <p:ph type="ftr" sz="quarter" idx="11"/>
+          </p:nvPr>
+        </p:nvSpPr>
+        <p:spPr/>
+        <p:txBody>
+          <a:bodyPr/>
+          <a:lstStyle/>
+          <a:p>
+            <a:r>
+              <a:rPr lang="en-US" altLang="zh-CN" smtClean="0"/>
+              <a:t>ND Engineering Institute Confidential</a:t>
+            </a:r>
+            <a:endParaRPr lang="zh-CN" altLang="en-US" dirty="0"/>
+          </a:p>
+        </p:txBody>
+      </p:sp>
+      <p:sp>
+        <p:nvSpPr>
+          <p:cNvPr id="3" name="灯片编号占位符 2"/>
+          <p:cNvSpPr>
+            <a:spLocks noGrp="1"/>
+          </p:cNvSpPr>
+          <p:nvPr>
+            <p:ph type="sldNum" sz="quarter" idx="12"/>
+          </p:nvPr>
+        </p:nvSpPr>
+        <p:spPr/>
+        <p:txBody>
+          <a:bodyPr/>
+          <a:lstStyle/>
+          <a:p>
+            <a:fld id="{E2531F13-3D55-48F5-9D66-4D113F3EC470}" type="slidenum">
+              <a:rPr lang="zh-CN" altLang="en-US" smtClean="0"/>
+              <a:pPr/>
+              <a:t>19</a:t>
+            </a:fld>
+            <a:endParaRPr lang="zh-CN" altLang="en-US" dirty="0"/>
+          </a:p>
+        </p:txBody>
+      </p:sp>
+      <p:cxnSp>
+        <p:nvCxnSpPr>
+          <p:cNvPr id="32" name="直接连接符 31"/>
+          <p:cNvCxnSpPr/>
+          <p:nvPr/>
+        </p:nvCxnSpPr>
+        <p:spPr>
+          <a:xfrm rot="5400000">
+            <a:off x="628853" y="507178"/>
+            <a:ext cx="658908" cy="1"/>
+          </a:xfrm>
+          <a:prstGeom prst="line">
+            <a:avLst/>
+          </a:prstGeom>
+          <a:ln w="76200">
+            <a:solidFill>
+              <a:srgbClr val="FF0000"/>
+            </a:solidFill>
+          </a:ln>
+        </p:spPr>
+        <p:style>
+          <a:lnRef idx="1">
+            <a:schemeClr val="accent1"/>
+          </a:lnRef>
+          <a:fillRef idx="0">
+            <a:schemeClr val="accent1"/>
+          </a:fillRef>
+          <a:effectRef idx="0">
+            <a:schemeClr val="accent1"/>
+          </a:effectRef>
+          <a:fontRef idx="minor">
+            <a:schemeClr val="tx1"/>
+          </a:fontRef>
+        </p:style>
+      </p:cxnSp>
+      <p:sp>
+        <p:nvSpPr>
+          <p:cNvPr id="33" name="矩形 32"/>
+          <p:cNvSpPr/>
+          <p:nvPr/>
+        </p:nvSpPr>
+        <p:spPr>
+          <a:xfrm>
+            <a:off x="1029571" y="311084"/>
+            <a:ext cx="9210505" cy="423949"/>
+          </a:xfrm>
+          <a:prstGeom prst="rect">
+            <a:avLst/>
+          </a:prstGeom>
+          <a:noFill/>
+          <a:ln>
+            <a:noFill/>
+          </a:ln>
+        </p:spPr>
+        <p:style>
+          <a:lnRef idx="2">
+            <a:schemeClr val="accent2">
+              <a:shade val="50000"/>
+            </a:schemeClr>
+          </a:lnRef>
+          <a:fillRef idx="1">
+            <a:schemeClr val="accent2"/>
+          </a:fillRef>
+          <a:effectRef idx="0">
+            <a:schemeClr val="accent2"/>
+          </a:effectRef>
+          <a:fontRef idx="minor">
+            <a:schemeClr val="lt1"/>
+          </a:fontRef>
+        </p:style>
+        <p:txBody>
+          <a:bodyPr rtlCol="0" anchor="ctr"/>
+          <a:lstStyle/>
+          <a:p>
+            <a:r>
+              <a:rPr lang="zh-CN" altLang="en-US" sz="3600" b="1" dirty="0" smtClean="0">
+                <a:latin typeface="微软雅黑" pitchFamily="34" charset="-122"/>
+                <a:ea typeface="微软雅黑" pitchFamily="34" charset="-122"/>
+              </a:rPr>
+              <a:t>后期规划－资源版本管理</a:t>
+            </a:r>
+            <a:endParaRPr lang="zh-CN" altLang="en-US" sz="3600" b="1" dirty="0">
+              <a:latin typeface="微软雅黑" pitchFamily="34" charset="-122"/>
+              <a:ea typeface="微软雅黑" pitchFamily="34" charset="-122"/>
+            </a:endParaRPr>
+          </a:p>
+        </p:txBody>
+      </p:sp>
+      <p:sp>
+        <p:nvSpPr>
+          <p:cNvPr id="6" name="矩形 5"/>
+          <p:cNvSpPr/>
+          <p:nvPr/>
+        </p:nvSpPr>
+        <p:spPr>
+          <a:xfrm>
+            <a:off x="794931" y="1616752"/>
+            <a:ext cx="10124942" cy="2400657"/>
+          </a:xfrm>
+          <a:prstGeom prst="rect">
+            <a:avLst/>
+          </a:prstGeom>
+        </p:spPr>
+        <p:txBody>
+          <a:bodyPr wrap="square">
+            <a:spAutoFit/>
+          </a:bodyPr>
+          <a:lstStyle/>
+          <a:p>
+            <a:pPr marL="514350" indent="-514350">
+              <a:lnSpc>
+                <a:spcPct val="150000"/>
+              </a:lnSpc>
+              <a:buFont typeface="Wingdings" pitchFamily="2" charset="2"/>
+              <a:buChar char="l"/>
+            </a:pPr>
+            <a:r>
+              <a:rPr lang="zh-CN" altLang="en-US" sz="2000" dirty="0" smtClean="0">
+                <a:solidFill>
+                  <a:srgbClr val="FF0000"/>
+                </a:solidFill>
+                <a:latin typeface="微软雅黑" pitchFamily="34" charset="-122"/>
+                <a:ea typeface="微软雅黑" pitchFamily="34" charset="-122"/>
+              </a:rPr>
+              <a:t>支持资源版本快照，满足资源引用的稳定性。</a:t>
+            </a:r>
+          </a:p>
+          <a:p>
+            <a:pPr marL="514350" indent="-514350">
+              <a:lnSpc>
+                <a:spcPct val="150000"/>
+              </a:lnSpc>
+              <a:buFont typeface="Wingdings" pitchFamily="2" charset="2"/>
+              <a:buChar char="l"/>
+            </a:pPr>
+            <a:r>
+              <a:rPr lang="zh-CN" altLang="en-US" sz="2000" dirty="0" smtClean="0">
+                <a:solidFill>
+                  <a:srgbClr val="FF0000"/>
+                </a:solidFill>
+                <a:latin typeface="微软雅黑" pitchFamily="34" charset="-122"/>
+                <a:ea typeface="微软雅黑" pitchFamily="34" charset="-122"/>
+              </a:rPr>
+              <a:t>支持资源资源迭代开发，满足资源升级和变更。</a:t>
+            </a:r>
+          </a:p>
+          <a:p>
+            <a:pPr marL="514350" indent="-514350">
+              <a:lnSpc>
+                <a:spcPct val="150000"/>
+              </a:lnSpc>
+              <a:buFont typeface="Wingdings" pitchFamily="2" charset="2"/>
+              <a:buChar char="l"/>
+            </a:pPr>
+            <a:r>
+              <a:rPr lang="zh-CN" altLang="en-US" sz="2000" dirty="0" smtClean="0">
+                <a:solidFill>
+                  <a:srgbClr val="FF0000"/>
+                </a:solidFill>
+                <a:latin typeface="微软雅黑" pitchFamily="34" charset="-122"/>
+                <a:ea typeface="微软雅黑" pitchFamily="34" charset="-122"/>
+              </a:rPr>
+              <a:t>支持资源版本更新通知。</a:t>
+            </a:r>
+          </a:p>
+          <a:p>
+            <a:pPr marL="514350" indent="-514350">
+              <a:lnSpc>
+                <a:spcPct val="150000"/>
+              </a:lnSpc>
+              <a:buFont typeface="Wingdings" pitchFamily="2" charset="2"/>
+              <a:buChar char="l"/>
+            </a:pPr>
+            <a:r>
+              <a:rPr lang="zh-CN" altLang="en-US" sz="2000" dirty="0" smtClean="0">
+                <a:solidFill>
+                  <a:srgbClr val="FF0000"/>
+                </a:solidFill>
+                <a:latin typeface="微软雅黑" pitchFamily="34" charset="-122"/>
+                <a:ea typeface="微软雅黑" pitchFamily="34" charset="-122"/>
+              </a:rPr>
+              <a:t>支持资源版本更新后的教学目的更新记录。</a:t>
+            </a:r>
+          </a:p>
+          <a:p>
+            <a:pPr marL="514350" indent="-514350">
+              <a:lnSpc>
+                <a:spcPct val="150000"/>
+              </a:lnSpc>
+              <a:buFont typeface="Wingdings" pitchFamily="2" charset="2"/>
+              <a:buChar char="l"/>
+            </a:pPr>
+            <a:r>
+              <a:rPr lang="zh-CN" altLang="en-US" sz="2000" dirty="0" smtClean="0">
+                <a:solidFill>
+                  <a:srgbClr val="FF0000"/>
+                </a:solidFill>
+                <a:latin typeface="微软雅黑" pitchFamily="34" charset="-122"/>
+                <a:ea typeface="微软雅黑" pitchFamily="34" charset="-122"/>
+              </a:rPr>
+              <a:t>支持资源</a:t>
+            </a:r>
+            <a:r>
+              <a:rPr lang="en-US" altLang="zh-CN" sz="2000" dirty="0" smtClean="0">
+                <a:solidFill>
+                  <a:srgbClr val="FF0000"/>
+                </a:solidFill>
+                <a:latin typeface="微软雅黑" pitchFamily="34" charset="-122"/>
+                <a:ea typeface="微软雅黑" pitchFamily="34" charset="-122"/>
+              </a:rPr>
+              <a:t>DHT</a:t>
+            </a:r>
+            <a:r>
+              <a:rPr lang="zh-CN" altLang="en-US" sz="2000" dirty="0" smtClean="0">
+                <a:solidFill>
+                  <a:srgbClr val="FF0000"/>
+                </a:solidFill>
+                <a:latin typeface="微软雅黑" pitchFamily="34" charset="-122"/>
+                <a:ea typeface="微软雅黑" pitchFamily="34" charset="-122"/>
+              </a:rPr>
+              <a:t>存储，降低资源冗余存储。</a:t>
+            </a:r>
+          </a:p>
+        </p:txBody>
+      </p:sp>
+    </p:spTree>
+    <p:extLst>
+      <p:ext uri="{BB962C8B-B14F-4D97-AF65-F5344CB8AC3E}">
+        <p14:creationId xmlns:p14="http://schemas.microsoft.com/office/powerpoint/2010/main" val="468358023"/>
+      </p:ext>
+    </p:extLst>
+  </p:cSld>
+  <p:clrMapOvr>
+    <a:masterClrMapping/>
+  </p:clrMapOvr>
+  <p:timing>
+    <p:tnLst>
+      <p:par>
+        <p:cTn id="1" dur="indefinite" restart="never" nodeType="tmRoot"/>
+      </p:par>
+    </p:tnLst>
+  </p:timing>
+</p:sld>
+</file>
+
+<file path=ppt/slides/slide2.xml><?xml version="1.0" encoding="utf-8"?>
+<p:sld xmlns:a="http://schemas.openxmlformats.org/drawingml/2006/main" xmlns:r="http://schemas.openxmlformats.org/officeDocument/2006/relationships" xmlns:p="http://schemas.openxmlformats.org/presentationml/2006/main">
+  <p:cSld>
+    <p:spTree>
+      <p:nvGrpSpPr>
+        <p:cNvPr id="1" name=""/>
+        <p:cNvGrpSpPr/>
+        <p:nvPr/>
+      </p:nvGrpSpPr>
+      <p:grpSpPr>
+        <a:xfrm>
+          <a:off x="0" y="0"/>
+          <a:ext cx="0" cy="0"/>
+          <a:chOff x="0" y="0"/>
+          <a:chExt cx="0" cy="0"/>
+        </a:xfrm>
+      </p:grpSpPr>
+      <p:sp>
+        <p:nvSpPr>
+          <p:cNvPr id="2" name="页脚占位符 1"/>
+          <p:cNvSpPr>
+            <a:spLocks noGrp="1"/>
+          </p:cNvSpPr>
+          <p:nvPr>
+            <p:ph type="ftr" sz="quarter" idx="11"/>
+          </p:nvPr>
+        </p:nvSpPr>
+        <p:spPr/>
+        <p:txBody>
+          <a:bodyPr/>
+          <a:lstStyle/>
+          <a:p>
+            <a:r>
+              <a:rPr lang="en-US" altLang="zh-CN" smtClean="0"/>
+              <a:t>ND Engineering Institute Confidential</a:t>
+            </a:r>
+            <a:endParaRPr lang="zh-CN" altLang="en-US" dirty="0"/>
+          </a:p>
+        </p:txBody>
+      </p:sp>
+      <p:sp>
+        <p:nvSpPr>
+          <p:cNvPr id="3" name="灯片编号占位符 2"/>
+          <p:cNvSpPr>
+            <a:spLocks noGrp="1"/>
+          </p:cNvSpPr>
+          <p:nvPr>
+            <p:ph type="sldNum" sz="quarter" idx="12"/>
+          </p:nvPr>
+        </p:nvSpPr>
+        <p:spPr/>
+        <p:txBody>
+          <a:bodyPr/>
+          <a:lstStyle/>
+          <a:p>
+            <a:fld id="{E2531F13-3D55-48F5-9D66-4D113F3EC470}" type="slidenum">
+              <a:rPr lang="zh-CN" altLang="en-US" smtClean="0"/>
+              <a:pPr/>
+              <a:t>2</a:t>
+            </a:fld>
+            <a:endParaRPr lang="zh-CN" altLang="en-US" dirty="0"/>
+          </a:p>
+        </p:txBody>
+      </p:sp>
+      <p:cxnSp>
+        <p:nvCxnSpPr>
+          <p:cNvPr id="32" name="直接连接符 31"/>
+          <p:cNvCxnSpPr/>
+          <p:nvPr/>
+        </p:nvCxnSpPr>
+        <p:spPr>
+          <a:xfrm rot="5400000">
+            <a:off x="628853" y="507178"/>
+            <a:ext cx="658908" cy="1"/>
+          </a:xfrm>
+          <a:prstGeom prst="line">
+            <a:avLst/>
+          </a:prstGeom>
+          <a:ln w="76200">
+            <a:solidFill>
+              <a:srgbClr val="FF0000"/>
+            </a:solidFill>
+          </a:ln>
+        </p:spPr>
+        <p:style>
+          <a:lnRef idx="1">
+            <a:schemeClr val="accent1"/>
+          </a:lnRef>
+          <a:fillRef idx="0">
+            <a:schemeClr val="accent1"/>
+          </a:fillRef>
+          <a:effectRef idx="0">
+            <a:schemeClr val="accent1"/>
+          </a:effectRef>
+          <a:fontRef idx="minor">
+            <a:schemeClr val="tx1"/>
+          </a:fontRef>
+        </p:style>
+      </p:cxnSp>
+      <p:sp>
+        <p:nvSpPr>
+          <p:cNvPr id="33" name="矩形 32"/>
+          <p:cNvSpPr/>
+          <p:nvPr/>
+        </p:nvSpPr>
+        <p:spPr>
+          <a:xfrm>
+            <a:off x="1029571" y="311084"/>
+            <a:ext cx="9210505" cy="423949"/>
+          </a:xfrm>
+          <a:prstGeom prst="rect">
+            <a:avLst/>
+          </a:prstGeom>
+          <a:noFill/>
+          <a:ln>
+            <a:noFill/>
+          </a:ln>
+        </p:spPr>
+        <p:style>
+          <a:lnRef idx="2">
+            <a:schemeClr val="accent2">
+              <a:shade val="50000"/>
+            </a:schemeClr>
+          </a:lnRef>
+          <a:fillRef idx="1">
+            <a:schemeClr val="accent2"/>
+          </a:fillRef>
+          <a:effectRef idx="0">
+            <a:schemeClr val="accent2"/>
+          </a:effectRef>
+          <a:fontRef idx="minor">
+            <a:schemeClr val="lt1"/>
+          </a:fontRef>
+        </p:style>
+        <p:txBody>
+          <a:bodyPr rtlCol="0" anchor="ctr"/>
+          <a:lstStyle/>
+          <a:p>
+            <a:r>
               <a:rPr lang="zh-CN" altLang="en-US" sz="3600" b="1" smtClean="0">
                 <a:latin typeface="微软雅黑" pitchFamily="34" charset="-122"/>
                 <a:ea typeface="微软雅黑" pitchFamily="34" charset="-122"/>
@@ -4955,7 +8227,7 @@
               <a:buChar char="l"/>
             </a:pPr>
             <a:r>
-              <a:rPr lang="zh-CN" altLang="en-US" sz="2000" smtClean="0">
+              <a:rPr lang="zh-CN" altLang="en-US" sz="2000" dirty="0" smtClean="0">
                 <a:solidFill>
                   <a:schemeClr val="bg1"/>
                 </a:solidFill>
@@ -4965,7 +8237,7 @@
               <a:t>对现有</a:t>
             </a:r>
             <a:r>
-              <a:rPr lang="en-US" altLang="zh-CN" sz="2000" smtClean="0">
+              <a:rPr lang="en-US" altLang="zh-CN" sz="2000" dirty="0" smtClean="0">
                 <a:solidFill>
                   <a:schemeClr val="bg1"/>
                 </a:solidFill>
@@ -4975,7 +8247,7 @@
               <a:t>ND</a:t>
             </a:r>
             <a:r>
-              <a:rPr lang="zh-CN" altLang="en-US" sz="2000" smtClean="0">
+              <a:rPr lang="zh-CN" altLang="en-US" sz="2000" dirty="0" smtClean="0">
                 <a:solidFill>
                   <a:schemeClr val="bg1"/>
                 </a:solidFill>
@@ -4984,7 +8256,7 @@
               </a:rPr>
               <a:t>资源库的业务内容进行梳理，明确现有能力对业务的支撑情况。</a:t>
             </a:r>
-            <a:endParaRPr lang="en-US" altLang="zh-CN" sz="2000" smtClean="0">
+            <a:endParaRPr lang="en-US" altLang="zh-CN" sz="2000" dirty="0" smtClean="0">
               <a:solidFill>
                 <a:schemeClr val="bg1"/>
               </a:solidFill>
@@ -5001,7 +8273,7 @@
               <a:buChar char="l"/>
             </a:pPr>
             <a:r>
-              <a:rPr lang="zh-CN" altLang="en-US" sz="2000">
+              <a:rPr lang="zh-CN" altLang="en-US" sz="2000" dirty="0">
                 <a:solidFill>
                   <a:schemeClr val="bg1"/>
                 </a:solidFill>
@@ -5011,7 +8283,7 @@
               <a:t>明</a:t>
             </a:r>
             <a:r>
-              <a:rPr lang="zh-CN" altLang="en-US" sz="2000" smtClean="0">
+              <a:rPr lang="zh-CN" altLang="en-US" sz="2000" dirty="0" smtClean="0">
                 <a:solidFill>
                   <a:schemeClr val="bg1"/>
                 </a:solidFill>
@@ -5020,7 +8292,7 @@
               </a:rPr>
               <a:t>确每个业务模块之间的关系和模块业务内容。</a:t>
             </a:r>
-            <a:endParaRPr lang="en-US" altLang="zh-CN" sz="2000" smtClean="0">
+            <a:endParaRPr lang="en-US" altLang="zh-CN" sz="2000" dirty="0" smtClean="0">
               <a:solidFill>
                 <a:schemeClr val="bg1"/>
               </a:solidFill>
@@ -5037,7 +8309,7 @@
               <a:buChar char="l"/>
             </a:pPr>
             <a:r>
-              <a:rPr lang="zh-CN" altLang="en-US" sz="2000">
+              <a:rPr lang="zh-CN" altLang="en-US" sz="2000" dirty="0">
                 <a:solidFill>
                   <a:schemeClr val="bg1"/>
                 </a:solidFill>
@@ -5047,6 +8319,36 @@
               <a:t>对</a:t>
             </a:r>
             <a:r>
+              <a:rPr lang="zh-CN" altLang="en-US" sz="2000" dirty="0" smtClean="0">
+                <a:solidFill>
+                  <a:schemeClr val="bg1"/>
+                </a:solidFill>
+                <a:latin typeface="微软雅黑" pitchFamily="34" charset="-122"/>
+                <a:ea typeface="微软雅黑" pitchFamily="34" charset="-122"/>
+              </a:rPr>
+              <a:t>于</a:t>
+            </a:r>
+            <a:r>
+              <a:rPr lang="en-US" altLang="zh-CN" sz="2000" dirty="0" smtClean="0">
+                <a:solidFill>
+                  <a:schemeClr val="bg1"/>
+                </a:solidFill>
+                <a:latin typeface="微软雅黑" pitchFamily="34" charset="-122"/>
+                <a:ea typeface="微软雅黑" pitchFamily="34" charset="-122"/>
+              </a:rPr>
+              <a:t>ND</a:t>
+            </a:r>
+            <a:r>
+              <a:rPr lang="zh-CN" altLang="en-US" sz="2000" dirty="0" smtClean="0">
+                <a:solidFill>
+                  <a:schemeClr val="bg1"/>
+                </a:solidFill>
+                <a:latin typeface="微软雅黑" pitchFamily="34" charset="-122"/>
+                <a:ea typeface="微软雅黑" pitchFamily="34" charset="-122"/>
+              </a:rPr>
+              <a:t>资源库后期的业务开展进行</a:t>
+            </a:r>
+            <a:r>
               <a:rPr lang="zh-CN" altLang="en-US" sz="2000" smtClean="0">
                 <a:solidFill>
                   <a:schemeClr val="bg1"/>
@@ -5054,29 +8356,19 @@
                 <a:latin typeface="微软雅黑" pitchFamily="34" charset="-122"/>
                 <a:ea typeface="微软雅黑" pitchFamily="34" charset="-122"/>
               </a:rPr>
-              <a:t>于</a:t>
-            </a:r>
-            <a:r>
-              <a:rPr lang="en-US" altLang="zh-CN" sz="2000" smtClean="0">
+              <a:t>深入</a:t>
+            </a:r>
+            <a:r>
+              <a:rPr lang="zh-CN" altLang="en-US" sz="2000" smtClean="0">
                 <a:solidFill>
                   <a:schemeClr val="bg1"/>
                 </a:solidFill>
                 <a:latin typeface="微软雅黑" pitchFamily="34" charset="-122"/>
                 <a:ea typeface="微软雅黑" pitchFamily="34" charset="-122"/>
               </a:rPr>
-              <a:t>ND</a:t>
-            </a:r>
-            <a:r>
-              <a:rPr lang="zh-CN" altLang="en-US" sz="2000" smtClean="0">
-                <a:solidFill>
-                  <a:schemeClr val="bg1"/>
-                </a:solidFill>
-                <a:latin typeface="微软雅黑" pitchFamily="34" charset="-122"/>
-                <a:ea typeface="微软雅黑" pitchFamily="34" charset="-122"/>
-              </a:rPr>
-              <a:t>资源库后期的业务开展进行深入规划，明确路线图。</a:t>
-            </a:r>
-            <a:endParaRPr lang="en-US" altLang="zh-CN" sz="2000" smtClean="0">
+              <a:t>规划。</a:t>
+            </a:r>
+            <a:endParaRPr lang="en-US" altLang="zh-CN" sz="2000" dirty="0" smtClean="0">
               <a:solidFill>
                 <a:schemeClr val="bg1"/>
               </a:solidFill>
@@ -5100,6 +8392,2111 @@
     <p:tnLst>
       <p:par>
         <p:cTn id="1" dur="indefinite" restart="never" nodeType="tmRoot"/>
+      </p:par>
+    </p:tnLst>
+  </p:timing>
+</p:sld>
+</file>
+
+<file path=ppt/slides/slide20.xml><?xml version="1.0" encoding="utf-8"?>
+<p:sld xmlns:a="http://schemas.openxmlformats.org/drawingml/2006/main" xmlns:r="http://schemas.openxmlformats.org/officeDocument/2006/relationships" xmlns:p="http://schemas.openxmlformats.org/presentationml/2006/main">
+  <p:cSld>
+    <p:spTree>
+      <p:nvGrpSpPr>
+        <p:cNvPr id="1" name=""/>
+        <p:cNvGrpSpPr/>
+        <p:nvPr/>
+      </p:nvGrpSpPr>
+      <p:grpSpPr>
+        <a:xfrm>
+          <a:off x="0" y="0"/>
+          <a:ext cx="0" cy="0"/>
+          <a:chOff x="0" y="0"/>
+          <a:chExt cx="0" cy="0"/>
+        </a:xfrm>
+      </p:grpSpPr>
+      <p:sp>
+        <p:nvSpPr>
+          <p:cNvPr id="2" name="页脚占位符 1"/>
+          <p:cNvSpPr>
+            <a:spLocks noGrp="1"/>
+          </p:cNvSpPr>
+          <p:nvPr>
+            <p:ph type="ftr" sz="quarter" idx="11"/>
+          </p:nvPr>
+        </p:nvSpPr>
+        <p:spPr/>
+        <p:txBody>
+          <a:bodyPr/>
+          <a:lstStyle/>
+          <a:p>
+            <a:r>
+              <a:rPr lang="en-US" altLang="zh-CN" smtClean="0"/>
+              <a:t>ND Engineering Institute Confidential</a:t>
+            </a:r>
+            <a:endParaRPr lang="zh-CN" altLang="en-US" dirty="0"/>
+          </a:p>
+        </p:txBody>
+      </p:sp>
+      <p:sp>
+        <p:nvSpPr>
+          <p:cNvPr id="3" name="灯片编号占位符 2"/>
+          <p:cNvSpPr>
+            <a:spLocks noGrp="1"/>
+          </p:cNvSpPr>
+          <p:nvPr>
+            <p:ph type="sldNum" sz="quarter" idx="12"/>
+          </p:nvPr>
+        </p:nvSpPr>
+        <p:spPr/>
+        <p:txBody>
+          <a:bodyPr/>
+          <a:lstStyle/>
+          <a:p>
+            <a:fld id="{E2531F13-3D55-48F5-9D66-4D113F3EC470}" type="slidenum">
+              <a:rPr lang="zh-CN" altLang="en-US" smtClean="0"/>
+              <a:pPr/>
+              <a:t>20</a:t>
+            </a:fld>
+            <a:endParaRPr lang="zh-CN" altLang="en-US" dirty="0"/>
+          </a:p>
+        </p:txBody>
+      </p:sp>
+      <p:cxnSp>
+        <p:nvCxnSpPr>
+          <p:cNvPr id="32" name="直接连接符 31"/>
+          <p:cNvCxnSpPr/>
+          <p:nvPr/>
+        </p:nvCxnSpPr>
+        <p:spPr>
+          <a:xfrm rot="5400000">
+            <a:off x="628853" y="507178"/>
+            <a:ext cx="658908" cy="1"/>
+          </a:xfrm>
+          <a:prstGeom prst="line">
+            <a:avLst/>
+          </a:prstGeom>
+          <a:ln w="76200">
+            <a:solidFill>
+              <a:srgbClr val="FF0000"/>
+            </a:solidFill>
+          </a:ln>
+        </p:spPr>
+        <p:style>
+          <a:lnRef idx="1">
+            <a:schemeClr val="accent1"/>
+          </a:lnRef>
+          <a:fillRef idx="0">
+            <a:schemeClr val="accent1"/>
+          </a:fillRef>
+          <a:effectRef idx="0">
+            <a:schemeClr val="accent1"/>
+          </a:effectRef>
+          <a:fontRef idx="minor">
+            <a:schemeClr val="tx1"/>
+          </a:fontRef>
+        </p:style>
+      </p:cxnSp>
+      <p:sp>
+        <p:nvSpPr>
+          <p:cNvPr id="33" name="矩形 32"/>
+          <p:cNvSpPr/>
+          <p:nvPr/>
+        </p:nvSpPr>
+        <p:spPr>
+          <a:xfrm>
+            <a:off x="1029571" y="311084"/>
+            <a:ext cx="9210505" cy="423949"/>
+          </a:xfrm>
+          <a:prstGeom prst="rect">
+            <a:avLst/>
+          </a:prstGeom>
+          <a:noFill/>
+          <a:ln>
+            <a:noFill/>
+          </a:ln>
+        </p:spPr>
+        <p:style>
+          <a:lnRef idx="2">
+            <a:schemeClr val="accent2">
+              <a:shade val="50000"/>
+            </a:schemeClr>
+          </a:lnRef>
+          <a:fillRef idx="1">
+            <a:schemeClr val="accent2"/>
+          </a:fillRef>
+          <a:effectRef idx="0">
+            <a:schemeClr val="accent2"/>
+          </a:effectRef>
+          <a:fontRef idx="minor">
+            <a:schemeClr val="lt1"/>
+          </a:fontRef>
+        </p:style>
+        <p:txBody>
+          <a:bodyPr rtlCol="0" anchor="ctr"/>
+          <a:lstStyle/>
+          <a:p>
+            <a:r>
+              <a:rPr lang="zh-CN" altLang="en-US" sz="3600" b="1" dirty="0" smtClean="0">
+                <a:latin typeface="微软雅黑" pitchFamily="34" charset="-122"/>
+                <a:ea typeface="微软雅黑" pitchFamily="34" charset="-122"/>
+              </a:rPr>
+              <a:t>后期规划－资源推荐</a:t>
+            </a:r>
+            <a:endParaRPr lang="zh-CN" altLang="en-US" sz="3600" b="1" dirty="0">
+              <a:latin typeface="微软雅黑" pitchFamily="34" charset="-122"/>
+              <a:ea typeface="微软雅黑" pitchFamily="34" charset="-122"/>
+            </a:endParaRPr>
+          </a:p>
+        </p:txBody>
+      </p:sp>
+      <p:sp>
+        <p:nvSpPr>
+          <p:cNvPr id="6" name="矩形 5"/>
+          <p:cNvSpPr/>
+          <p:nvPr/>
+        </p:nvSpPr>
+        <p:spPr>
+          <a:xfrm>
+            <a:off x="794931" y="1616752"/>
+            <a:ext cx="10124942" cy="2862322"/>
+          </a:xfrm>
+          <a:prstGeom prst="rect">
+            <a:avLst/>
+          </a:prstGeom>
+        </p:spPr>
+        <p:txBody>
+          <a:bodyPr wrap="square">
+            <a:spAutoFit/>
+          </a:bodyPr>
+          <a:lstStyle/>
+          <a:p>
+            <a:pPr marL="514350" indent="-514350">
+              <a:lnSpc>
+                <a:spcPct val="150000"/>
+              </a:lnSpc>
+              <a:buFont typeface="Wingdings" pitchFamily="2" charset="2"/>
+              <a:buChar char="l"/>
+            </a:pPr>
+            <a:r>
+              <a:rPr lang="zh-CN" altLang="en-US" sz="2000" dirty="0" smtClean="0">
+                <a:solidFill>
+                  <a:srgbClr val="FF0000"/>
+                </a:solidFill>
+                <a:latin typeface="微软雅黑" pitchFamily="34" charset="-122"/>
+                <a:ea typeface="微软雅黑" pitchFamily="34" charset="-122"/>
+              </a:rPr>
+              <a:t>支持根据教学理论和实践模型［</a:t>
+            </a:r>
+            <a:r>
+              <a:rPr lang="en-US" altLang="zh-CN" sz="2000" dirty="0" smtClean="0">
+                <a:solidFill>
+                  <a:srgbClr val="FF0000"/>
+                </a:solidFill>
+                <a:latin typeface="微软雅黑" pitchFamily="34" charset="-122"/>
+                <a:ea typeface="微软雅黑" pitchFamily="34" charset="-122"/>
+              </a:rPr>
+              <a:t>ADDIE</a:t>
+            </a:r>
+            <a:r>
+              <a:rPr lang="zh-CN" altLang="en-US" sz="2000" dirty="0" smtClean="0">
+                <a:solidFill>
+                  <a:srgbClr val="FF0000"/>
+                </a:solidFill>
+                <a:latin typeface="微软雅黑" pitchFamily="34" charset="-122"/>
+                <a:ea typeface="微软雅黑" pitchFamily="34" charset="-122"/>
+              </a:rPr>
+              <a:t>］，实现基于教学目标的资源推荐。</a:t>
+            </a:r>
+          </a:p>
+          <a:p>
+            <a:pPr marL="514350" indent="-514350">
+              <a:lnSpc>
+                <a:spcPct val="150000"/>
+              </a:lnSpc>
+              <a:buFont typeface="Wingdings" pitchFamily="2" charset="2"/>
+              <a:buChar char="l"/>
+            </a:pPr>
+            <a:r>
+              <a:rPr lang="zh-CN" altLang="en-US" sz="2000" dirty="0" smtClean="0">
+                <a:solidFill>
+                  <a:srgbClr val="FF0000"/>
+                </a:solidFill>
+                <a:latin typeface="微软雅黑" pitchFamily="34" charset="-122"/>
+                <a:ea typeface="微软雅黑" pitchFamily="34" charset="-122"/>
+              </a:rPr>
+              <a:t>支持根据教学方法类型，实现资源的推荐。</a:t>
+            </a:r>
+          </a:p>
+          <a:p>
+            <a:pPr marL="514350" indent="-514350">
+              <a:lnSpc>
+                <a:spcPct val="150000"/>
+              </a:lnSpc>
+              <a:buFont typeface="Wingdings" pitchFamily="2" charset="2"/>
+              <a:buChar char="l"/>
+            </a:pPr>
+            <a:r>
+              <a:rPr lang="zh-CN" altLang="en-US" sz="2000" dirty="0" smtClean="0">
+                <a:solidFill>
+                  <a:srgbClr val="FF0000"/>
+                </a:solidFill>
+                <a:latin typeface="微软雅黑" pitchFamily="34" charset="-122"/>
+                <a:ea typeface="微软雅黑" pitchFamily="34" charset="-122"/>
+              </a:rPr>
+              <a:t>支持根据学生学习行为数据，推荐个性化学件。</a:t>
+            </a:r>
+          </a:p>
+          <a:p>
+            <a:pPr marL="514350" indent="-514350">
+              <a:lnSpc>
+                <a:spcPct val="150000"/>
+              </a:lnSpc>
+              <a:buFont typeface="Wingdings" pitchFamily="2" charset="2"/>
+              <a:buChar char="l"/>
+            </a:pPr>
+            <a:r>
+              <a:rPr lang="zh-CN" altLang="en-US" sz="2000" dirty="0" smtClean="0">
+                <a:solidFill>
+                  <a:srgbClr val="FF0000"/>
+                </a:solidFill>
+                <a:latin typeface="微软雅黑" pitchFamily="34" charset="-122"/>
+                <a:ea typeface="微软雅黑" pitchFamily="34" charset="-122"/>
+              </a:rPr>
+              <a:t>支持智能组合课件的能力。</a:t>
+            </a:r>
+          </a:p>
+          <a:p>
+            <a:pPr marL="514350" indent="-514350">
+              <a:lnSpc>
+                <a:spcPct val="150000"/>
+              </a:lnSpc>
+              <a:buFont typeface="Wingdings" pitchFamily="2" charset="2"/>
+              <a:buChar char="l"/>
+            </a:pPr>
+            <a:r>
+              <a:rPr lang="zh-CN" altLang="en-US" sz="2000" dirty="0" smtClean="0">
+                <a:solidFill>
+                  <a:srgbClr val="FF0000"/>
+                </a:solidFill>
+                <a:latin typeface="微软雅黑" pitchFamily="34" charset="-122"/>
+                <a:ea typeface="微软雅黑" pitchFamily="34" charset="-122"/>
+              </a:rPr>
+              <a:t>支持智能组合学件的能力。</a:t>
+            </a:r>
+            <a:endParaRPr lang="zh-CN" altLang="en-US" sz="2000" dirty="0">
+              <a:solidFill>
+                <a:srgbClr val="FF0000"/>
+              </a:solidFill>
+              <a:latin typeface="微软雅黑" pitchFamily="34" charset="-122"/>
+              <a:ea typeface="微软雅黑" pitchFamily="34" charset="-122"/>
+            </a:endParaRPr>
+          </a:p>
+          <a:p>
+            <a:pPr marL="514350" indent="-514350">
+              <a:lnSpc>
+                <a:spcPct val="150000"/>
+              </a:lnSpc>
+              <a:buFont typeface="Wingdings" pitchFamily="2" charset="2"/>
+              <a:buChar char="l"/>
+            </a:pPr>
+            <a:r>
+              <a:rPr lang="zh-CN" altLang="en-US" sz="2000" dirty="0" smtClean="0">
+                <a:solidFill>
+                  <a:srgbClr val="FF0000"/>
+                </a:solidFill>
+                <a:latin typeface="微软雅黑" pitchFamily="34" charset="-122"/>
+                <a:ea typeface="微软雅黑" pitchFamily="34" charset="-122"/>
+              </a:rPr>
+              <a:t>支持智能组卷的能力。</a:t>
+            </a:r>
+          </a:p>
+        </p:txBody>
+      </p:sp>
+    </p:spTree>
+    <p:extLst>
+      <p:ext uri="{BB962C8B-B14F-4D97-AF65-F5344CB8AC3E}">
+        <p14:creationId xmlns:p14="http://schemas.microsoft.com/office/powerpoint/2010/main" val="1047048267"/>
+      </p:ext>
+    </p:extLst>
+  </p:cSld>
+  <p:clrMapOvr>
+    <a:masterClrMapping/>
+  </p:clrMapOvr>
+  <p:timing>
+    <p:tnLst>
+      <p:par>
+        <p:cTn id="1" dur="indefinite" restart="never" nodeType="tmRoot"/>
+      </p:par>
+    </p:tnLst>
+  </p:timing>
+</p:sld>
+</file>
+
+<file path=ppt/slides/slide21.xml><?xml version="1.0" encoding="utf-8"?>
+<p:sld xmlns:a="http://schemas.openxmlformats.org/drawingml/2006/main" xmlns:r="http://schemas.openxmlformats.org/officeDocument/2006/relationships" xmlns:p="http://schemas.openxmlformats.org/presentationml/2006/main">
+  <p:cSld>
+    <p:spTree>
+      <p:nvGrpSpPr>
+        <p:cNvPr id="1" name=""/>
+        <p:cNvGrpSpPr/>
+        <p:nvPr/>
+      </p:nvGrpSpPr>
+      <p:grpSpPr>
+        <a:xfrm>
+          <a:off x="0" y="0"/>
+          <a:ext cx="0" cy="0"/>
+          <a:chOff x="0" y="0"/>
+          <a:chExt cx="0" cy="0"/>
+        </a:xfrm>
+      </p:grpSpPr>
+      <p:sp>
+        <p:nvSpPr>
+          <p:cNvPr id="2" name="页脚占位符 1"/>
+          <p:cNvSpPr>
+            <a:spLocks noGrp="1"/>
+          </p:cNvSpPr>
+          <p:nvPr>
+            <p:ph type="ftr" sz="quarter" idx="11"/>
+          </p:nvPr>
+        </p:nvSpPr>
+        <p:spPr/>
+        <p:txBody>
+          <a:bodyPr/>
+          <a:lstStyle/>
+          <a:p>
+            <a:r>
+              <a:rPr lang="en-US" altLang="zh-CN" smtClean="0"/>
+              <a:t>ND Engineering Institute Confidential</a:t>
+            </a:r>
+            <a:endParaRPr lang="zh-CN" altLang="en-US" dirty="0"/>
+          </a:p>
+        </p:txBody>
+      </p:sp>
+      <p:sp>
+        <p:nvSpPr>
+          <p:cNvPr id="3" name="灯片编号占位符 2"/>
+          <p:cNvSpPr>
+            <a:spLocks noGrp="1"/>
+          </p:cNvSpPr>
+          <p:nvPr>
+            <p:ph type="sldNum" sz="quarter" idx="12"/>
+          </p:nvPr>
+        </p:nvSpPr>
+        <p:spPr/>
+        <p:txBody>
+          <a:bodyPr/>
+          <a:lstStyle/>
+          <a:p>
+            <a:fld id="{E2531F13-3D55-48F5-9D66-4D113F3EC470}" type="slidenum">
+              <a:rPr lang="zh-CN" altLang="en-US" smtClean="0"/>
+              <a:pPr/>
+              <a:t>21</a:t>
+            </a:fld>
+            <a:endParaRPr lang="zh-CN" altLang="en-US" dirty="0"/>
+          </a:p>
+        </p:txBody>
+      </p:sp>
+      <p:cxnSp>
+        <p:nvCxnSpPr>
+          <p:cNvPr id="32" name="直接连接符 31"/>
+          <p:cNvCxnSpPr/>
+          <p:nvPr/>
+        </p:nvCxnSpPr>
+        <p:spPr>
+          <a:xfrm rot="5400000">
+            <a:off x="628853" y="507178"/>
+            <a:ext cx="658908" cy="1"/>
+          </a:xfrm>
+          <a:prstGeom prst="line">
+            <a:avLst/>
+          </a:prstGeom>
+          <a:ln w="76200">
+            <a:solidFill>
+              <a:srgbClr val="FF0000"/>
+            </a:solidFill>
+          </a:ln>
+        </p:spPr>
+        <p:style>
+          <a:lnRef idx="1">
+            <a:schemeClr val="accent1"/>
+          </a:lnRef>
+          <a:fillRef idx="0">
+            <a:schemeClr val="accent1"/>
+          </a:fillRef>
+          <a:effectRef idx="0">
+            <a:schemeClr val="accent1"/>
+          </a:effectRef>
+          <a:fontRef idx="minor">
+            <a:schemeClr val="tx1"/>
+          </a:fontRef>
+        </p:style>
+      </p:cxnSp>
+      <p:sp>
+        <p:nvSpPr>
+          <p:cNvPr id="33" name="矩形 32"/>
+          <p:cNvSpPr/>
+          <p:nvPr/>
+        </p:nvSpPr>
+        <p:spPr>
+          <a:xfrm>
+            <a:off x="1029571" y="311084"/>
+            <a:ext cx="9210505" cy="423949"/>
+          </a:xfrm>
+          <a:prstGeom prst="rect">
+            <a:avLst/>
+          </a:prstGeom>
+          <a:noFill/>
+          <a:ln>
+            <a:noFill/>
+          </a:ln>
+        </p:spPr>
+        <p:style>
+          <a:lnRef idx="2">
+            <a:schemeClr val="accent2">
+              <a:shade val="50000"/>
+            </a:schemeClr>
+          </a:lnRef>
+          <a:fillRef idx="1">
+            <a:schemeClr val="accent2"/>
+          </a:fillRef>
+          <a:effectRef idx="0">
+            <a:schemeClr val="accent2"/>
+          </a:effectRef>
+          <a:fontRef idx="minor">
+            <a:schemeClr val="lt1"/>
+          </a:fontRef>
+        </p:style>
+        <p:txBody>
+          <a:bodyPr rtlCol="0" anchor="ctr"/>
+          <a:lstStyle/>
+          <a:p>
+            <a:r>
+              <a:rPr lang="zh-CN" altLang="en-US" sz="3600" b="1" dirty="0" smtClean="0">
+                <a:latin typeface="微软雅黑" pitchFamily="34" charset="-122"/>
+                <a:ea typeface="微软雅黑" pitchFamily="34" charset="-122"/>
+              </a:rPr>
+              <a:t>后期规划－资源门户</a:t>
+            </a:r>
+            <a:endParaRPr lang="zh-CN" altLang="en-US" sz="3600" b="1" dirty="0">
+              <a:latin typeface="微软雅黑" pitchFamily="34" charset="-122"/>
+              <a:ea typeface="微软雅黑" pitchFamily="34" charset="-122"/>
+            </a:endParaRPr>
+          </a:p>
+        </p:txBody>
+      </p:sp>
+      <p:sp>
+        <p:nvSpPr>
+          <p:cNvPr id="6" name="矩形 5"/>
+          <p:cNvSpPr/>
+          <p:nvPr/>
+        </p:nvSpPr>
+        <p:spPr>
+          <a:xfrm>
+            <a:off x="794931" y="1616752"/>
+            <a:ext cx="10124942" cy="1938992"/>
+          </a:xfrm>
+          <a:prstGeom prst="rect">
+            <a:avLst/>
+          </a:prstGeom>
+        </p:spPr>
+        <p:txBody>
+          <a:bodyPr wrap="square">
+            <a:spAutoFit/>
+          </a:bodyPr>
+          <a:lstStyle/>
+          <a:p>
+            <a:pPr marL="514350" indent="-514350">
+              <a:lnSpc>
+                <a:spcPct val="150000"/>
+              </a:lnSpc>
+              <a:buFont typeface="Wingdings" pitchFamily="2" charset="2"/>
+              <a:buChar char="l"/>
+            </a:pPr>
+            <a:r>
+              <a:rPr lang="zh-CN" altLang="en-US" sz="2000" dirty="0" smtClean="0">
+                <a:solidFill>
+                  <a:srgbClr val="FF0000"/>
+                </a:solidFill>
+                <a:latin typeface="微软雅黑" pitchFamily="34" charset="-122"/>
+                <a:ea typeface="微软雅黑" pitchFamily="34" charset="-122"/>
+              </a:rPr>
+              <a:t>支持资源推广。</a:t>
+            </a:r>
+          </a:p>
+          <a:p>
+            <a:pPr marL="514350" indent="-514350">
+              <a:lnSpc>
+                <a:spcPct val="150000"/>
+              </a:lnSpc>
+              <a:buFont typeface="Wingdings" pitchFamily="2" charset="2"/>
+              <a:buChar char="l"/>
+            </a:pPr>
+            <a:r>
+              <a:rPr lang="zh-CN" altLang="en-US" sz="2000" dirty="0" smtClean="0">
+                <a:solidFill>
+                  <a:srgbClr val="FF0000"/>
+                </a:solidFill>
+                <a:latin typeface="微软雅黑" pitchFamily="34" charset="-122"/>
+                <a:ea typeface="微软雅黑" pitchFamily="34" charset="-122"/>
+              </a:rPr>
+              <a:t>支持资源征集活动的发布。</a:t>
+            </a:r>
+          </a:p>
+          <a:p>
+            <a:pPr marL="514350" indent="-514350">
+              <a:lnSpc>
+                <a:spcPct val="150000"/>
+              </a:lnSpc>
+              <a:buFont typeface="Wingdings" pitchFamily="2" charset="2"/>
+              <a:buChar char="l"/>
+            </a:pPr>
+            <a:r>
+              <a:rPr lang="zh-CN" altLang="en-US" sz="2000" dirty="0" smtClean="0">
+                <a:solidFill>
+                  <a:srgbClr val="FF0000"/>
+                </a:solidFill>
+                <a:latin typeface="微软雅黑" pitchFamily="34" charset="-122"/>
+                <a:ea typeface="微软雅黑" pitchFamily="34" charset="-122"/>
+              </a:rPr>
+              <a:t>支持优质资源的展示。</a:t>
+            </a:r>
+          </a:p>
+          <a:p>
+            <a:pPr marL="514350" indent="-514350">
+              <a:lnSpc>
+                <a:spcPct val="150000"/>
+              </a:lnSpc>
+              <a:buFont typeface="Wingdings" pitchFamily="2" charset="2"/>
+              <a:buChar char="l"/>
+            </a:pPr>
+            <a:r>
+              <a:rPr lang="zh-CN" altLang="en-US" sz="2000" dirty="0" smtClean="0">
+                <a:solidFill>
+                  <a:srgbClr val="FF0000"/>
+                </a:solidFill>
+                <a:latin typeface="微软雅黑" pitchFamily="34" charset="-122"/>
+                <a:ea typeface="微软雅黑" pitchFamily="34" charset="-122"/>
+              </a:rPr>
+              <a:t>支持最新资源的展示。</a:t>
+            </a:r>
+          </a:p>
+        </p:txBody>
+      </p:sp>
+    </p:spTree>
+    <p:extLst>
+      <p:ext uri="{BB962C8B-B14F-4D97-AF65-F5344CB8AC3E}">
+        <p14:creationId xmlns:p14="http://schemas.microsoft.com/office/powerpoint/2010/main" val="785446847"/>
+      </p:ext>
+    </p:extLst>
+  </p:cSld>
+  <p:clrMapOvr>
+    <a:masterClrMapping/>
+  </p:clrMapOvr>
+  <p:timing>
+    <p:tnLst>
+      <p:par>
+        <p:cTn id="1" dur="indefinite" restart="never" nodeType="tmRoot"/>
+      </p:par>
+    </p:tnLst>
+  </p:timing>
+</p:sld>
+</file>
+
+<file path=ppt/slides/slide22.xml><?xml version="1.0" encoding="utf-8"?>
+<p:sld xmlns:a="http://schemas.openxmlformats.org/drawingml/2006/main" xmlns:r="http://schemas.openxmlformats.org/officeDocument/2006/relationships" xmlns:p="http://schemas.openxmlformats.org/presentationml/2006/main">
+  <p:cSld>
+    <p:spTree>
+      <p:nvGrpSpPr>
+        <p:cNvPr id="1" name=""/>
+        <p:cNvGrpSpPr/>
+        <p:nvPr/>
+      </p:nvGrpSpPr>
+      <p:grpSpPr>
+        <a:xfrm>
+          <a:off x="0" y="0"/>
+          <a:ext cx="0" cy="0"/>
+          <a:chOff x="0" y="0"/>
+          <a:chExt cx="0" cy="0"/>
+        </a:xfrm>
+      </p:grpSpPr>
+      <p:sp>
+        <p:nvSpPr>
+          <p:cNvPr id="2" name="页脚占位符 1"/>
+          <p:cNvSpPr>
+            <a:spLocks noGrp="1"/>
+          </p:cNvSpPr>
+          <p:nvPr>
+            <p:ph type="ftr" sz="quarter" idx="11"/>
+          </p:nvPr>
+        </p:nvSpPr>
+        <p:spPr/>
+        <p:txBody>
+          <a:bodyPr/>
+          <a:lstStyle/>
+          <a:p>
+            <a:r>
+              <a:rPr lang="en-US" altLang="zh-CN" smtClean="0"/>
+              <a:t>ND Engineering Institute Confidential</a:t>
+            </a:r>
+            <a:endParaRPr lang="zh-CN" altLang="en-US" dirty="0"/>
+          </a:p>
+        </p:txBody>
+      </p:sp>
+      <p:sp>
+        <p:nvSpPr>
+          <p:cNvPr id="3" name="灯片编号占位符 2"/>
+          <p:cNvSpPr>
+            <a:spLocks noGrp="1"/>
+          </p:cNvSpPr>
+          <p:nvPr>
+            <p:ph type="sldNum" sz="quarter" idx="12"/>
+          </p:nvPr>
+        </p:nvSpPr>
+        <p:spPr/>
+        <p:txBody>
+          <a:bodyPr/>
+          <a:lstStyle/>
+          <a:p>
+            <a:fld id="{E2531F13-3D55-48F5-9D66-4D113F3EC470}" type="slidenum">
+              <a:rPr lang="zh-CN" altLang="en-US" smtClean="0"/>
+              <a:pPr/>
+              <a:t>22</a:t>
+            </a:fld>
+            <a:endParaRPr lang="zh-CN" altLang="en-US" dirty="0"/>
+          </a:p>
+        </p:txBody>
+      </p:sp>
+      <p:cxnSp>
+        <p:nvCxnSpPr>
+          <p:cNvPr id="32" name="直接连接符 31"/>
+          <p:cNvCxnSpPr/>
+          <p:nvPr/>
+        </p:nvCxnSpPr>
+        <p:spPr>
+          <a:xfrm rot="5400000">
+            <a:off x="628853" y="507178"/>
+            <a:ext cx="658908" cy="1"/>
+          </a:xfrm>
+          <a:prstGeom prst="line">
+            <a:avLst/>
+          </a:prstGeom>
+          <a:ln w="76200">
+            <a:solidFill>
+              <a:srgbClr val="FF0000"/>
+            </a:solidFill>
+          </a:ln>
+        </p:spPr>
+        <p:style>
+          <a:lnRef idx="1">
+            <a:schemeClr val="accent1"/>
+          </a:lnRef>
+          <a:fillRef idx="0">
+            <a:schemeClr val="accent1"/>
+          </a:fillRef>
+          <a:effectRef idx="0">
+            <a:schemeClr val="accent1"/>
+          </a:effectRef>
+          <a:fontRef idx="minor">
+            <a:schemeClr val="tx1"/>
+          </a:fontRef>
+        </p:style>
+      </p:cxnSp>
+      <p:sp>
+        <p:nvSpPr>
+          <p:cNvPr id="33" name="矩形 32"/>
+          <p:cNvSpPr/>
+          <p:nvPr/>
+        </p:nvSpPr>
+        <p:spPr>
+          <a:xfrm>
+            <a:off x="1029571" y="311084"/>
+            <a:ext cx="9210505" cy="423949"/>
+          </a:xfrm>
+          <a:prstGeom prst="rect">
+            <a:avLst/>
+          </a:prstGeom>
+          <a:noFill/>
+          <a:ln>
+            <a:noFill/>
+          </a:ln>
+        </p:spPr>
+        <p:style>
+          <a:lnRef idx="2">
+            <a:schemeClr val="accent2">
+              <a:shade val="50000"/>
+            </a:schemeClr>
+          </a:lnRef>
+          <a:fillRef idx="1">
+            <a:schemeClr val="accent2"/>
+          </a:fillRef>
+          <a:effectRef idx="0">
+            <a:schemeClr val="accent2"/>
+          </a:effectRef>
+          <a:fontRef idx="minor">
+            <a:schemeClr val="lt1"/>
+          </a:fontRef>
+        </p:style>
+        <p:txBody>
+          <a:bodyPr rtlCol="0" anchor="ctr"/>
+          <a:lstStyle/>
+          <a:p>
+            <a:r>
+              <a:rPr lang="zh-CN" altLang="en-US" sz="3600" b="1" dirty="0" smtClean="0">
+                <a:latin typeface="微软雅黑" pitchFamily="34" charset="-122"/>
+                <a:ea typeface="微软雅黑" pitchFamily="34" charset="-122"/>
+              </a:rPr>
+              <a:t>后期规划－云端渲染</a:t>
+            </a:r>
+            <a:endParaRPr lang="zh-CN" altLang="en-US" sz="3600" b="1" dirty="0">
+              <a:latin typeface="微软雅黑" pitchFamily="34" charset="-122"/>
+              <a:ea typeface="微软雅黑" pitchFamily="34" charset="-122"/>
+            </a:endParaRPr>
+          </a:p>
+        </p:txBody>
+      </p:sp>
+      <p:sp>
+        <p:nvSpPr>
+          <p:cNvPr id="6" name="矩形 5"/>
+          <p:cNvSpPr/>
+          <p:nvPr/>
+        </p:nvSpPr>
+        <p:spPr>
+          <a:xfrm>
+            <a:off x="794931" y="1616752"/>
+            <a:ext cx="10124942" cy="1477328"/>
+          </a:xfrm>
+          <a:prstGeom prst="rect">
+            <a:avLst/>
+          </a:prstGeom>
+        </p:spPr>
+        <p:txBody>
+          <a:bodyPr wrap="square">
+            <a:spAutoFit/>
+          </a:bodyPr>
+          <a:lstStyle/>
+          <a:p>
+            <a:pPr marL="514350" indent="-514350">
+              <a:lnSpc>
+                <a:spcPct val="150000"/>
+              </a:lnSpc>
+              <a:buFont typeface="Wingdings" pitchFamily="2" charset="2"/>
+              <a:buChar char="l"/>
+            </a:pPr>
+            <a:r>
+              <a:rPr lang="zh-CN" altLang="en-US" sz="2000" dirty="0" smtClean="0">
+                <a:solidFill>
+                  <a:srgbClr val="FF0000"/>
+                </a:solidFill>
+                <a:latin typeface="微软雅黑" pitchFamily="34" charset="-122"/>
+                <a:ea typeface="微软雅黑" pitchFamily="34" charset="-122"/>
+              </a:rPr>
+              <a:t>支持视频资源的云端渲染。</a:t>
+            </a:r>
+          </a:p>
+          <a:p>
+            <a:pPr marL="514350" indent="-514350">
+              <a:lnSpc>
+                <a:spcPct val="150000"/>
+              </a:lnSpc>
+              <a:buFont typeface="Wingdings" pitchFamily="2" charset="2"/>
+              <a:buChar char="l"/>
+            </a:pPr>
+            <a:r>
+              <a:rPr lang="zh-CN" altLang="en-US" sz="2000" dirty="0" smtClean="0">
+                <a:solidFill>
+                  <a:srgbClr val="FF0000"/>
+                </a:solidFill>
+                <a:latin typeface="微软雅黑" pitchFamily="34" charset="-122"/>
+                <a:ea typeface="微软雅黑" pitchFamily="34" charset="-122"/>
+              </a:rPr>
+              <a:t>支持</a:t>
+            </a:r>
+            <a:r>
+              <a:rPr lang="en-US" altLang="zh-CN" sz="2000" dirty="0" smtClean="0">
+                <a:solidFill>
+                  <a:srgbClr val="FF0000"/>
+                </a:solidFill>
+                <a:latin typeface="微软雅黑" pitchFamily="34" charset="-122"/>
+                <a:ea typeface="微软雅黑" pitchFamily="34" charset="-122"/>
+              </a:rPr>
+              <a:t>3D</a:t>
+            </a:r>
+            <a:r>
+              <a:rPr lang="zh-CN" altLang="en-US" sz="2000" dirty="0" smtClean="0">
+                <a:solidFill>
+                  <a:srgbClr val="FF0000"/>
+                </a:solidFill>
+                <a:latin typeface="微软雅黑" pitchFamily="34" charset="-122"/>
+                <a:ea typeface="微软雅黑" pitchFamily="34" charset="-122"/>
+              </a:rPr>
+              <a:t>资源的云端渲染。</a:t>
+            </a:r>
+          </a:p>
+          <a:p>
+            <a:pPr marL="514350" indent="-514350">
+              <a:lnSpc>
+                <a:spcPct val="150000"/>
+              </a:lnSpc>
+              <a:buFont typeface="Wingdings" pitchFamily="2" charset="2"/>
+              <a:buChar char="l"/>
+            </a:pPr>
+            <a:r>
+              <a:rPr lang="zh-CN" altLang="en-US" sz="2000" dirty="0" smtClean="0">
+                <a:solidFill>
+                  <a:srgbClr val="FF0000"/>
+                </a:solidFill>
+                <a:latin typeface="微软雅黑" pitchFamily="34" charset="-122"/>
+                <a:ea typeface="微软雅黑" pitchFamily="34" charset="-122"/>
+              </a:rPr>
+              <a:t>支持</a:t>
+            </a:r>
+            <a:r>
+              <a:rPr lang="en-US" altLang="zh-CN" sz="2000" dirty="0" smtClean="0">
+                <a:solidFill>
+                  <a:srgbClr val="FF0000"/>
+                </a:solidFill>
+                <a:latin typeface="微软雅黑" pitchFamily="34" charset="-122"/>
+                <a:ea typeface="微软雅黑" pitchFamily="34" charset="-122"/>
+              </a:rPr>
+              <a:t>VR</a:t>
+            </a:r>
+            <a:r>
+              <a:rPr lang="zh-CN" altLang="en-US" sz="2000" dirty="0" smtClean="0">
+                <a:solidFill>
+                  <a:srgbClr val="FF0000"/>
+                </a:solidFill>
+                <a:latin typeface="微软雅黑" pitchFamily="34" charset="-122"/>
+                <a:ea typeface="微软雅黑" pitchFamily="34" charset="-122"/>
+              </a:rPr>
+              <a:t>资源的云端渲染。</a:t>
+            </a:r>
+          </a:p>
+        </p:txBody>
+      </p:sp>
+    </p:spTree>
+    <p:extLst>
+      <p:ext uri="{BB962C8B-B14F-4D97-AF65-F5344CB8AC3E}">
+        <p14:creationId xmlns:p14="http://schemas.microsoft.com/office/powerpoint/2010/main" val="1088032276"/>
+      </p:ext>
+    </p:extLst>
+  </p:cSld>
+  <p:clrMapOvr>
+    <a:masterClrMapping/>
+  </p:clrMapOvr>
+  <p:timing>
+    <p:tnLst>
+      <p:par>
+        <p:cTn id="1" dur="indefinite" restart="never" nodeType="tmRoot"/>
+      </p:par>
+    </p:tnLst>
+  </p:timing>
+</p:sld>
+</file>
+
+<file path=ppt/slides/slide23.xml><?xml version="1.0" encoding="utf-8"?>
+<p:sld xmlns:a="http://schemas.openxmlformats.org/drawingml/2006/main" xmlns:r="http://schemas.openxmlformats.org/officeDocument/2006/relationships" xmlns:p="http://schemas.openxmlformats.org/presentationml/2006/main">
+  <p:cSld>
+    <p:spTree>
+      <p:nvGrpSpPr>
+        <p:cNvPr id="1" name=""/>
+        <p:cNvGrpSpPr/>
+        <p:nvPr/>
+      </p:nvGrpSpPr>
+      <p:grpSpPr>
+        <a:xfrm>
+          <a:off x="0" y="0"/>
+          <a:ext cx="0" cy="0"/>
+          <a:chOff x="0" y="0"/>
+          <a:chExt cx="0" cy="0"/>
+        </a:xfrm>
+      </p:grpSpPr>
+      <p:sp>
+        <p:nvSpPr>
+          <p:cNvPr id="2" name="页脚占位符 1"/>
+          <p:cNvSpPr>
+            <a:spLocks noGrp="1"/>
+          </p:cNvSpPr>
+          <p:nvPr>
+            <p:ph type="ftr" sz="quarter" idx="11"/>
+          </p:nvPr>
+        </p:nvSpPr>
+        <p:spPr/>
+        <p:txBody>
+          <a:bodyPr/>
+          <a:lstStyle/>
+          <a:p>
+            <a:r>
+              <a:rPr lang="en-US" altLang="zh-CN" smtClean="0"/>
+              <a:t>ND Engineering Institute Confidential</a:t>
+            </a:r>
+            <a:endParaRPr lang="zh-CN" altLang="en-US" dirty="0"/>
+          </a:p>
+        </p:txBody>
+      </p:sp>
+      <p:sp>
+        <p:nvSpPr>
+          <p:cNvPr id="3" name="灯片编号占位符 2"/>
+          <p:cNvSpPr>
+            <a:spLocks noGrp="1"/>
+          </p:cNvSpPr>
+          <p:nvPr>
+            <p:ph type="sldNum" sz="quarter" idx="12"/>
+          </p:nvPr>
+        </p:nvSpPr>
+        <p:spPr/>
+        <p:txBody>
+          <a:bodyPr/>
+          <a:lstStyle/>
+          <a:p>
+            <a:fld id="{E2531F13-3D55-48F5-9D66-4D113F3EC470}" type="slidenum">
+              <a:rPr lang="zh-CN" altLang="en-US" smtClean="0"/>
+              <a:pPr/>
+              <a:t>23</a:t>
+            </a:fld>
+            <a:endParaRPr lang="zh-CN" altLang="en-US" dirty="0"/>
+          </a:p>
+        </p:txBody>
+      </p:sp>
+      <p:cxnSp>
+        <p:nvCxnSpPr>
+          <p:cNvPr id="32" name="直接连接符 31"/>
+          <p:cNvCxnSpPr/>
+          <p:nvPr/>
+        </p:nvCxnSpPr>
+        <p:spPr>
+          <a:xfrm rot="5400000">
+            <a:off x="628853" y="507178"/>
+            <a:ext cx="658908" cy="1"/>
+          </a:xfrm>
+          <a:prstGeom prst="line">
+            <a:avLst/>
+          </a:prstGeom>
+          <a:ln w="76200">
+            <a:solidFill>
+              <a:srgbClr val="FF0000"/>
+            </a:solidFill>
+          </a:ln>
+        </p:spPr>
+        <p:style>
+          <a:lnRef idx="1">
+            <a:schemeClr val="accent1"/>
+          </a:lnRef>
+          <a:fillRef idx="0">
+            <a:schemeClr val="accent1"/>
+          </a:fillRef>
+          <a:effectRef idx="0">
+            <a:schemeClr val="accent1"/>
+          </a:effectRef>
+          <a:fontRef idx="minor">
+            <a:schemeClr val="tx1"/>
+          </a:fontRef>
+        </p:style>
+      </p:cxnSp>
+      <p:sp>
+        <p:nvSpPr>
+          <p:cNvPr id="33" name="矩形 32"/>
+          <p:cNvSpPr/>
+          <p:nvPr/>
+        </p:nvSpPr>
+        <p:spPr>
+          <a:xfrm>
+            <a:off x="1029571" y="311084"/>
+            <a:ext cx="9210505" cy="423949"/>
+          </a:xfrm>
+          <a:prstGeom prst="rect">
+            <a:avLst/>
+          </a:prstGeom>
+          <a:noFill/>
+          <a:ln>
+            <a:noFill/>
+          </a:ln>
+        </p:spPr>
+        <p:style>
+          <a:lnRef idx="2">
+            <a:schemeClr val="accent2">
+              <a:shade val="50000"/>
+            </a:schemeClr>
+          </a:lnRef>
+          <a:fillRef idx="1">
+            <a:schemeClr val="accent2"/>
+          </a:fillRef>
+          <a:effectRef idx="0">
+            <a:schemeClr val="accent2"/>
+          </a:effectRef>
+          <a:fontRef idx="minor">
+            <a:schemeClr val="lt1"/>
+          </a:fontRef>
+        </p:style>
+        <p:txBody>
+          <a:bodyPr rtlCol="0" anchor="ctr"/>
+          <a:lstStyle/>
+          <a:p>
+            <a:r>
+              <a:rPr lang="zh-CN" altLang="en-US" sz="3600" b="1" dirty="0" smtClean="0">
+                <a:latin typeface="微软雅黑" pitchFamily="34" charset="-122"/>
+                <a:ea typeface="微软雅黑" pitchFamily="34" charset="-122"/>
+              </a:rPr>
+              <a:t>后期规划－</a:t>
+            </a:r>
+            <a:r>
+              <a:rPr lang="en-US" altLang="zh-CN" sz="3600" b="1" dirty="0" smtClean="0">
+                <a:latin typeface="微软雅黑" pitchFamily="34" charset="-122"/>
+                <a:ea typeface="微软雅黑" pitchFamily="34" charset="-122"/>
+              </a:rPr>
+              <a:t>VR</a:t>
+            </a:r>
+            <a:r>
+              <a:rPr lang="zh-CN" altLang="en-US" sz="3600" b="1" dirty="0" smtClean="0">
+                <a:latin typeface="微软雅黑" pitchFamily="34" charset="-122"/>
+                <a:ea typeface="微软雅黑" pitchFamily="34" charset="-122"/>
+              </a:rPr>
+              <a:t>资源的云端预览</a:t>
+            </a:r>
+            <a:endParaRPr lang="zh-CN" altLang="en-US" sz="3600" b="1" dirty="0">
+              <a:latin typeface="微软雅黑" pitchFamily="34" charset="-122"/>
+              <a:ea typeface="微软雅黑" pitchFamily="34" charset="-122"/>
+            </a:endParaRPr>
+          </a:p>
+        </p:txBody>
+      </p:sp>
+      <p:sp>
+        <p:nvSpPr>
+          <p:cNvPr id="6" name="矩形 5"/>
+          <p:cNvSpPr/>
+          <p:nvPr/>
+        </p:nvSpPr>
+        <p:spPr>
+          <a:xfrm>
+            <a:off x="794931" y="1616752"/>
+            <a:ext cx="10124942" cy="1015663"/>
+          </a:xfrm>
+          <a:prstGeom prst="rect">
+            <a:avLst/>
+          </a:prstGeom>
+        </p:spPr>
+        <p:txBody>
+          <a:bodyPr wrap="square">
+            <a:spAutoFit/>
+          </a:bodyPr>
+          <a:lstStyle/>
+          <a:p>
+            <a:pPr marL="514350" indent="-514350">
+              <a:lnSpc>
+                <a:spcPct val="150000"/>
+              </a:lnSpc>
+              <a:buFont typeface="Wingdings" pitchFamily="2" charset="2"/>
+              <a:buChar char="l"/>
+            </a:pPr>
+            <a:r>
+              <a:rPr lang="zh-CN" altLang="en-US" sz="2000" dirty="0" smtClean="0">
+                <a:solidFill>
+                  <a:srgbClr val="FF0000"/>
+                </a:solidFill>
+                <a:latin typeface="微软雅黑" pitchFamily="34" charset="-122"/>
+                <a:ea typeface="微软雅黑" pitchFamily="34" charset="-122"/>
+              </a:rPr>
+              <a:t>支持</a:t>
+            </a:r>
+            <a:r>
+              <a:rPr lang="en-US" altLang="zh-CN" sz="2000" dirty="0" smtClean="0">
+                <a:solidFill>
+                  <a:srgbClr val="FF0000"/>
+                </a:solidFill>
+                <a:latin typeface="微软雅黑" pitchFamily="34" charset="-122"/>
+                <a:ea typeface="微软雅黑" pitchFamily="34" charset="-122"/>
+              </a:rPr>
+              <a:t>VR</a:t>
+            </a:r>
+            <a:r>
+              <a:rPr lang="zh-CN" altLang="en-US" sz="2000" dirty="0" smtClean="0">
+                <a:solidFill>
+                  <a:srgbClr val="FF0000"/>
+                </a:solidFill>
+                <a:latin typeface="微软雅黑" pitchFamily="34" charset="-122"/>
+                <a:ea typeface="微软雅黑" pitchFamily="34" charset="-122"/>
+              </a:rPr>
+              <a:t>资源的云端在线预览。</a:t>
+            </a:r>
+          </a:p>
+          <a:p>
+            <a:pPr marL="514350" indent="-514350">
+              <a:lnSpc>
+                <a:spcPct val="150000"/>
+              </a:lnSpc>
+              <a:buFont typeface="Wingdings" pitchFamily="2" charset="2"/>
+              <a:buChar char="l"/>
+            </a:pPr>
+            <a:r>
+              <a:rPr lang="zh-CN" altLang="en-US" sz="2000" dirty="0" smtClean="0">
+                <a:solidFill>
+                  <a:srgbClr val="FF0000"/>
+                </a:solidFill>
+                <a:latin typeface="微软雅黑" pitchFamily="34" charset="-122"/>
+                <a:ea typeface="微软雅黑" pitchFamily="34" charset="-122"/>
+              </a:rPr>
+              <a:t>支持</a:t>
+            </a:r>
+            <a:r>
+              <a:rPr lang="en-US" altLang="zh-CN" sz="2000" dirty="0" smtClean="0">
+                <a:solidFill>
+                  <a:srgbClr val="FF0000"/>
+                </a:solidFill>
+                <a:latin typeface="微软雅黑" pitchFamily="34" charset="-122"/>
+                <a:ea typeface="微软雅黑" pitchFamily="34" charset="-122"/>
+              </a:rPr>
+              <a:t>VR</a:t>
+            </a:r>
+            <a:r>
+              <a:rPr lang="zh-CN" altLang="en-US" sz="2000" dirty="0" smtClean="0">
+                <a:solidFill>
+                  <a:srgbClr val="FF0000"/>
+                </a:solidFill>
+                <a:latin typeface="微软雅黑" pitchFamily="34" charset="-122"/>
+                <a:ea typeface="微软雅黑" pitchFamily="34" charset="-122"/>
+              </a:rPr>
+              <a:t>资源的在线设计。</a:t>
+            </a:r>
+          </a:p>
+        </p:txBody>
+      </p:sp>
+    </p:spTree>
+    <p:extLst>
+      <p:ext uri="{BB962C8B-B14F-4D97-AF65-F5344CB8AC3E}">
+        <p14:creationId xmlns:p14="http://schemas.microsoft.com/office/powerpoint/2010/main" val="715850741"/>
+      </p:ext>
+    </p:extLst>
+  </p:cSld>
+  <p:clrMapOvr>
+    <a:masterClrMapping/>
+  </p:clrMapOvr>
+  <p:timing>
+    <p:tnLst>
+      <p:par>
+        <p:cTn id="1" dur="indefinite" restart="never" nodeType="tmRoot"/>
+      </p:par>
+    </p:tnLst>
+  </p:timing>
+</p:sld>
+</file>
+
+<file path=ppt/slides/slide24.xml><?xml version="1.0" encoding="utf-8"?>
+<p:sld xmlns:a="http://schemas.openxmlformats.org/drawingml/2006/main" xmlns:r="http://schemas.openxmlformats.org/officeDocument/2006/relationships" xmlns:p="http://schemas.openxmlformats.org/presentationml/2006/main">
+  <p:cSld>
+    <p:spTree>
+      <p:nvGrpSpPr>
+        <p:cNvPr id="1" name=""/>
+        <p:cNvGrpSpPr/>
+        <p:nvPr/>
+      </p:nvGrpSpPr>
+      <p:grpSpPr>
+        <a:xfrm>
+          <a:off x="0" y="0"/>
+          <a:ext cx="0" cy="0"/>
+          <a:chOff x="0" y="0"/>
+          <a:chExt cx="0" cy="0"/>
+        </a:xfrm>
+      </p:grpSpPr>
+      <p:sp>
+        <p:nvSpPr>
+          <p:cNvPr id="2" name="页脚占位符 1"/>
+          <p:cNvSpPr>
+            <a:spLocks noGrp="1"/>
+          </p:cNvSpPr>
+          <p:nvPr>
+            <p:ph type="ftr" sz="quarter" idx="11"/>
+          </p:nvPr>
+        </p:nvSpPr>
+        <p:spPr/>
+        <p:txBody>
+          <a:bodyPr/>
+          <a:lstStyle/>
+          <a:p>
+            <a:r>
+              <a:rPr lang="en-US" altLang="zh-CN" smtClean="0"/>
+              <a:t>ND Engineering Institute Confidential</a:t>
+            </a:r>
+            <a:endParaRPr lang="zh-CN" altLang="en-US" dirty="0"/>
+          </a:p>
+        </p:txBody>
+      </p:sp>
+      <p:sp>
+        <p:nvSpPr>
+          <p:cNvPr id="3" name="灯片编号占位符 2"/>
+          <p:cNvSpPr>
+            <a:spLocks noGrp="1"/>
+          </p:cNvSpPr>
+          <p:nvPr>
+            <p:ph type="sldNum" sz="quarter" idx="12"/>
+          </p:nvPr>
+        </p:nvSpPr>
+        <p:spPr/>
+        <p:txBody>
+          <a:bodyPr/>
+          <a:lstStyle/>
+          <a:p>
+            <a:fld id="{E2531F13-3D55-48F5-9D66-4D113F3EC470}" type="slidenum">
+              <a:rPr lang="zh-CN" altLang="en-US" smtClean="0"/>
+              <a:pPr/>
+              <a:t>24</a:t>
+            </a:fld>
+            <a:endParaRPr lang="zh-CN" altLang="en-US" dirty="0"/>
+          </a:p>
+        </p:txBody>
+      </p:sp>
+      <p:cxnSp>
+        <p:nvCxnSpPr>
+          <p:cNvPr id="32" name="直接连接符 31"/>
+          <p:cNvCxnSpPr/>
+          <p:nvPr/>
+        </p:nvCxnSpPr>
+        <p:spPr>
+          <a:xfrm rot="5400000">
+            <a:off x="628853" y="507178"/>
+            <a:ext cx="658908" cy="1"/>
+          </a:xfrm>
+          <a:prstGeom prst="line">
+            <a:avLst/>
+          </a:prstGeom>
+          <a:ln w="76200">
+            <a:solidFill>
+              <a:srgbClr val="FF0000"/>
+            </a:solidFill>
+          </a:ln>
+        </p:spPr>
+        <p:style>
+          <a:lnRef idx="1">
+            <a:schemeClr val="accent1"/>
+          </a:lnRef>
+          <a:fillRef idx="0">
+            <a:schemeClr val="accent1"/>
+          </a:fillRef>
+          <a:effectRef idx="0">
+            <a:schemeClr val="accent1"/>
+          </a:effectRef>
+          <a:fontRef idx="minor">
+            <a:schemeClr val="tx1"/>
+          </a:fontRef>
+        </p:style>
+      </p:cxnSp>
+      <p:sp>
+        <p:nvSpPr>
+          <p:cNvPr id="33" name="矩形 32"/>
+          <p:cNvSpPr/>
+          <p:nvPr/>
+        </p:nvSpPr>
+        <p:spPr>
+          <a:xfrm>
+            <a:off x="1029571" y="311084"/>
+            <a:ext cx="9210505" cy="423949"/>
+          </a:xfrm>
+          <a:prstGeom prst="rect">
+            <a:avLst/>
+          </a:prstGeom>
+          <a:noFill/>
+          <a:ln>
+            <a:noFill/>
+          </a:ln>
+        </p:spPr>
+        <p:style>
+          <a:lnRef idx="2">
+            <a:schemeClr val="accent2">
+              <a:shade val="50000"/>
+            </a:schemeClr>
+          </a:lnRef>
+          <a:fillRef idx="1">
+            <a:schemeClr val="accent2"/>
+          </a:fillRef>
+          <a:effectRef idx="0">
+            <a:schemeClr val="accent2"/>
+          </a:effectRef>
+          <a:fontRef idx="minor">
+            <a:schemeClr val="lt1"/>
+          </a:fontRef>
+        </p:style>
+        <p:txBody>
+          <a:bodyPr rtlCol="0" anchor="ctr"/>
+          <a:lstStyle/>
+          <a:p>
+            <a:r>
+              <a:rPr lang="zh-CN" altLang="en-US" sz="3600" b="1" dirty="0" smtClean="0">
+                <a:latin typeface="微软雅黑" pitchFamily="34" charset="-122"/>
+                <a:ea typeface="微软雅黑" pitchFamily="34" charset="-122"/>
+              </a:rPr>
+              <a:t>后期规划－资源超市</a:t>
+            </a:r>
+            <a:endParaRPr lang="zh-CN" altLang="en-US" sz="3600" b="1" dirty="0">
+              <a:latin typeface="微软雅黑" pitchFamily="34" charset="-122"/>
+              <a:ea typeface="微软雅黑" pitchFamily="34" charset="-122"/>
+            </a:endParaRPr>
+          </a:p>
+        </p:txBody>
+      </p:sp>
+      <p:sp>
+        <p:nvSpPr>
+          <p:cNvPr id="6" name="矩形 5"/>
+          <p:cNvSpPr/>
+          <p:nvPr/>
+        </p:nvSpPr>
+        <p:spPr>
+          <a:xfrm>
+            <a:off x="794931" y="1616752"/>
+            <a:ext cx="10124942" cy="2400657"/>
+          </a:xfrm>
+          <a:prstGeom prst="rect">
+            <a:avLst/>
+          </a:prstGeom>
+        </p:spPr>
+        <p:txBody>
+          <a:bodyPr wrap="square">
+            <a:spAutoFit/>
+          </a:bodyPr>
+          <a:lstStyle/>
+          <a:p>
+            <a:pPr marL="514350" indent="-514350">
+              <a:lnSpc>
+                <a:spcPct val="150000"/>
+              </a:lnSpc>
+              <a:buFont typeface="Wingdings" pitchFamily="2" charset="2"/>
+              <a:buChar char="l"/>
+            </a:pPr>
+            <a:r>
+              <a:rPr lang="zh-CN" altLang="en-US" sz="2000" dirty="0" smtClean="0">
+                <a:solidFill>
+                  <a:srgbClr val="FF0000"/>
+                </a:solidFill>
+                <a:latin typeface="微软雅黑" pitchFamily="34" charset="-122"/>
+                <a:ea typeface="微软雅黑" pitchFamily="34" charset="-122"/>
+              </a:rPr>
+              <a:t>支持资源的在线销售。</a:t>
+            </a:r>
+          </a:p>
+          <a:p>
+            <a:pPr marL="514350" indent="-514350">
+              <a:lnSpc>
+                <a:spcPct val="150000"/>
+              </a:lnSpc>
+              <a:buFont typeface="Wingdings" pitchFamily="2" charset="2"/>
+              <a:buChar char="l"/>
+            </a:pPr>
+            <a:r>
+              <a:rPr lang="zh-CN" altLang="en-US" sz="2000" dirty="0" smtClean="0">
+                <a:solidFill>
+                  <a:srgbClr val="FF0000"/>
+                </a:solidFill>
+                <a:latin typeface="微软雅黑" pitchFamily="34" charset="-122"/>
+                <a:ea typeface="微软雅黑" pitchFamily="34" charset="-122"/>
+              </a:rPr>
+              <a:t>支持资源的供应商管理。</a:t>
+            </a:r>
+          </a:p>
+          <a:p>
+            <a:pPr marL="514350" indent="-514350">
+              <a:lnSpc>
+                <a:spcPct val="150000"/>
+              </a:lnSpc>
+              <a:buFont typeface="Wingdings" pitchFamily="2" charset="2"/>
+              <a:buChar char="l"/>
+            </a:pPr>
+            <a:r>
+              <a:rPr lang="zh-CN" altLang="en-US" sz="2000" dirty="0" smtClean="0">
+                <a:solidFill>
+                  <a:srgbClr val="FF0000"/>
+                </a:solidFill>
+                <a:latin typeface="微软雅黑" pitchFamily="34" charset="-122"/>
+                <a:ea typeface="微软雅黑" pitchFamily="34" charset="-122"/>
+              </a:rPr>
+              <a:t>支持资源销售账单管理。</a:t>
+            </a:r>
+          </a:p>
+          <a:p>
+            <a:pPr marL="514350" indent="-514350">
+              <a:lnSpc>
+                <a:spcPct val="150000"/>
+              </a:lnSpc>
+              <a:buFont typeface="Wingdings" pitchFamily="2" charset="2"/>
+              <a:buChar char="l"/>
+            </a:pPr>
+            <a:r>
+              <a:rPr lang="zh-CN" altLang="en-US" sz="2000" dirty="0" smtClean="0">
+                <a:solidFill>
+                  <a:srgbClr val="FF0000"/>
+                </a:solidFill>
+                <a:latin typeface="微软雅黑" pitchFamily="34" charset="-122"/>
+                <a:ea typeface="微软雅黑" pitchFamily="34" charset="-122"/>
+              </a:rPr>
+              <a:t>支持资源对账管理。</a:t>
+            </a:r>
+            <a:endParaRPr lang="zh-CN" altLang="en-US" sz="2000" dirty="0">
+              <a:solidFill>
+                <a:srgbClr val="FF0000"/>
+              </a:solidFill>
+              <a:latin typeface="微软雅黑" pitchFamily="34" charset="-122"/>
+              <a:ea typeface="微软雅黑" pitchFamily="34" charset="-122"/>
+            </a:endParaRPr>
+          </a:p>
+          <a:p>
+            <a:pPr marL="514350" indent="-514350">
+              <a:lnSpc>
+                <a:spcPct val="150000"/>
+              </a:lnSpc>
+              <a:buFont typeface="Wingdings" pitchFamily="2" charset="2"/>
+              <a:buChar char="l"/>
+            </a:pPr>
+            <a:r>
+              <a:rPr lang="zh-CN" altLang="en-US" sz="2000" dirty="0" smtClean="0">
+                <a:solidFill>
+                  <a:srgbClr val="FF0000"/>
+                </a:solidFill>
+                <a:latin typeface="微软雅黑" pitchFamily="34" charset="-122"/>
+                <a:ea typeface="微软雅黑" pitchFamily="34" charset="-122"/>
+              </a:rPr>
+              <a:t>支持资源的支付管理。</a:t>
+            </a:r>
+          </a:p>
+        </p:txBody>
+      </p:sp>
+    </p:spTree>
+    <p:extLst>
+      <p:ext uri="{BB962C8B-B14F-4D97-AF65-F5344CB8AC3E}">
+        <p14:creationId xmlns:p14="http://schemas.microsoft.com/office/powerpoint/2010/main" val="662294732"/>
+      </p:ext>
+    </p:extLst>
+  </p:cSld>
+  <p:clrMapOvr>
+    <a:masterClrMapping/>
+  </p:clrMapOvr>
+  <p:timing>
+    <p:tnLst>
+      <p:par>
+        <p:cTn id="1" dur="indefinite" restart="never" nodeType="tmRoot"/>
+      </p:par>
+    </p:tnLst>
+  </p:timing>
+</p:sld>
+</file>
+
+<file path=ppt/slides/slide25.xml><?xml version="1.0" encoding="utf-8"?>
+<p:sld xmlns:a="http://schemas.openxmlformats.org/drawingml/2006/main" xmlns:r="http://schemas.openxmlformats.org/officeDocument/2006/relationships" xmlns:p="http://schemas.openxmlformats.org/presentationml/2006/main">
+  <p:cSld>
+    <p:spTree>
+      <p:nvGrpSpPr>
+        <p:cNvPr id="1" name=""/>
+        <p:cNvGrpSpPr/>
+        <p:nvPr/>
+      </p:nvGrpSpPr>
+      <p:grpSpPr>
+        <a:xfrm>
+          <a:off x="0" y="0"/>
+          <a:ext cx="0" cy="0"/>
+          <a:chOff x="0" y="0"/>
+          <a:chExt cx="0" cy="0"/>
+        </a:xfrm>
+      </p:grpSpPr>
+      <p:sp>
+        <p:nvSpPr>
+          <p:cNvPr id="2" name="页脚占位符 1"/>
+          <p:cNvSpPr>
+            <a:spLocks noGrp="1"/>
+          </p:cNvSpPr>
+          <p:nvPr>
+            <p:ph type="ftr" sz="quarter" idx="11"/>
+          </p:nvPr>
+        </p:nvSpPr>
+        <p:spPr/>
+        <p:txBody>
+          <a:bodyPr/>
+          <a:lstStyle/>
+          <a:p>
+            <a:r>
+              <a:rPr lang="en-US" altLang="zh-CN" smtClean="0"/>
+              <a:t>ND Engineering Institute Confidential</a:t>
+            </a:r>
+            <a:endParaRPr lang="zh-CN" altLang="en-US" dirty="0"/>
+          </a:p>
+        </p:txBody>
+      </p:sp>
+      <p:sp>
+        <p:nvSpPr>
+          <p:cNvPr id="3" name="灯片编号占位符 2"/>
+          <p:cNvSpPr>
+            <a:spLocks noGrp="1"/>
+          </p:cNvSpPr>
+          <p:nvPr>
+            <p:ph type="sldNum" sz="quarter" idx="12"/>
+          </p:nvPr>
+        </p:nvSpPr>
+        <p:spPr/>
+        <p:txBody>
+          <a:bodyPr/>
+          <a:lstStyle/>
+          <a:p>
+            <a:fld id="{E2531F13-3D55-48F5-9D66-4D113F3EC470}" type="slidenum">
+              <a:rPr lang="zh-CN" altLang="en-US" smtClean="0"/>
+              <a:pPr/>
+              <a:t>25</a:t>
+            </a:fld>
+            <a:endParaRPr lang="zh-CN" altLang="en-US" dirty="0"/>
+          </a:p>
+        </p:txBody>
+      </p:sp>
+      <p:grpSp>
+        <p:nvGrpSpPr>
+          <p:cNvPr id="9" name="组合 20"/>
+          <p:cNvGrpSpPr/>
+          <p:nvPr/>
+        </p:nvGrpSpPr>
+        <p:grpSpPr bwMode="auto">
+          <a:xfrm>
+            <a:off x="1283556" y="2198742"/>
+            <a:ext cx="9464675" cy="2386934"/>
+            <a:chOff x="0" y="1900829"/>
+            <a:chExt cx="9465015" cy="2386842"/>
+          </a:xfrm>
+        </p:grpSpPr>
+        <p:sp>
+          <p:nvSpPr>
+            <p:cNvPr id="10" name="文本框 1"/>
+            <p:cNvSpPr>
+              <a:spLocks noChangeArrowheads="1"/>
+            </p:cNvSpPr>
+            <p:nvPr/>
+          </p:nvSpPr>
+          <p:spPr bwMode="auto">
+            <a:xfrm>
+              <a:off x="2387109" y="1900829"/>
+              <a:ext cx="4170831" cy="1395105"/>
+            </a:xfrm>
+            <a:prstGeom prst="rect">
+              <a:avLst/>
+            </a:prstGeom>
+            <a:noFill/>
+            <a:ln w="9525">
+              <a:noFill/>
+              <a:miter lim="800000"/>
+              <a:headEnd/>
+              <a:tailEnd/>
+            </a:ln>
+          </p:spPr>
+          <p:txBody>
+            <a:bodyPr wrap="none">
+              <a:spAutoFit/>
+            </a:bodyPr>
+            <a:lstStyle/>
+            <a:p>
+              <a:pPr>
+                <a:buFont typeface="Arial" charset="0"/>
+                <a:buNone/>
+              </a:pPr>
+              <a:r>
+                <a:rPr lang="en-US" altLang="zh-CN" sz="9600" b="1">
+                  <a:solidFill>
+                    <a:srgbClr val="2E75B6"/>
+                  </a:solidFill>
+                  <a:latin typeface="微软雅黑" pitchFamily="34" charset="-122"/>
+                  <a:sym typeface="微软雅黑" pitchFamily="34" charset="-122"/>
+                </a:rPr>
+                <a:t>Thanks</a:t>
+              </a:r>
+              <a:endParaRPr lang="zh-CN" altLang="en-US" sz="9600"/>
+            </a:p>
+          </p:txBody>
+        </p:sp>
+        <p:grpSp>
+          <p:nvGrpSpPr>
+            <p:cNvPr id="12" name="组合 18"/>
+            <p:cNvGrpSpPr/>
+            <p:nvPr/>
+          </p:nvGrpSpPr>
+          <p:grpSpPr bwMode="auto">
+            <a:xfrm>
+              <a:off x="0" y="3711407"/>
+              <a:ext cx="9465015" cy="576264"/>
+              <a:chOff x="0" y="0"/>
+              <a:chExt cx="9465015" cy="576264"/>
+            </a:xfrm>
+          </p:grpSpPr>
+          <p:sp>
+            <p:nvSpPr>
+              <p:cNvPr id="13" name="矩形 11"/>
+              <p:cNvSpPr>
+                <a:spLocks noChangeArrowheads="1"/>
+              </p:cNvSpPr>
+              <p:nvPr/>
+            </p:nvSpPr>
+            <p:spPr bwMode="auto">
+              <a:xfrm>
+                <a:off x="0" y="0"/>
+                <a:ext cx="1354327" cy="576263"/>
+              </a:xfrm>
+              <a:prstGeom prst="rect">
+                <a:avLst/>
+              </a:prstGeom>
+              <a:solidFill>
+                <a:srgbClr val="FF0000"/>
+              </a:solidFill>
+              <a:ln w="9525">
+                <a:noFill/>
+                <a:miter lim="800000"/>
+                <a:headEnd/>
+                <a:tailEnd/>
+              </a:ln>
+            </p:spPr>
+            <p:txBody>
+              <a:bodyPr anchor="ctr"/>
+              <a:lstStyle/>
+              <a:p>
+                <a:pPr>
+                  <a:buFont typeface="Arial" charset="0"/>
+                  <a:buNone/>
+                </a:pPr>
+                <a:r>
+                  <a:rPr lang="zh-CN" altLang="en-US" b="1">
+                    <a:solidFill>
+                      <a:schemeClr val="bg1"/>
+                    </a:solidFill>
+                    <a:latin typeface="微软雅黑" pitchFamily="34" charset="-122"/>
+                    <a:ea typeface="微软雅黑" pitchFamily="34" charset="-122"/>
+                    <a:sym typeface="微软雅黑" pitchFamily="34" charset="-122"/>
+                  </a:rPr>
+                  <a:t>  追求卓越</a:t>
+                </a:r>
+                <a:endParaRPr lang="en-US" altLang="zh-CN" b="1">
+                  <a:solidFill>
+                    <a:schemeClr val="bg1"/>
+                  </a:solidFill>
+                  <a:latin typeface="微软雅黑" pitchFamily="34" charset="-122"/>
+                  <a:ea typeface="微软雅黑" pitchFamily="34" charset="-122"/>
+                  <a:sym typeface="微软雅黑" pitchFamily="34" charset="-122"/>
+                </a:endParaRPr>
+              </a:p>
+            </p:txBody>
+          </p:sp>
+          <p:sp>
+            <p:nvSpPr>
+              <p:cNvPr id="14" name="矩形 12"/>
+              <p:cNvSpPr>
+                <a:spLocks noChangeArrowheads="1"/>
+              </p:cNvSpPr>
+              <p:nvPr/>
+            </p:nvSpPr>
+            <p:spPr bwMode="auto">
+              <a:xfrm>
+                <a:off x="1352599" y="24"/>
+                <a:ext cx="1357361" cy="576240"/>
+              </a:xfrm>
+              <a:prstGeom prst="rect">
+                <a:avLst/>
+              </a:prstGeom>
+              <a:solidFill>
+                <a:srgbClr val="FF6600"/>
+              </a:solidFill>
+              <a:ln w="9525">
+                <a:noFill/>
+                <a:miter lim="800000"/>
+                <a:headEnd/>
+                <a:tailEnd/>
+              </a:ln>
+            </p:spPr>
+            <p:txBody>
+              <a:bodyPr anchor="ctr"/>
+              <a:lstStyle/>
+              <a:p>
+                <a:pPr algn="ctr" eaLnBrk="1" hangingPunct="1">
+                  <a:buFont typeface="Arial" charset="0"/>
+                  <a:buNone/>
+                </a:pPr>
+                <a:r>
+                  <a:rPr lang="zh-CN" altLang="en-US" b="1">
+                    <a:solidFill>
+                      <a:schemeClr val="bg1"/>
+                    </a:solidFill>
+                    <a:latin typeface="微软雅黑" pitchFamily="34" charset="-122"/>
+                    <a:ea typeface="微软雅黑" pitchFamily="34" charset="-122"/>
+                    <a:sym typeface="微软雅黑" pitchFamily="34" charset="-122"/>
+                  </a:rPr>
+                  <a:t>激       情</a:t>
+                </a:r>
+                <a:endParaRPr lang="zh-CN" altLang="en-US">
+                  <a:solidFill>
+                    <a:schemeClr val="bg1"/>
+                  </a:solidFill>
+                  <a:latin typeface="Franklin Gothic Medium" pitchFamily="34" charset="0"/>
+                  <a:ea typeface="微软雅黑" pitchFamily="34" charset="-122"/>
+                </a:endParaRPr>
+              </a:p>
+            </p:txBody>
+          </p:sp>
+          <p:sp>
+            <p:nvSpPr>
+              <p:cNvPr id="15" name="矩形 13"/>
+              <p:cNvSpPr>
+                <a:spLocks noChangeArrowheads="1"/>
+              </p:cNvSpPr>
+              <p:nvPr/>
+            </p:nvSpPr>
+            <p:spPr bwMode="auto">
+              <a:xfrm>
+                <a:off x="2706784" y="24"/>
+                <a:ext cx="1357362" cy="576240"/>
+              </a:xfrm>
+              <a:prstGeom prst="rect">
+                <a:avLst/>
+              </a:prstGeom>
+              <a:solidFill>
+                <a:srgbClr val="FFC000"/>
+              </a:solidFill>
+              <a:ln w="9525">
+                <a:noFill/>
+                <a:miter lim="800000"/>
+                <a:headEnd/>
+                <a:tailEnd/>
+              </a:ln>
+            </p:spPr>
+            <p:txBody>
+              <a:bodyPr anchor="ctr"/>
+              <a:lstStyle/>
+              <a:p>
+                <a:pPr algn="ctr" eaLnBrk="1" hangingPunct="1">
+                  <a:buFont typeface="Arial" charset="0"/>
+                  <a:buNone/>
+                </a:pPr>
+                <a:r>
+                  <a:rPr lang="zh-CN" altLang="en-US" b="1">
+                    <a:solidFill>
+                      <a:schemeClr val="bg1"/>
+                    </a:solidFill>
+                    <a:latin typeface="微软雅黑" pitchFamily="34" charset="-122"/>
+                    <a:ea typeface="微软雅黑" pitchFamily="34" charset="-122"/>
+                    <a:sym typeface="微软雅黑" pitchFamily="34" charset="-122"/>
+                  </a:rPr>
+                  <a:t>争       取</a:t>
+                </a:r>
+                <a:endParaRPr lang="zh-CN" altLang="en-US">
+                  <a:solidFill>
+                    <a:schemeClr val="bg1"/>
+                  </a:solidFill>
+                  <a:latin typeface="Franklin Gothic Medium" pitchFamily="34" charset="0"/>
+                  <a:ea typeface="微软雅黑" pitchFamily="34" charset="-122"/>
+                </a:endParaRPr>
+              </a:p>
+            </p:txBody>
+          </p:sp>
+          <p:sp>
+            <p:nvSpPr>
+              <p:cNvPr id="16" name="矩形 14"/>
+              <p:cNvSpPr>
+                <a:spLocks noChangeArrowheads="1"/>
+              </p:cNvSpPr>
+              <p:nvPr/>
+            </p:nvSpPr>
+            <p:spPr bwMode="auto">
+              <a:xfrm>
+                <a:off x="4062558" y="24"/>
+                <a:ext cx="1355774" cy="576240"/>
+              </a:xfrm>
+              <a:prstGeom prst="rect">
+                <a:avLst/>
+              </a:prstGeom>
+              <a:solidFill>
+                <a:srgbClr val="00B050"/>
+              </a:solidFill>
+              <a:ln w="9525">
+                <a:noFill/>
+                <a:miter lim="800000"/>
+                <a:headEnd/>
+                <a:tailEnd/>
+              </a:ln>
+            </p:spPr>
+            <p:txBody>
+              <a:bodyPr anchor="ctr"/>
+              <a:lstStyle/>
+              <a:p>
+                <a:pPr algn="ctr" eaLnBrk="1" hangingPunct="1">
+                  <a:buFont typeface="Arial" charset="0"/>
+                  <a:buNone/>
+                </a:pPr>
+                <a:r>
+                  <a:rPr lang="zh-CN" altLang="en-US" b="1">
+                    <a:solidFill>
+                      <a:schemeClr val="bg1"/>
+                    </a:solidFill>
+                    <a:latin typeface="微软雅黑" pitchFamily="34" charset="-122"/>
+                    <a:ea typeface="微软雅黑" pitchFamily="34" charset="-122"/>
+                    <a:sym typeface="微软雅黑" pitchFamily="34" charset="-122"/>
+                  </a:rPr>
+                  <a:t>学       习</a:t>
+                </a:r>
+                <a:endParaRPr lang="zh-CN" altLang="en-US">
+                  <a:solidFill>
+                    <a:schemeClr val="bg1"/>
+                  </a:solidFill>
+                  <a:latin typeface="Franklin Gothic Medium" pitchFamily="34" charset="0"/>
+                  <a:ea typeface="微软雅黑" pitchFamily="34" charset="-122"/>
+                </a:endParaRPr>
+              </a:p>
+            </p:txBody>
+          </p:sp>
+          <p:sp>
+            <p:nvSpPr>
+              <p:cNvPr id="17" name="矩形 15"/>
+              <p:cNvSpPr>
+                <a:spLocks noChangeArrowheads="1"/>
+              </p:cNvSpPr>
+              <p:nvPr/>
+            </p:nvSpPr>
+            <p:spPr bwMode="auto">
+              <a:xfrm>
+                <a:off x="5408806" y="24"/>
+                <a:ext cx="1355774" cy="576240"/>
+              </a:xfrm>
+              <a:prstGeom prst="rect">
+                <a:avLst/>
+              </a:prstGeom>
+              <a:solidFill>
+                <a:srgbClr val="00B0F0"/>
+              </a:solidFill>
+              <a:ln w="9525">
+                <a:noFill/>
+                <a:miter lim="800000"/>
+                <a:headEnd/>
+                <a:tailEnd/>
+              </a:ln>
+            </p:spPr>
+            <p:txBody>
+              <a:bodyPr anchor="ctr"/>
+              <a:lstStyle/>
+              <a:p>
+                <a:pPr algn="ctr" eaLnBrk="1" hangingPunct="1">
+                  <a:buFont typeface="Arial" charset="0"/>
+                  <a:buNone/>
+                </a:pPr>
+                <a:r>
+                  <a:rPr lang="zh-CN" altLang="en-US" b="1">
+                    <a:solidFill>
+                      <a:schemeClr val="bg1"/>
+                    </a:solidFill>
+                    <a:latin typeface="微软雅黑" pitchFamily="34" charset="-122"/>
+                    <a:ea typeface="微软雅黑" pitchFamily="34" charset="-122"/>
+                    <a:sym typeface="微软雅黑" pitchFamily="34" charset="-122"/>
+                  </a:rPr>
+                  <a:t>创       新</a:t>
+                </a:r>
+                <a:endParaRPr lang="zh-CN" altLang="en-US">
+                  <a:solidFill>
+                    <a:schemeClr val="bg1"/>
+                  </a:solidFill>
+                  <a:latin typeface="Franklin Gothic Medium" pitchFamily="34" charset="0"/>
+                  <a:ea typeface="微软雅黑" pitchFamily="34" charset="-122"/>
+                </a:endParaRPr>
+              </a:p>
+            </p:txBody>
+          </p:sp>
+          <p:sp>
+            <p:nvSpPr>
+              <p:cNvPr id="18" name="矩形 16"/>
+              <p:cNvSpPr>
+                <a:spLocks noChangeArrowheads="1"/>
+              </p:cNvSpPr>
+              <p:nvPr/>
+            </p:nvSpPr>
+            <p:spPr bwMode="auto">
+              <a:xfrm>
+                <a:off x="6764580" y="24"/>
+                <a:ext cx="1354187" cy="576240"/>
+              </a:xfrm>
+              <a:prstGeom prst="rect">
+                <a:avLst/>
+              </a:prstGeom>
+              <a:solidFill>
+                <a:srgbClr val="0099CC"/>
+              </a:solidFill>
+              <a:ln w="9525">
+                <a:noFill/>
+                <a:miter lim="800000"/>
+                <a:headEnd/>
+                <a:tailEnd/>
+              </a:ln>
+            </p:spPr>
+            <p:txBody>
+              <a:bodyPr anchor="ctr"/>
+              <a:lstStyle/>
+              <a:p>
+                <a:pPr algn="ctr" eaLnBrk="1" hangingPunct="1">
+                  <a:buFont typeface="Arial" charset="0"/>
+                  <a:buNone/>
+                </a:pPr>
+                <a:r>
+                  <a:rPr lang="zh-CN" altLang="en-US" b="1">
+                    <a:solidFill>
+                      <a:schemeClr val="bg1"/>
+                    </a:solidFill>
+                    <a:latin typeface="微软雅黑" pitchFamily="34" charset="-122"/>
+                    <a:ea typeface="微软雅黑" pitchFamily="34" charset="-122"/>
+                    <a:sym typeface="微软雅黑" pitchFamily="34" charset="-122"/>
+                  </a:rPr>
+                  <a:t>公       平</a:t>
+                </a:r>
+                <a:endParaRPr lang="zh-CN" altLang="en-US">
+                  <a:solidFill>
+                    <a:schemeClr val="bg1"/>
+                  </a:solidFill>
+                  <a:latin typeface="Franklin Gothic Medium" pitchFamily="34" charset="0"/>
+                  <a:ea typeface="微软雅黑" pitchFamily="34" charset="-122"/>
+                </a:endParaRPr>
+              </a:p>
+            </p:txBody>
+          </p:sp>
+          <p:sp>
+            <p:nvSpPr>
+              <p:cNvPr id="19" name="矩形 17"/>
+              <p:cNvSpPr>
+                <a:spLocks noChangeArrowheads="1"/>
+              </p:cNvSpPr>
+              <p:nvPr/>
+            </p:nvSpPr>
+            <p:spPr bwMode="auto">
+              <a:xfrm>
+                <a:off x="8107653" y="24"/>
+                <a:ext cx="1357362" cy="576240"/>
+              </a:xfrm>
+              <a:prstGeom prst="rect">
+                <a:avLst/>
+              </a:prstGeom>
+              <a:solidFill>
+                <a:srgbClr val="7030A0"/>
+              </a:solidFill>
+              <a:ln w="9525">
+                <a:noFill/>
+                <a:miter lim="800000"/>
+                <a:headEnd/>
+                <a:tailEnd/>
+              </a:ln>
+            </p:spPr>
+            <p:txBody>
+              <a:bodyPr anchor="ctr"/>
+              <a:lstStyle/>
+              <a:p>
+                <a:pPr algn="ctr" eaLnBrk="1" hangingPunct="1">
+                  <a:buFont typeface="Arial" charset="0"/>
+                  <a:buNone/>
+                </a:pPr>
+                <a:r>
+                  <a:rPr lang="zh-CN" altLang="en-US" b="1">
+                    <a:solidFill>
+                      <a:schemeClr val="bg1"/>
+                    </a:solidFill>
+                    <a:latin typeface="微软雅黑" pitchFamily="34" charset="-122"/>
+                    <a:ea typeface="微软雅黑" pitchFamily="34" charset="-122"/>
+                    <a:sym typeface="微软雅黑" pitchFamily="34" charset="-122"/>
+                  </a:rPr>
+                  <a:t>客户至上</a:t>
+                </a:r>
+                <a:endParaRPr lang="zh-CN" altLang="en-US">
+                  <a:solidFill>
+                    <a:schemeClr val="bg1"/>
+                  </a:solidFill>
+                  <a:latin typeface="Franklin Gothic Medium" pitchFamily="34" charset="0"/>
+                  <a:ea typeface="微软雅黑" pitchFamily="34" charset="-122"/>
+                </a:endParaRPr>
+              </a:p>
+            </p:txBody>
+          </p:sp>
+        </p:grpSp>
+      </p:grpSp>
+    </p:spTree>
+    <p:extLst>
+      <p:ext uri="{BB962C8B-B14F-4D97-AF65-F5344CB8AC3E}">
+        <p14:creationId xmlns:p14="http://schemas.microsoft.com/office/powerpoint/2010/main" val="1796563491"/>
+      </p:ext>
+    </p:extLst>
+  </p:cSld>
+  <p:clrMapOvr>
+    <a:masterClrMapping/>
+  </p:clrMapOvr>
+  <p:timing>
+    <p:tnLst>
+      <p:par>
+        <p:cTn id="1" dur="indefinite" restart="never" nodeType="tmRoot">
+          <p:childTnLst>
+            <p:seq concurrent="1" nextAc="seek">
+              <p:cTn id="2" dur="indefinite" nodeType="mainSeq">
+                <p:childTnLst>
+                  <p:par>
+                    <p:cTn id="3" fill="hold">
+                      <p:stCondLst>
+                        <p:cond delay="indefinite"/>
+                        <p:cond evt="onBegin" delay="0">
+                          <p:tn val="2"/>
+                        </p:cond>
+                      </p:stCondLst>
+                      <p:childTnLst>
+                        <p:par>
+                          <p:cTn id="4" fill="hold">
+                            <p:stCondLst>
+                              <p:cond delay="0"/>
+                            </p:stCondLst>
+                            <p:childTnLst>
+                              <p:par>
+                                <p:cTn id="5" presetID="10" presetClass="entr" presetSubtype="0" fill="hold" nodeType="withEffect">
+                                  <p:stCondLst>
+                                    <p:cond delay="0"/>
+                                  </p:stCondLst>
+                                  <p:childTnLst>
+                                    <p:set>
+                                      <p:cBhvr>
+                                        <p:cTn id="6" dur="1" fill="hold">
+                                          <p:stCondLst>
+                                            <p:cond delay="0"/>
+                                          </p:stCondLst>
+                                        </p:cTn>
+                                        <p:tgtEl>
+                                          <p:spTgt spid="9"/>
+                                        </p:tgtEl>
+                                        <p:attrNameLst>
+                                          <p:attrName>style.visibility</p:attrName>
+                                        </p:attrNameLst>
+                                      </p:cBhvr>
+                                      <p:to>
+                                        <p:strVal val="visible"/>
+                                      </p:to>
+                                    </p:set>
+                                    <p:animEffect transition="in" filter="fade">
+                                      <p:cBhvr>
+                                        <p:cTn id="7" dur="2000"/>
+                                        <p:tgtEl>
+                                          <p:spTgt spid="9"/>
+                                        </p:tgtEl>
+                                      </p:cBhvr>
+                                    </p:animEffect>
+                                  </p:childTnLst>
+                                </p:cTn>
+                              </p:par>
+                            </p:childTnLst>
+                          </p:cTn>
+                        </p:par>
+                      </p:childTnLst>
+                    </p:cTn>
+                  </p:par>
+                </p:childTnLst>
+              </p:cTn>
+              <p:prevCondLst>
+                <p:cond evt="onPrev" delay="0">
+                  <p:tgtEl>
+                    <p:sldTgt/>
+                  </p:tgtEl>
+                </p:cond>
+              </p:prevCondLst>
+              <p:nextCondLst>
+                <p:cond evt="onNext" delay="0">
+                  <p:tgtEl>
+                    <p:sldTgt/>
+                  </p:tgtEl>
+                </p:cond>
+              </p:nextCondLst>
+            </p:seq>
+          </p:childTnLst>
+        </p:cTn>
       </p:par>
     </p:tnLst>
   </p:timing>
@@ -5241,6 +10638,36 @@
           </a:p>
         </p:txBody>
       </p:sp>
+      <p:pic>
+        <p:nvPicPr>
+          <p:cNvPr id="5" name="图片 4"/>
+          <p:cNvPicPr>
+            <a:picLocks noChangeAspect="1"/>
+          </p:cNvPicPr>
+          <p:nvPr/>
+        </p:nvPicPr>
+        <p:blipFill>
+          <a:blip r:embed="rId3">
+            <a:extLst>
+              <a:ext uri="{28A0092B-C50C-407E-A947-70E740481C1C}">
+                <a14:useLocalDpi xmlns:a14="http://schemas.microsoft.com/office/drawing/2010/main" val="0"/>
+              </a:ext>
+            </a:extLst>
+          </a:blip>
+          <a:stretch>
+            <a:fillRect/>
+          </a:stretch>
+        </p:blipFill>
+        <p:spPr>
+          <a:xfrm>
+            <a:off x="1549400" y="927254"/>
+            <a:ext cx="9093200" cy="5930746"/>
+          </a:xfrm>
+          <a:prstGeom prst="rect">
+            <a:avLst/>
+          </a:prstGeom>
+        </p:spPr>
+      </p:pic>
     </p:spTree>
     <p:extLst>
       <p:ext uri="{BB962C8B-B14F-4D97-AF65-F5344CB8AC3E}">
@@ -5333,7 +10760,7 @@
         </p:nvCxnSpPr>
         <p:spPr>
           <a:xfrm rot="5400000">
-            <a:off x="136484" y="507177"/>
+            <a:off x="628853" y="507178"/>
             <a:ext cx="658908" cy="1"/>
           </a:xfrm>
           <a:prstGeom prst="line">
@@ -5368,7 +10795,7 @@
         </p:nvSpPr>
         <p:spPr>
           <a:xfrm>
-            <a:off x="537202" y="311083"/>
+            <a:off x="1029571" y="311084"/>
             <a:ext cx="9210505" cy="423949"/>
           </a:xfrm>
           <a:prstGeom prst="rect">
@@ -5400,11 +10827,11 @@
           <a:lstStyle/>
           <a:p>
             <a:r>
-              <a:rPr lang="zh-CN" altLang="en-US" sz="3600" b="1" smtClean="0">
-                <a:latin typeface="微软雅黑" pitchFamily="34" charset="-122"/>
-                <a:ea typeface="微软雅黑" pitchFamily="34" charset="-122"/>
-              </a:rPr>
-              <a:t>统一管理方案</a:t>
+              <a:rPr lang="zh-CN" altLang="en-US" sz="3600" b="1" dirty="0" smtClean="0">
+                <a:latin typeface="微软雅黑" pitchFamily="34" charset="-122"/>
+                <a:ea typeface="微软雅黑" pitchFamily="34" charset="-122"/>
+              </a:rPr>
+              <a:t>资源入库</a:t>
             </a:r>
             <a:endParaRPr lang="zh-CN" altLang="en-US" sz="3600" b="1" dirty="0">
               <a:latin typeface="微软雅黑" pitchFamily="34" charset="-122"/>
@@ -5413,51 +10840,2139 @@
           </a:p>
         </p:txBody>
       </p:sp>
-      <p:pic>
-        <p:nvPicPr>
-          <p:cNvPr id="2049" name="Picture 1" descr="C:\Users\Public\Documents\im\830917@nd\Image\8ecd44de8b302c6b483a1c5d60f66868.jpg"/>
-          <p:cNvPicPr>
-            <a:picLocks noChangeAspect="1" noChangeArrowheads="1"/>
-          </p:cNvPicPr>
+      <p:sp>
+        <p:nvSpPr>
+          <p:cNvPr id="6" name="矩形 5"/>
+          <p:cNvSpPr/>
           <p:nvPr/>
-        </p:nvPicPr>
-        <p:blipFill>
-          <a:blip r:embed="rId2">
-            <a:extLst>
-              <a:ext uri="{28A0092B-C50C-407E-A947-70E740481C1C}">
-                <a14:useLocalDpi xmlns:a14="http://schemas.microsoft.com/office/drawing/2010/main" val="0"/>
-              </a:ext>
-            </a:extLst>
-          </a:blip>
-          <a:srcRect/>
-          <a:stretch>
-            <a:fillRect/>
-          </a:stretch>
-        </p:blipFill>
-        <p:spPr bwMode="auto">
+        </p:nvSpPr>
+        <p:spPr>
           <a:xfrm>
-            <a:off x="1774824" y="937846"/>
-            <a:ext cx="8642351" cy="5920154"/>
+            <a:off x="794931" y="1616752"/>
+            <a:ext cx="10124942" cy="4247317"/>
+          </a:xfrm>
+          <a:prstGeom prst="rect">
+            <a:avLst/>
+          </a:prstGeom>
+        </p:spPr>
+        <p:txBody>
+          <a:bodyPr wrap="square">
+            <a:spAutoFit/>
+          </a:bodyPr>
+          <a:lstStyle/>
+          <a:p>
+            <a:pPr marL="514350" indent="-514350">
+              <a:lnSpc>
+                <a:spcPct val="150000"/>
+              </a:lnSpc>
+              <a:buFont typeface="Wingdings" pitchFamily="2" charset="2"/>
+              <a:buChar char="l"/>
+            </a:pPr>
+            <a:r>
+              <a:rPr lang="zh-CN" altLang="en-US" sz="2000" dirty="0" smtClean="0">
+                <a:solidFill>
+                  <a:schemeClr val="bg1"/>
+                </a:solidFill>
+                <a:latin typeface="微软雅黑" pitchFamily="34" charset="-122"/>
+                <a:ea typeface="微软雅黑" pitchFamily="34" charset="-122"/>
+              </a:rPr>
+              <a:t>提供基于</a:t>
+            </a:r>
+            <a:r>
+              <a:rPr lang="en-US" altLang="zh-CN" sz="2000" dirty="0" smtClean="0">
+                <a:solidFill>
+                  <a:schemeClr val="bg1"/>
+                </a:solidFill>
+                <a:latin typeface="微软雅黑" pitchFamily="34" charset="-122"/>
+                <a:ea typeface="微软雅黑" pitchFamily="34" charset="-122"/>
+              </a:rPr>
+              <a:t>API</a:t>
+            </a:r>
+            <a:r>
+              <a:rPr lang="zh-CN" altLang="en-US" sz="2000" dirty="0" smtClean="0">
+                <a:solidFill>
+                  <a:schemeClr val="bg1"/>
+                </a:solidFill>
+                <a:latin typeface="微软雅黑" pitchFamily="34" charset="-122"/>
+                <a:ea typeface="微软雅黑" pitchFamily="34" charset="-122"/>
+              </a:rPr>
+              <a:t>的资源入库</a:t>
+            </a:r>
+            <a:r>
+              <a:rPr lang="zh-CN" altLang="en-US" sz="2000" dirty="0" smtClean="0">
+                <a:solidFill>
+                  <a:schemeClr val="bg1"/>
+                </a:solidFill>
+                <a:latin typeface="微软雅黑" pitchFamily="34" charset="-122"/>
+                <a:ea typeface="微软雅黑" pitchFamily="34" charset="-122"/>
+              </a:rPr>
+              <a:t>。</a:t>
+            </a:r>
+          </a:p>
+          <a:p>
+            <a:pPr marL="514350" indent="-514350">
+              <a:lnSpc>
+                <a:spcPct val="150000"/>
+              </a:lnSpc>
+              <a:buFont typeface="Wingdings" pitchFamily="2" charset="2"/>
+              <a:buChar char="l"/>
+            </a:pPr>
+            <a:r>
+              <a:rPr lang="zh-CN" altLang="en-US" sz="2000" dirty="0" smtClean="0">
+                <a:solidFill>
+                  <a:schemeClr val="bg1"/>
+                </a:solidFill>
+                <a:latin typeface="微软雅黑" pitchFamily="34" charset="-122"/>
+                <a:ea typeface="微软雅黑" pitchFamily="34" charset="-122"/>
+              </a:rPr>
+              <a:t>提供</a:t>
+            </a:r>
+            <a:r>
+              <a:rPr lang="en-US" altLang="zh-CN" sz="2000" dirty="0" err="1" smtClean="0">
+                <a:solidFill>
+                  <a:schemeClr val="bg1"/>
+                </a:solidFill>
+                <a:latin typeface="微软雅黑" pitchFamily="34" charset="-122"/>
+                <a:ea typeface="微软雅黑" pitchFamily="34" charset="-122"/>
+              </a:rPr>
+              <a:t>webUI</a:t>
+            </a:r>
+            <a:r>
+              <a:rPr lang="zh-CN" altLang="en-US" sz="2000" dirty="0" smtClean="0">
+                <a:solidFill>
+                  <a:schemeClr val="bg1"/>
+                </a:solidFill>
+                <a:latin typeface="微软雅黑" pitchFamily="34" charset="-122"/>
+                <a:ea typeface="微软雅黑" pitchFamily="34" charset="-122"/>
+              </a:rPr>
+              <a:t>交互，资源入库。</a:t>
+            </a:r>
+          </a:p>
+          <a:p>
+            <a:pPr marL="514350" indent="-514350">
+              <a:lnSpc>
+                <a:spcPct val="150000"/>
+              </a:lnSpc>
+              <a:buFont typeface="Wingdings" pitchFamily="2" charset="2"/>
+              <a:buChar char="l"/>
+            </a:pPr>
+            <a:r>
+              <a:rPr lang="zh-CN" altLang="en-US" sz="2000" dirty="0" smtClean="0">
+                <a:solidFill>
+                  <a:schemeClr val="bg1"/>
+                </a:solidFill>
+                <a:latin typeface="微软雅黑" pitchFamily="34" charset="-122"/>
+                <a:ea typeface="微软雅黑" pitchFamily="34" charset="-122"/>
+              </a:rPr>
+              <a:t>提供资源编目工具，支持资源入库。</a:t>
+            </a:r>
+          </a:p>
+          <a:p>
+            <a:pPr marL="514350" indent="-514350">
+              <a:lnSpc>
+                <a:spcPct val="150000"/>
+              </a:lnSpc>
+              <a:buFont typeface="Wingdings" pitchFamily="2" charset="2"/>
+              <a:buChar char="l"/>
+            </a:pPr>
+            <a:r>
+              <a:rPr lang="zh-CN" altLang="en-US" sz="2000" dirty="0" smtClean="0">
+                <a:solidFill>
+                  <a:schemeClr val="bg1"/>
+                </a:solidFill>
+                <a:latin typeface="微软雅黑" pitchFamily="34" charset="-122"/>
+                <a:ea typeface="微软雅黑" pitchFamily="34" charset="-122"/>
+              </a:rPr>
+              <a:t>提供资源元数据的编辑以及验证。</a:t>
+            </a:r>
+          </a:p>
+          <a:p>
+            <a:pPr marL="514350" indent="-514350">
+              <a:lnSpc>
+                <a:spcPct val="150000"/>
+              </a:lnSpc>
+              <a:buFont typeface="Wingdings" pitchFamily="2" charset="2"/>
+              <a:buChar char="l"/>
+            </a:pPr>
+            <a:r>
+              <a:rPr lang="zh-CN" altLang="en-US" sz="2000" dirty="0" smtClean="0">
+                <a:solidFill>
+                  <a:schemeClr val="bg1"/>
+                </a:solidFill>
+                <a:latin typeface="微软雅黑" pitchFamily="34" charset="-122"/>
+                <a:ea typeface="微软雅黑" pitchFamily="34" charset="-122"/>
+              </a:rPr>
+              <a:t>支持资源标签标注。</a:t>
+            </a:r>
+          </a:p>
+          <a:p>
+            <a:pPr marL="514350" indent="-514350">
+              <a:lnSpc>
+                <a:spcPct val="150000"/>
+              </a:lnSpc>
+              <a:buFont typeface="Wingdings" pitchFamily="2" charset="2"/>
+              <a:buChar char="l"/>
+            </a:pPr>
+            <a:r>
+              <a:rPr lang="zh-CN" altLang="en-US" sz="2000" dirty="0" smtClean="0">
+                <a:solidFill>
+                  <a:schemeClr val="bg1"/>
+                </a:solidFill>
+                <a:latin typeface="微软雅黑" pitchFamily="34" charset="-122"/>
+                <a:ea typeface="微软雅黑" pitchFamily="34" charset="-122"/>
+              </a:rPr>
+              <a:t>支持资源关系的建立。</a:t>
+            </a:r>
+          </a:p>
+          <a:p>
+            <a:pPr marL="514350" indent="-514350">
+              <a:lnSpc>
+                <a:spcPct val="150000"/>
+              </a:lnSpc>
+              <a:buFont typeface="Wingdings" pitchFamily="2" charset="2"/>
+              <a:buChar char="l"/>
+            </a:pPr>
+            <a:r>
+              <a:rPr lang="zh-CN" altLang="en-US" sz="2000" dirty="0" smtClean="0">
+                <a:solidFill>
+                  <a:schemeClr val="bg1"/>
+                </a:solidFill>
+                <a:latin typeface="微软雅黑" pitchFamily="34" charset="-122"/>
+                <a:ea typeface="微软雅黑" pitchFamily="34" charset="-122"/>
+              </a:rPr>
+              <a:t>支持资源批量入库。</a:t>
+            </a:r>
+          </a:p>
+          <a:p>
+            <a:pPr marL="514350" indent="-514350">
+              <a:lnSpc>
+                <a:spcPct val="150000"/>
+              </a:lnSpc>
+              <a:buFont typeface="Wingdings" pitchFamily="2" charset="2"/>
+              <a:buChar char="l"/>
+            </a:pPr>
+            <a:r>
+              <a:rPr lang="zh-CN" altLang="en-US" sz="2000" dirty="0" smtClean="0">
+                <a:solidFill>
+                  <a:schemeClr val="bg1"/>
+                </a:solidFill>
+                <a:latin typeface="微软雅黑" pitchFamily="34" charset="-122"/>
+                <a:ea typeface="微软雅黑" pitchFamily="34" charset="-122"/>
+              </a:rPr>
+              <a:t>支持资源加密压缩入库。</a:t>
+            </a:r>
+          </a:p>
+          <a:p>
+            <a:pPr marL="514350" indent="-514350">
+              <a:lnSpc>
+                <a:spcPct val="150000"/>
+              </a:lnSpc>
+              <a:buFont typeface="Wingdings" pitchFamily="2" charset="2"/>
+              <a:buChar char="l"/>
+            </a:pPr>
+            <a:r>
+              <a:rPr lang="zh-CN" altLang="en-US" sz="2000" dirty="0" smtClean="0">
+                <a:solidFill>
+                  <a:srgbClr val="FF0000"/>
+                </a:solidFill>
+                <a:latin typeface="微软雅黑" pitchFamily="34" charset="-122"/>
+                <a:ea typeface="微软雅黑" pitchFamily="34" charset="-122"/>
+              </a:rPr>
+              <a:t>待支持资源分布式上传同步。</a:t>
+            </a:r>
+            <a:endParaRPr lang="en-US" altLang="zh-CN" sz="2000" dirty="0" smtClean="0">
+              <a:solidFill>
+                <a:srgbClr val="FF0000"/>
+              </a:solidFill>
+              <a:latin typeface="微软雅黑" pitchFamily="34" charset="-122"/>
+              <a:ea typeface="微软雅黑" pitchFamily="34" charset="-122"/>
+            </a:endParaRPr>
+          </a:p>
+        </p:txBody>
+      </p:sp>
+    </p:spTree>
+    <p:extLst>
+      <p:ext uri="{BB962C8B-B14F-4D97-AF65-F5344CB8AC3E}">
+        <p14:creationId xmlns:p14="http://schemas.microsoft.com/office/powerpoint/2010/main" val="1656478042"/>
+      </p:ext>
+    </p:extLst>
+  </p:cSld>
+  <p:clrMapOvr>
+    <a:masterClrMapping/>
+  </p:clrMapOvr>
+  <p:timing>
+    <p:tnLst>
+      <p:par>
+        <p:cTn id="1" dur="indefinite" restart="never" nodeType="tmRoot"/>
+      </p:par>
+    </p:tnLst>
+  </p:timing>
+</p:sld>
+</file>
+
+<file path=ppt/slides/slide5.xml><?xml version="1.0" encoding="utf-8"?>
+<p:sld xmlns:a="http://schemas.openxmlformats.org/drawingml/2006/main" xmlns:r="http://schemas.openxmlformats.org/officeDocument/2006/relationships" xmlns:p="http://schemas.openxmlformats.org/presentationml/2006/main">
+  <p:cSld>
+    <p:spTree>
+      <p:nvGrpSpPr>
+        <p:cNvPr id="1" name=""/>
+        <p:cNvGrpSpPr/>
+        <p:nvPr/>
+      </p:nvGrpSpPr>
+      <p:grpSpPr>
+        <a:xfrm>
+          <a:off x="0" y="0"/>
+          <a:ext cx="0" cy="0"/>
+          <a:chOff x="0" y="0"/>
+          <a:chExt cx="0" cy="0"/>
+        </a:xfrm>
+      </p:grpSpPr>
+      <p:sp>
+        <p:nvSpPr>
+          <p:cNvPr id="2" name="页脚占位符 1"/>
+          <p:cNvSpPr>
+            <a:spLocks noGrp="1"/>
+          </p:cNvSpPr>
+          <p:nvPr>
+            <p:ph type="ftr" sz="quarter" idx="11"/>
+          </p:nvPr>
+        </p:nvSpPr>
+        <p:spPr/>
+        <p:txBody>
+          <a:bodyPr/>
+          <a:lstStyle/>
+          <a:p>
+            <a:r>
+              <a:rPr lang="en-US" altLang="zh-CN" smtClean="0"/>
+              <a:t>ND Engineering Institute Confidential</a:t>
+            </a:r>
+            <a:endParaRPr lang="zh-CN" altLang="en-US" dirty="0"/>
+          </a:p>
+        </p:txBody>
+      </p:sp>
+      <p:sp>
+        <p:nvSpPr>
+          <p:cNvPr id="3" name="灯片编号占位符 2"/>
+          <p:cNvSpPr>
+            <a:spLocks noGrp="1"/>
+          </p:cNvSpPr>
+          <p:nvPr>
+            <p:ph type="sldNum" sz="quarter" idx="12"/>
+          </p:nvPr>
+        </p:nvSpPr>
+        <p:spPr/>
+        <p:txBody>
+          <a:bodyPr/>
+          <a:lstStyle/>
+          <a:p>
+            <a:fld id="{E2531F13-3D55-48F5-9D66-4D113F3EC470}" type="slidenum">
+              <a:rPr lang="zh-CN" altLang="en-US" smtClean="0"/>
+              <a:pPr/>
+              <a:t>5</a:t>
+            </a:fld>
+            <a:endParaRPr lang="zh-CN" altLang="en-US" dirty="0"/>
+          </a:p>
+        </p:txBody>
+      </p:sp>
+      <p:cxnSp>
+        <p:nvCxnSpPr>
+          <p:cNvPr id="32" name="直接连接符 31"/>
+          <p:cNvCxnSpPr/>
+          <p:nvPr/>
+        </p:nvCxnSpPr>
+        <p:spPr>
+          <a:xfrm rot="5400000">
+            <a:off x="628853" y="507178"/>
+            <a:ext cx="658908" cy="1"/>
+          </a:xfrm>
+          <a:prstGeom prst="line">
+            <a:avLst/>
+          </a:prstGeom>
+          <a:ln w="76200">
+            <a:solidFill>
+              <a:srgbClr val="FF0000"/>
+            </a:solidFill>
+          </a:ln>
+        </p:spPr>
+        <p:style>
+          <a:lnRef idx="1">
+            <a:schemeClr val="accent1"/>
+          </a:lnRef>
+          <a:fillRef idx="0">
+            <a:schemeClr val="accent1"/>
+          </a:fillRef>
+          <a:effectRef idx="0">
+            <a:schemeClr val="accent1"/>
+          </a:effectRef>
+          <a:fontRef idx="minor">
+            <a:schemeClr val="tx1"/>
+          </a:fontRef>
+        </p:style>
+      </p:cxnSp>
+      <p:sp>
+        <p:nvSpPr>
+          <p:cNvPr id="33" name="矩形 32"/>
+          <p:cNvSpPr/>
+          <p:nvPr/>
+        </p:nvSpPr>
+        <p:spPr>
+          <a:xfrm>
+            <a:off x="1029571" y="311084"/>
+            <a:ext cx="9210505" cy="423949"/>
           </a:xfrm>
           <a:prstGeom prst="rect">
             <a:avLst/>
           </a:prstGeom>
           <a:noFill/>
-          <a:extLst>
-            <a:ext uri="{909E8E84-426E-40DD-AFC4-6F175D3DCCD1}">
-              <a14:hiddenFill xmlns:a14="http://schemas.microsoft.com/office/drawing/2010/main">
-                <a:solidFill>
-                  <a:srgbClr val="FFFFFF"/>
-                </a:solidFill>
-              </a14:hiddenFill>
-            </a:ext>
-          </a:extLst>
+          <a:ln>
+            <a:noFill/>
+          </a:ln>
         </p:spPr>
-      </p:pic>
+        <p:style>
+          <a:lnRef idx="2">
+            <a:schemeClr val="accent2">
+              <a:shade val="50000"/>
+            </a:schemeClr>
+          </a:lnRef>
+          <a:fillRef idx="1">
+            <a:schemeClr val="accent2"/>
+          </a:fillRef>
+          <a:effectRef idx="0">
+            <a:schemeClr val="accent2"/>
+          </a:effectRef>
+          <a:fontRef idx="minor">
+            <a:schemeClr val="lt1"/>
+          </a:fontRef>
+        </p:style>
+        <p:txBody>
+          <a:bodyPr rtlCol="0" anchor="ctr"/>
+          <a:lstStyle/>
+          <a:p>
+            <a:r>
+              <a:rPr lang="zh-CN" altLang="en-US" sz="3600" b="1" dirty="0" smtClean="0">
+                <a:latin typeface="微软雅黑" pitchFamily="34" charset="-122"/>
+                <a:ea typeface="微软雅黑" pitchFamily="34" charset="-122"/>
+              </a:rPr>
+              <a:t>资源公私有库</a:t>
+            </a:r>
+            <a:endParaRPr lang="zh-CN" altLang="en-US" sz="3600" b="1" dirty="0">
+              <a:latin typeface="微软雅黑" pitchFamily="34" charset="-122"/>
+              <a:ea typeface="微软雅黑" pitchFamily="34" charset="-122"/>
+            </a:endParaRPr>
+          </a:p>
+        </p:txBody>
+      </p:sp>
+      <p:sp>
+        <p:nvSpPr>
+          <p:cNvPr id="6" name="矩形 5"/>
+          <p:cNvSpPr/>
+          <p:nvPr/>
+        </p:nvSpPr>
+        <p:spPr>
+          <a:xfrm>
+            <a:off x="794931" y="1616752"/>
+            <a:ext cx="10124942" cy="3785652"/>
+          </a:xfrm>
+          <a:prstGeom prst="rect">
+            <a:avLst/>
+          </a:prstGeom>
+        </p:spPr>
+        <p:txBody>
+          <a:bodyPr wrap="square">
+            <a:spAutoFit/>
+          </a:bodyPr>
+          <a:lstStyle/>
+          <a:p>
+            <a:pPr marL="514350" indent="-514350">
+              <a:lnSpc>
+                <a:spcPct val="150000"/>
+              </a:lnSpc>
+              <a:buFont typeface="Wingdings" pitchFamily="2" charset="2"/>
+              <a:buChar char="l"/>
+            </a:pPr>
+            <a:r>
+              <a:rPr lang="zh-CN" altLang="en-US" sz="2000" dirty="0" smtClean="0">
+                <a:solidFill>
+                  <a:schemeClr val="bg1"/>
+                </a:solidFill>
+                <a:latin typeface="微软雅黑" pitchFamily="34" charset="-122"/>
+                <a:ea typeface="微软雅黑" pitchFamily="34" charset="-122"/>
+              </a:rPr>
+              <a:t>支持公私有库的创建和管理</a:t>
+            </a:r>
+            <a:r>
+              <a:rPr lang="zh-CN" altLang="en-US" sz="2000" dirty="0" smtClean="0">
+                <a:solidFill>
+                  <a:schemeClr val="bg1"/>
+                </a:solidFill>
+                <a:latin typeface="微软雅黑" pitchFamily="34" charset="-122"/>
+                <a:ea typeface="微软雅黑" pitchFamily="34" charset="-122"/>
+              </a:rPr>
+              <a:t>。</a:t>
+            </a:r>
+          </a:p>
+          <a:p>
+            <a:pPr marL="514350" indent="-514350">
+              <a:lnSpc>
+                <a:spcPct val="150000"/>
+              </a:lnSpc>
+              <a:buFont typeface="Wingdings" pitchFamily="2" charset="2"/>
+              <a:buChar char="l"/>
+            </a:pPr>
+            <a:r>
+              <a:rPr lang="zh-CN" altLang="en-US" sz="2000" dirty="0" smtClean="0">
+                <a:solidFill>
+                  <a:schemeClr val="bg1"/>
+                </a:solidFill>
+                <a:latin typeface="微软雅黑" pitchFamily="34" charset="-122"/>
+                <a:ea typeface="微软雅黑" pitchFamily="34" charset="-122"/>
+              </a:rPr>
+              <a:t>支持公有库资源管理。</a:t>
+            </a:r>
+          </a:p>
+          <a:p>
+            <a:pPr marL="514350" indent="-514350">
+              <a:lnSpc>
+                <a:spcPct val="150000"/>
+              </a:lnSpc>
+              <a:buFont typeface="Wingdings" pitchFamily="2" charset="2"/>
+              <a:buChar char="l"/>
+            </a:pPr>
+            <a:r>
+              <a:rPr lang="zh-CN" altLang="en-US" sz="2000" dirty="0" smtClean="0">
+                <a:solidFill>
+                  <a:schemeClr val="bg1"/>
+                </a:solidFill>
+                <a:latin typeface="微软雅黑" pitchFamily="34" charset="-122"/>
+                <a:ea typeface="微软雅黑" pitchFamily="34" charset="-122"/>
+              </a:rPr>
+              <a:t>支持跨库资源分享。</a:t>
+            </a:r>
+          </a:p>
+          <a:p>
+            <a:pPr marL="514350" indent="-514350">
+              <a:lnSpc>
+                <a:spcPct val="150000"/>
+              </a:lnSpc>
+              <a:buFont typeface="Wingdings" pitchFamily="2" charset="2"/>
+              <a:buChar char="l"/>
+            </a:pPr>
+            <a:r>
+              <a:rPr lang="zh-CN" altLang="en-US" sz="2000" dirty="0" smtClean="0">
+                <a:solidFill>
+                  <a:schemeClr val="bg1"/>
+                </a:solidFill>
+                <a:latin typeface="微软雅黑" pitchFamily="34" charset="-122"/>
+                <a:ea typeface="微软雅黑" pitchFamily="34" charset="-122"/>
+              </a:rPr>
+              <a:t>支持私有库的数据隔离。</a:t>
+            </a:r>
+          </a:p>
+          <a:p>
+            <a:pPr marL="514350" indent="-514350">
+              <a:lnSpc>
+                <a:spcPct val="150000"/>
+              </a:lnSpc>
+              <a:buFont typeface="Wingdings" pitchFamily="2" charset="2"/>
+              <a:buChar char="l"/>
+            </a:pPr>
+            <a:r>
+              <a:rPr lang="zh-CN" altLang="en-US" sz="2000" dirty="0" smtClean="0">
+                <a:solidFill>
+                  <a:schemeClr val="bg1"/>
+                </a:solidFill>
+                <a:latin typeface="微软雅黑" pitchFamily="34" charset="-122"/>
+                <a:ea typeface="微软雅黑" pitchFamily="34" charset="-122"/>
+              </a:rPr>
+              <a:t>支持私有库的权限管理。</a:t>
+            </a:r>
+          </a:p>
+          <a:p>
+            <a:pPr marL="514350" indent="-514350">
+              <a:lnSpc>
+                <a:spcPct val="150000"/>
+              </a:lnSpc>
+              <a:buFont typeface="Wingdings" pitchFamily="2" charset="2"/>
+              <a:buChar char="l"/>
+            </a:pPr>
+            <a:r>
+              <a:rPr lang="zh-CN" altLang="en-US" sz="2000" dirty="0" smtClean="0">
+                <a:solidFill>
+                  <a:schemeClr val="bg1"/>
+                </a:solidFill>
+                <a:latin typeface="微软雅黑" pitchFamily="34" charset="-122"/>
+                <a:ea typeface="微软雅黑" pitchFamily="34" charset="-122"/>
+              </a:rPr>
+              <a:t>支持个人库的资源管理。</a:t>
+            </a:r>
+          </a:p>
+          <a:p>
+            <a:pPr marL="514350" indent="-514350">
+              <a:lnSpc>
+                <a:spcPct val="150000"/>
+              </a:lnSpc>
+              <a:buFont typeface="Wingdings" pitchFamily="2" charset="2"/>
+              <a:buChar char="l"/>
+            </a:pPr>
+            <a:r>
+              <a:rPr lang="zh-CN" altLang="en-US" sz="2000" dirty="0" smtClean="0">
+                <a:solidFill>
+                  <a:schemeClr val="bg1"/>
+                </a:solidFill>
+                <a:latin typeface="微软雅黑" pitchFamily="34" charset="-122"/>
+                <a:ea typeface="微软雅黑" pitchFamily="34" charset="-122"/>
+              </a:rPr>
+              <a:t>支持公私有库的分享策略管理。</a:t>
+            </a:r>
+          </a:p>
+          <a:p>
+            <a:pPr marL="514350" indent="-514350">
+              <a:lnSpc>
+                <a:spcPct val="150000"/>
+              </a:lnSpc>
+              <a:buFont typeface="Wingdings" pitchFamily="2" charset="2"/>
+              <a:buChar char="l"/>
+            </a:pPr>
+            <a:r>
+              <a:rPr lang="zh-CN" altLang="en-US" sz="2000" dirty="0" smtClean="0">
+                <a:solidFill>
+                  <a:srgbClr val="FF0000"/>
+                </a:solidFill>
+                <a:latin typeface="微软雅黑" pitchFamily="34" charset="-122"/>
+                <a:ea typeface="微软雅黑" pitchFamily="34" charset="-122"/>
+              </a:rPr>
+              <a:t>待支持分布式公私有库管理。</a:t>
+            </a:r>
+            <a:endParaRPr lang="en-US" altLang="zh-CN" sz="2000" dirty="0" smtClean="0">
+              <a:solidFill>
+                <a:srgbClr val="FF0000"/>
+              </a:solidFill>
+              <a:latin typeface="微软雅黑" pitchFamily="34" charset="-122"/>
+              <a:ea typeface="微软雅黑" pitchFamily="34" charset="-122"/>
+            </a:endParaRPr>
+          </a:p>
+        </p:txBody>
+      </p:sp>
     </p:spTree>
     <p:extLst>
       <p:ext uri="{BB962C8B-B14F-4D97-AF65-F5344CB8AC3E}">
-        <p14:creationId xmlns:p14="http://schemas.microsoft.com/office/powerpoint/2010/main" val="2757428334"/>
+        <p14:creationId xmlns:p14="http://schemas.microsoft.com/office/powerpoint/2010/main" val="2084420925"/>
+      </p:ext>
+    </p:extLst>
+  </p:cSld>
+  <p:clrMapOvr>
+    <a:masterClrMapping/>
+  </p:clrMapOvr>
+  <p:timing>
+    <p:tnLst>
+      <p:par>
+        <p:cTn id="1" dur="indefinite" restart="never" nodeType="tmRoot"/>
+      </p:par>
+    </p:tnLst>
+  </p:timing>
+</p:sld>
+</file>
+
+<file path=ppt/slides/slide6.xml><?xml version="1.0" encoding="utf-8"?>
+<p:sld xmlns:a="http://schemas.openxmlformats.org/drawingml/2006/main" xmlns:r="http://schemas.openxmlformats.org/officeDocument/2006/relationships" xmlns:p="http://schemas.openxmlformats.org/presentationml/2006/main">
+  <p:cSld>
+    <p:spTree>
+      <p:nvGrpSpPr>
+        <p:cNvPr id="1" name=""/>
+        <p:cNvGrpSpPr/>
+        <p:nvPr/>
+      </p:nvGrpSpPr>
+      <p:grpSpPr>
+        <a:xfrm>
+          <a:off x="0" y="0"/>
+          <a:ext cx="0" cy="0"/>
+          <a:chOff x="0" y="0"/>
+          <a:chExt cx="0" cy="0"/>
+        </a:xfrm>
+      </p:grpSpPr>
+      <p:sp>
+        <p:nvSpPr>
+          <p:cNvPr id="2" name="页脚占位符 1"/>
+          <p:cNvSpPr>
+            <a:spLocks noGrp="1"/>
+          </p:cNvSpPr>
+          <p:nvPr>
+            <p:ph type="ftr" sz="quarter" idx="11"/>
+          </p:nvPr>
+        </p:nvSpPr>
+        <p:spPr/>
+        <p:txBody>
+          <a:bodyPr/>
+          <a:lstStyle/>
+          <a:p>
+            <a:r>
+              <a:rPr lang="en-US" altLang="zh-CN" smtClean="0"/>
+              <a:t>ND Engineering Institute Confidential</a:t>
+            </a:r>
+            <a:endParaRPr lang="zh-CN" altLang="en-US" dirty="0"/>
+          </a:p>
+        </p:txBody>
+      </p:sp>
+      <p:sp>
+        <p:nvSpPr>
+          <p:cNvPr id="3" name="灯片编号占位符 2"/>
+          <p:cNvSpPr>
+            <a:spLocks noGrp="1"/>
+          </p:cNvSpPr>
+          <p:nvPr>
+            <p:ph type="sldNum" sz="quarter" idx="12"/>
+          </p:nvPr>
+        </p:nvSpPr>
+        <p:spPr/>
+        <p:txBody>
+          <a:bodyPr/>
+          <a:lstStyle/>
+          <a:p>
+            <a:fld id="{E2531F13-3D55-48F5-9D66-4D113F3EC470}" type="slidenum">
+              <a:rPr lang="zh-CN" altLang="en-US" smtClean="0"/>
+              <a:pPr/>
+              <a:t>6</a:t>
+            </a:fld>
+            <a:endParaRPr lang="zh-CN" altLang="en-US" dirty="0"/>
+          </a:p>
+        </p:txBody>
+      </p:sp>
+      <p:cxnSp>
+        <p:nvCxnSpPr>
+          <p:cNvPr id="32" name="直接连接符 31"/>
+          <p:cNvCxnSpPr/>
+          <p:nvPr/>
+        </p:nvCxnSpPr>
+        <p:spPr>
+          <a:xfrm rot="5400000">
+            <a:off x="628853" y="507178"/>
+            <a:ext cx="658908" cy="1"/>
+          </a:xfrm>
+          <a:prstGeom prst="line">
+            <a:avLst/>
+          </a:prstGeom>
+          <a:ln w="76200">
+            <a:solidFill>
+              <a:srgbClr val="FF0000"/>
+            </a:solidFill>
+          </a:ln>
+        </p:spPr>
+        <p:style>
+          <a:lnRef idx="1">
+            <a:schemeClr val="accent1"/>
+          </a:lnRef>
+          <a:fillRef idx="0">
+            <a:schemeClr val="accent1"/>
+          </a:fillRef>
+          <a:effectRef idx="0">
+            <a:schemeClr val="accent1"/>
+          </a:effectRef>
+          <a:fontRef idx="minor">
+            <a:schemeClr val="tx1"/>
+          </a:fontRef>
+        </p:style>
+      </p:cxnSp>
+      <p:sp>
+        <p:nvSpPr>
+          <p:cNvPr id="33" name="矩形 32"/>
+          <p:cNvSpPr/>
+          <p:nvPr/>
+        </p:nvSpPr>
+        <p:spPr>
+          <a:xfrm>
+            <a:off x="1029571" y="311084"/>
+            <a:ext cx="9210505" cy="423949"/>
+          </a:xfrm>
+          <a:prstGeom prst="rect">
+            <a:avLst/>
+          </a:prstGeom>
+          <a:noFill/>
+          <a:ln>
+            <a:noFill/>
+          </a:ln>
+        </p:spPr>
+        <p:style>
+          <a:lnRef idx="2">
+            <a:schemeClr val="accent2">
+              <a:shade val="50000"/>
+            </a:schemeClr>
+          </a:lnRef>
+          <a:fillRef idx="1">
+            <a:schemeClr val="accent2"/>
+          </a:fillRef>
+          <a:effectRef idx="0">
+            <a:schemeClr val="accent2"/>
+          </a:effectRef>
+          <a:fontRef idx="minor">
+            <a:schemeClr val="lt1"/>
+          </a:fontRef>
+        </p:style>
+        <p:txBody>
+          <a:bodyPr rtlCol="0" anchor="ctr"/>
+          <a:lstStyle/>
+          <a:p>
+            <a:r>
+              <a:rPr lang="zh-CN" altLang="en-US" sz="3600" b="1" dirty="0" smtClean="0">
+                <a:latin typeface="微软雅黑" pitchFamily="34" charset="-122"/>
+                <a:ea typeface="微软雅黑" pitchFamily="34" charset="-122"/>
+              </a:rPr>
+              <a:t>资源审核管理</a:t>
+            </a:r>
+            <a:endParaRPr lang="zh-CN" altLang="en-US" sz="3600" b="1" dirty="0">
+              <a:latin typeface="微软雅黑" pitchFamily="34" charset="-122"/>
+              <a:ea typeface="微软雅黑" pitchFamily="34" charset="-122"/>
+            </a:endParaRPr>
+          </a:p>
+        </p:txBody>
+      </p:sp>
+      <p:sp>
+        <p:nvSpPr>
+          <p:cNvPr id="6" name="矩形 5"/>
+          <p:cNvSpPr/>
+          <p:nvPr/>
+        </p:nvSpPr>
+        <p:spPr>
+          <a:xfrm>
+            <a:off x="794931" y="1616752"/>
+            <a:ext cx="10124942" cy="3323987"/>
+          </a:xfrm>
+          <a:prstGeom prst="rect">
+            <a:avLst/>
+          </a:prstGeom>
+        </p:spPr>
+        <p:txBody>
+          <a:bodyPr wrap="square">
+            <a:spAutoFit/>
+          </a:bodyPr>
+          <a:lstStyle/>
+          <a:p>
+            <a:pPr marL="514350" indent="-514350">
+              <a:lnSpc>
+                <a:spcPct val="150000"/>
+              </a:lnSpc>
+              <a:buFont typeface="Wingdings" pitchFamily="2" charset="2"/>
+              <a:buChar char="l"/>
+            </a:pPr>
+            <a:r>
+              <a:rPr lang="zh-CN" altLang="en-US" sz="2000" dirty="0" smtClean="0">
+                <a:solidFill>
+                  <a:schemeClr val="bg1"/>
+                </a:solidFill>
+                <a:latin typeface="微软雅黑" pitchFamily="34" charset="-122"/>
+                <a:ea typeface="微软雅黑" pitchFamily="34" charset="-122"/>
+              </a:rPr>
+              <a:t>支持资源创建，初始化，编辑，审核，转码，发布等状态的流程管理。</a:t>
+            </a:r>
+          </a:p>
+          <a:p>
+            <a:pPr marL="514350" indent="-514350">
+              <a:lnSpc>
+                <a:spcPct val="150000"/>
+              </a:lnSpc>
+              <a:buFont typeface="Wingdings" pitchFamily="2" charset="2"/>
+              <a:buChar char="l"/>
+            </a:pPr>
+            <a:r>
+              <a:rPr lang="zh-CN" altLang="en-US" sz="2000" dirty="0" smtClean="0">
+                <a:solidFill>
+                  <a:schemeClr val="bg1"/>
+                </a:solidFill>
+                <a:latin typeface="微软雅黑" pitchFamily="34" charset="-122"/>
+                <a:ea typeface="微软雅黑" pitchFamily="34" charset="-122"/>
+              </a:rPr>
+              <a:t>支持资源审核的管理以及审核追踪。</a:t>
+            </a:r>
+          </a:p>
+          <a:p>
+            <a:pPr marL="514350" indent="-514350">
+              <a:lnSpc>
+                <a:spcPct val="150000"/>
+              </a:lnSpc>
+              <a:buFont typeface="Wingdings" pitchFamily="2" charset="2"/>
+              <a:buChar char="l"/>
+            </a:pPr>
+            <a:r>
+              <a:rPr lang="zh-CN" altLang="en-US" sz="2000" dirty="0" smtClean="0">
+                <a:solidFill>
+                  <a:srgbClr val="FF0000"/>
+                </a:solidFill>
+                <a:latin typeface="微软雅黑" pitchFamily="34" charset="-122"/>
+                <a:ea typeface="微软雅黑" pitchFamily="34" charset="-122"/>
+              </a:rPr>
+              <a:t>待支持资源审核策略的管理。</a:t>
+            </a:r>
+          </a:p>
+          <a:p>
+            <a:pPr marL="514350" indent="-514350">
+              <a:lnSpc>
+                <a:spcPct val="150000"/>
+              </a:lnSpc>
+              <a:buFont typeface="Wingdings" pitchFamily="2" charset="2"/>
+              <a:buChar char="l"/>
+            </a:pPr>
+            <a:r>
+              <a:rPr lang="zh-CN" altLang="en-US" sz="2000" dirty="0" smtClean="0">
+                <a:solidFill>
+                  <a:srgbClr val="FF0000"/>
+                </a:solidFill>
+                <a:latin typeface="微软雅黑" pitchFamily="34" charset="-122"/>
+                <a:ea typeface="微软雅黑" pitchFamily="34" charset="-122"/>
+              </a:rPr>
+              <a:t>待支持资源审核分发。</a:t>
+            </a:r>
+          </a:p>
+          <a:p>
+            <a:pPr marL="514350" indent="-514350">
+              <a:lnSpc>
+                <a:spcPct val="150000"/>
+              </a:lnSpc>
+              <a:buFont typeface="Wingdings" pitchFamily="2" charset="2"/>
+              <a:buChar char="l"/>
+            </a:pPr>
+            <a:r>
+              <a:rPr lang="zh-CN" altLang="en-US" sz="2000" dirty="0" smtClean="0">
+                <a:solidFill>
+                  <a:srgbClr val="FF0000"/>
+                </a:solidFill>
+                <a:latin typeface="微软雅黑" pitchFamily="34" charset="-122"/>
+                <a:ea typeface="微软雅黑" pitchFamily="34" charset="-122"/>
+              </a:rPr>
+              <a:t>待支持资源审核通知管理。</a:t>
+            </a:r>
+          </a:p>
+          <a:p>
+            <a:pPr marL="514350" indent="-514350">
+              <a:lnSpc>
+                <a:spcPct val="150000"/>
+              </a:lnSpc>
+              <a:buFont typeface="Wingdings" pitchFamily="2" charset="2"/>
+              <a:buChar char="l"/>
+            </a:pPr>
+            <a:r>
+              <a:rPr lang="zh-CN" altLang="en-US" sz="2000" dirty="0" smtClean="0">
+                <a:solidFill>
+                  <a:srgbClr val="FF0000"/>
+                </a:solidFill>
+                <a:latin typeface="微软雅黑" pitchFamily="34" charset="-122"/>
+                <a:ea typeface="微软雅黑" pitchFamily="34" charset="-122"/>
+              </a:rPr>
+              <a:t>待支持资源审核处理绩效管理。</a:t>
+            </a:r>
+          </a:p>
+          <a:p>
+            <a:pPr marL="514350" indent="-514350">
+              <a:lnSpc>
+                <a:spcPct val="150000"/>
+              </a:lnSpc>
+              <a:buFont typeface="Wingdings" pitchFamily="2" charset="2"/>
+              <a:buChar char="l"/>
+            </a:pPr>
+            <a:r>
+              <a:rPr lang="zh-CN" altLang="en-US" sz="2000" dirty="0" smtClean="0">
+                <a:solidFill>
+                  <a:srgbClr val="FF0000"/>
+                </a:solidFill>
+                <a:latin typeface="微软雅黑" pitchFamily="34" charset="-122"/>
+                <a:ea typeface="微软雅黑" pitchFamily="34" charset="-122"/>
+              </a:rPr>
+              <a:t>待支持资源审核积分策略管理。</a:t>
+            </a:r>
+            <a:endParaRPr lang="en-US" altLang="zh-CN" sz="2000" dirty="0" smtClean="0">
+              <a:solidFill>
+                <a:srgbClr val="FF0000"/>
+              </a:solidFill>
+              <a:latin typeface="微软雅黑" pitchFamily="34" charset="-122"/>
+              <a:ea typeface="微软雅黑" pitchFamily="34" charset="-122"/>
+            </a:endParaRPr>
+          </a:p>
+        </p:txBody>
+      </p:sp>
+    </p:spTree>
+    <p:extLst>
+      <p:ext uri="{BB962C8B-B14F-4D97-AF65-F5344CB8AC3E}">
+        <p14:creationId xmlns:p14="http://schemas.microsoft.com/office/powerpoint/2010/main" val="356426808"/>
+      </p:ext>
+    </p:extLst>
+  </p:cSld>
+  <p:clrMapOvr>
+    <a:masterClrMapping/>
+  </p:clrMapOvr>
+  <p:timing>
+    <p:tnLst>
+      <p:par>
+        <p:cTn id="1" dur="indefinite" restart="never" nodeType="tmRoot"/>
+      </p:par>
+    </p:tnLst>
+  </p:timing>
+</p:sld>
+</file>
+
+<file path=ppt/slides/slide7.xml><?xml version="1.0" encoding="utf-8"?>
+<p:sld xmlns:a="http://schemas.openxmlformats.org/drawingml/2006/main" xmlns:r="http://schemas.openxmlformats.org/officeDocument/2006/relationships" xmlns:p="http://schemas.openxmlformats.org/presentationml/2006/main">
+  <p:cSld>
+    <p:spTree>
+      <p:nvGrpSpPr>
+        <p:cNvPr id="1" name=""/>
+        <p:cNvGrpSpPr/>
+        <p:nvPr/>
+      </p:nvGrpSpPr>
+      <p:grpSpPr>
+        <a:xfrm>
+          <a:off x="0" y="0"/>
+          <a:ext cx="0" cy="0"/>
+          <a:chOff x="0" y="0"/>
+          <a:chExt cx="0" cy="0"/>
+        </a:xfrm>
+      </p:grpSpPr>
+      <p:sp>
+        <p:nvSpPr>
+          <p:cNvPr id="2" name="页脚占位符 1"/>
+          <p:cNvSpPr>
+            <a:spLocks noGrp="1"/>
+          </p:cNvSpPr>
+          <p:nvPr>
+            <p:ph type="ftr" sz="quarter" idx="11"/>
+          </p:nvPr>
+        </p:nvSpPr>
+        <p:spPr/>
+        <p:txBody>
+          <a:bodyPr/>
+          <a:lstStyle/>
+          <a:p>
+            <a:r>
+              <a:rPr lang="en-US" altLang="zh-CN" smtClean="0"/>
+              <a:t>ND Engineering Institute Confidential</a:t>
+            </a:r>
+            <a:endParaRPr lang="zh-CN" altLang="en-US" dirty="0"/>
+          </a:p>
+        </p:txBody>
+      </p:sp>
+      <p:sp>
+        <p:nvSpPr>
+          <p:cNvPr id="3" name="灯片编号占位符 2"/>
+          <p:cNvSpPr>
+            <a:spLocks noGrp="1"/>
+          </p:cNvSpPr>
+          <p:nvPr>
+            <p:ph type="sldNum" sz="quarter" idx="12"/>
+          </p:nvPr>
+        </p:nvSpPr>
+        <p:spPr/>
+        <p:txBody>
+          <a:bodyPr/>
+          <a:lstStyle/>
+          <a:p>
+            <a:fld id="{E2531F13-3D55-48F5-9D66-4D113F3EC470}" type="slidenum">
+              <a:rPr lang="zh-CN" altLang="en-US" smtClean="0"/>
+              <a:pPr/>
+              <a:t>7</a:t>
+            </a:fld>
+            <a:endParaRPr lang="zh-CN" altLang="en-US" dirty="0"/>
+          </a:p>
+        </p:txBody>
+      </p:sp>
+      <p:cxnSp>
+        <p:nvCxnSpPr>
+          <p:cNvPr id="32" name="直接连接符 31"/>
+          <p:cNvCxnSpPr/>
+          <p:nvPr/>
+        </p:nvCxnSpPr>
+        <p:spPr>
+          <a:xfrm rot="5400000">
+            <a:off x="628853" y="507178"/>
+            <a:ext cx="658908" cy="1"/>
+          </a:xfrm>
+          <a:prstGeom prst="line">
+            <a:avLst/>
+          </a:prstGeom>
+          <a:ln w="76200">
+            <a:solidFill>
+              <a:srgbClr val="FF0000"/>
+            </a:solidFill>
+          </a:ln>
+        </p:spPr>
+        <p:style>
+          <a:lnRef idx="1">
+            <a:schemeClr val="accent1"/>
+          </a:lnRef>
+          <a:fillRef idx="0">
+            <a:schemeClr val="accent1"/>
+          </a:fillRef>
+          <a:effectRef idx="0">
+            <a:schemeClr val="accent1"/>
+          </a:effectRef>
+          <a:fontRef idx="minor">
+            <a:schemeClr val="tx1"/>
+          </a:fontRef>
+        </p:style>
+      </p:cxnSp>
+      <p:sp>
+        <p:nvSpPr>
+          <p:cNvPr id="33" name="矩形 32"/>
+          <p:cNvSpPr/>
+          <p:nvPr/>
+        </p:nvSpPr>
+        <p:spPr>
+          <a:xfrm>
+            <a:off x="1029571" y="311084"/>
+            <a:ext cx="9210505" cy="423949"/>
+          </a:xfrm>
+          <a:prstGeom prst="rect">
+            <a:avLst/>
+          </a:prstGeom>
+          <a:noFill/>
+          <a:ln>
+            <a:noFill/>
+          </a:ln>
+        </p:spPr>
+        <p:style>
+          <a:lnRef idx="2">
+            <a:schemeClr val="accent2">
+              <a:shade val="50000"/>
+            </a:schemeClr>
+          </a:lnRef>
+          <a:fillRef idx="1">
+            <a:schemeClr val="accent2"/>
+          </a:fillRef>
+          <a:effectRef idx="0">
+            <a:schemeClr val="accent2"/>
+          </a:effectRef>
+          <a:fontRef idx="minor">
+            <a:schemeClr val="lt1"/>
+          </a:fontRef>
+        </p:style>
+        <p:txBody>
+          <a:bodyPr rtlCol="0" anchor="ctr"/>
+          <a:lstStyle/>
+          <a:p>
+            <a:r>
+              <a:rPr lang="zh-CN" altLang="en-US" sz="3600" b="1" dirty="0" smtClean="0">
+                <a:latin typeface="微软雅黑" pitchFamily="34" charset="-122"/>
+                <a:ea typeface="微软雅黑" pitchFamily="34" charset="-122"/>
+              </a:rPr>
+              <a:t>资源关系管理</a:t>
+            </a:r>
+            <a:endParaRPr lang="zh-CN" altLang="en-US" sz="3600" b="1" dirty="0">
+              <a:latin typeface="微软雅黑" pitchFamily="34" charset="-122"/>
+              <a:ea typeface="微软雅黑" pitchFamily="34" charset="-122"/>
+            </a:endParaRPr>
+          </a:p>
+        </p:txBody>
+      </p:sp>
+      <p:sp>
+        <p:nvSpPr>
+          <p:cNvPr id="6" name="矩形 5"/>
+          <p:cNvSpPr/>
+          <p:nvPr/>
+        </p:nvSpPr>
+        <p:spPr>
+          <a:xfrm>
+            <a:off x="794931" y="1616752"/>
+            <a:ext cx="10124942" cy="3785652"/>
+          </a:xfrm>
+          <a:prstGeom prst="rect">
+            <a:avLst/>
+          </a:prstGeom>
+        </p:spPr>
+        <p:txBody>
+          <a:bodyPr wrap="square">
+            <a:spAutoFit/>
+          </a:bodyPr>
+          <a:lstStyle/>
+          <a:p>
+            <a:pPr marL="514350" indent="-514350">
+              <a:lnSpc>
+                <a:spcPct val="150000"/>
+              </a:lnSpc>
+              <a:buFont typeface="Wingdings" pitchFamily="2" charset="2"/>
+              <a:buChar char="l"/>
+            </a:pPr>
+            <a:r>
+              <a:rPr lang="zh-CN" altLang="en-US" sz="2000" dirty="0" smtClean="0">
+                <a:solidFill>
+                  <a:schemeClr val="bg1"/>
+                </a:solidFill>
+                <a:latin typeface="微软雅黑" pitchFamily="34" charset="-122"/>
+                <a:ea typeface="微软雅黑" pitchFamily="34" charset="-122"/>
+              </a:rPr>
+              <a:t>支持资源关系的创建、查询、编辑、删除。</a:t>
+            </a:r>
+          </a:p>
+          <a:p>
+            <a:pPr marL="514350" indent="-514350">
+              <a:lnSpc>
+                <a:spcPct val="150000"/>
+              </a:lnSpc>
+              <a:buFont typeface="Wingdings" pitchFamily="2" charset="2"/>
+              <a:buChar char="l"/>
+            </a:pPr>
+            <a:r>
+              <a:rPr lang="zh-CN" altLang="en-US" sz="2000" dirty="0" smtClean="0">
+                <a:solidFill>
+                  <a:schemeClr val="bg1"/>
+                </a:solidFill>
+                <a:latin typeface="微软雅黑" pitchFamily="34" charset="-122"/>
+                <a:ea typeface="微软雅黑" pitchFamily="34" charset="-122"/>
+              </a:rPr>
+              <a:t>支持资源关系标签、顺序、关系类型的管理。</a:t>
+            </a:r>
+          </a:p>
+          <a:p>
+            <a:pPr marL="514350" indent="-514350">
+              <a:lnSpc>
+                <a:spcPct val="150000"/>
+              </a:lnSpc>
+              <a:buFont typeface="Wingdings" pitchFamily="2" charset="2"/>
+              <a:buChar char="l"/>
+            </a:pPr>
+            <a:r>
+              <a:rPr lang="zh-CN" altLang="en-US" sz="2000" dirty="0" smtClean="0">
+                <a:solidFill>
+                  <a:schemeClr val="bg1"/>
+                </a:solidFill>
+                <a:latin typeface="微软雅黑" pitchFamily="34" charset="-122"/>
+                <a:ea typeface="微软雅黑" pitchFamily="34" charset="-122"/>
+              </a:rPr>
+              <a:t>支持资源关系的逐级查询。</a:t>
+            </a:r>
+          </a:p>
+          <a:p>
+            <a:pPr marL="514350" indent="-514350">
+              <a:lnSpc>
+                <a:spcPct val="150000"/>
+              </a:lnSpc>
+              <a:buFont typeface="Wingdings" pitchFamily="2" charset="2"/>
+              <a:buChar char="l"/>
+            </a:pPr>
+            <a:r>
+              <a:rPr lang="zh-CN" altLang="en-US" sz="2000" dirty="0" smtClean="0">
+                <a:solidFill>
+                  <a:schemeClr val="bg1"/>
+                </a:solidFill>
+                <a:latin typeface="微软雅黑" pitchFamily="34" charset="-122"/>
+                <a:ea typeface="微软雅黑" pitchFamily="34" charset="-122"/>
+              </a:rPr>
+              <a:t>支持资源和章节、知识点、教学目标的关系管理。</a:t>
+            </a:r>
+          </a:p>
+          <a:p>
+            <a:pPr marL="514350" indent="-514350">
+              <a:lnSpc>
+                <a:spcPct val="150000"/>
+              </a:lnSpc>
+              <a:buFont typeface="Wingdings" pitchFamily="2" charset="2"/>
+              <a:buChar char="l"/>
+            </a:pPr>
+            <a:r>
+              <a:rPr lang="zh-CN" altLang="en-US" sz="2000" dirty="0" smtClean="0">
+                <a:solidFill>
+                  <a:schemeClr val="bg1"/>
+                </a:solidFill>
+                <a:latin typeface="微软雅黑" pitchFamily="34" charset="-122"/>
+                <a:ea typeface="微软雅黑" pitchFamily="34" charset="-122"/>
+              </a:rPr>
+              <a:t>支持资源聚合关系的管理。</a:t>
+            </a:r>
+          </a:p>
+          <a:p>
+            <a:pPr marL="514350" indent="-514350">
+              <a:lnSpc>
+                <a:spcPct val="150000"/>
+              </a:lnSpc>
+              <a:buFont typeface="Wingdings" pitchFamily="2" charset="2"/>
+              <a:buChar char="l"/>
+            </a:pPr>
+            <a:r>
+              <a:rPr lang="zh-CN" altLang="en-US" sz="2000" dirty="0" smtClean="0">
+                <a:solidFill>
+                  <a:srgbClr val="FF0000"/>
+                </a:solidFill>
+                <a:latin typeface="微软雅黑" pitchFamily="34" charset="-122"/>
+                <a:ea typeface="微软雅黑" pitchFamily="34" charset="-122"/>
+              </a:rPr>
+              <a:t>待支持资源关系的跨级查询。</a:t>
+            </a:r>
+          </a:p>
+          <a:p>
+            <a:pPr marL="514350" indent="-514350">
+              <a:lnSpc>
+                <a:spcPct val="150000"/>
+              </a:lnSpc>
+              <a:buFont typeface="Wingdings" pitchFamily="2" charset="2"/>
+              <a:buChar char="l"/>
+            </a:pPr>
+            <a:r>
+              <a:rPr lang="zh-CN" altLang="en-US" sz="2000" dirty="0" smtClean="0">
+                <a:solidFill>
+                  <a:srgbClr val="FF0000"/>
+                </a:solidFill>
+                <a:latin typeface="微软雅黑" pitchFamily="34" charset="-122"/>
+                <a:ea typeface="微软雅黑" pitchFamily="34" charset="-122"/>
+              </a:rPr>
+              <a:t>待支持资源关系图谱查询。</a:t>
+            </a:r>
+          </a:p>
+          <a:p>
+            <a:pPr marL="514350" indent="-514350">
+              <a:lnSpc>
+                <a:spcPct val="150000"/>
+              </a:lnSpc>
+              <a:buFont typeface="Wingdings" pitchFamily="2" charset="2"/>
+              <a:buChar char="l"/>
+            </a:pPr>
+            <a:endParaRPr lang="en-US" altLang="zh-CN" sz="2000" dirty="0" smtClean="0">
+              <a:solidFill>
+                <a:schemeClr val="bg1"/>
+              </a:solidFill>
+              <a:latin typeface="微软雅黑" pitchFamily="34" charset="-122"/>
+              <a:ea typeface="微软雅黑" pitchFamily="34" charset="-122"/>
+            </a:endParaRPr>
+          </a:p>
+        </p:txBody>
+      </p:sp>
+    </p:spTree>
+    <p:extLst>
+      <p:ext uri="{BB962C8B-B14F-4D97-AF65-F5344CB8AC3E}">
+        <p14:creationId xmlns:p14="http://schemas.microsoft.com/office/powerpoint/2010/main" val="317097467"/>
+      </p:ext>
+    </p:extLst>
+  </p:cSld>
+  <p:clrMapOvr>
+    <a:masterClrMapping/>
+  </p:clrMapOvr>
+  <p:timing>
+    <p:tnLst>
+      <p:par>
+        <p:cTn id="1" dur="indefinite" restart="never" nodeType="tmRoot"/>
+      </p:par>
+    </p:tnLst>
+  </p:timing>
+</p:sld>
+</file>
+
+<file path=ppt/slides/slide8.xml><?xml version="1.0" encoding="utf-8"?>
+<p:sld xmlns:a="http://schemas.openxmlformats.org/drawingml/2006/main" xmlns:r="http://schemas.openxmlformats.org/officeDocument/2006/relationships" xmlns:p="http://schemas.openxmlformats.org/presentationml/2006/main">
+  <p:cSld>
+    <p:spTree>
+      <p:nvGrpSpPr>
+        <p:cNvPr id="1" name=""/>
+        <p:cNvGrpSpPr/>
+        <p:nvPr/>
+      </p:nvGrpSpPr>
+      <p:grpSpPr>
+        <a:xfrm>
+          <a:off x="0" y="0"/>
+          <a:ext cx="0" cy="0"/>
+          <a:chOff x="0" y="0"/>
+          <a:chExt cx="0" cy="0"/>
+        </a:xfrm>
+      </p:grpSpPr>
+      <p:sp>
+        <p:nvSpPr>
+          <p:cNvPr id="2" name="页脚占位符 1"/>
+          <p:cNvSpPr>
+            <a:spLocks noGrp="1"/>
+          </p:cNvSpPr>
+          <p:nvPr>
+            <p:ph type="ftr" sz="quarter" idx="11"/>
+          </p:nvPr>
+        </p:nvSpPr>
+        <p:spPr/>
+        <p:txBody>
+          <a:bodyPr/>
+          <a:lstStyle/>
+          <a:p>
+            <a:r>
+              <a:rPr lang="en-US" altLang="zh-CN" smtClean="0"/>
+              <a:t>ND Engineering Institute Confidential</a:t>
+            </a:r>
+            <a:endParaRPr lang="zh-CN" altLang="en-US" dirty="0"/>
+          </a:p>
+        </p:txBody>
+      </p:sp>
+      <p:sp>
+        <p:nvSpPr>
+          <p:cNvPr id="3" name="灯片编号占位符 2"/>
+          <p:cNvSpPr>
+            <a:spLocks noGrp="1"/>
+          </p:cNvSpPr>
+          <p:nvPr>
+            <p:ph type="sldNum" sz="quarter" idx="12"/>
+          </p:nvPr>
+        </p:nvSpPr>
+        <p:spPr/>
+        <p:txBody>
+          <a:bodyPr/>
+          <a:lstStyle/>
+          <a:p>
+            <a:fld id="{E2531F13-3D55-48F5-9D66-4D113F3EC470}" type="slidenum">
+              <a:rPr lang="zh-CN" altLang="en-US" smtClean="0"/>
+              <a:pPr/>
+              <a:t>8</a:t>
+            </a:fld>
+            <a:endParaRPr lang="zh-CN" altLang="en-US" dirty="0"/>
+          </a:p>
+        </p:txBody>
+      </p:sp>
+      <p:cxnSp>
+        <p:nvCxnSpPr>
+          <p:cNvPr id="32" name="直接连接符 31"/>
+          <p:cNvCxnSpPr/>
+          <p:nvPr/>
+        </p:nvCxnSpPr>
+        <p:spPr>
+          <a:xfrm rot="5400000">
+            <a:off x="628853" y="507178"/>
+            <a:ext cx="658908" cy="1"/>
+          </a:xfrm>
+          <a:prstGeom prst="line">
+            <a:avLst/>
+          </a:prstGeom>
+          <a:ln w="76200">
+            <a:solidFill>
+              <a:srgbClr val="FF0000"/>
+            </a:solidFill>
+          </a:ln>
+        </p:spPr>
+        <p:style>
+          <a:lnRef idx="1">
+            <a:schemeClr val="accent1"/>
+          </a:lnRef>
+          <a:fillRef idx="0">
+            <a:schemeClr val="accent1"/>
+          </a:fillRef>
+          <a:effectRef idx="0">
+            <a:schemeClr val="accent1"/>
+          </a:effectRef>
+          <a:fontRef idx="minor">
+            <a:schemeClr val="tx1"/>
+          </a:fontRef>
+        </p:style>
+      </p:cxnSp>
+      <p:sp>
+        <p:nvSpPr>
+          <p:cNvPr id="33" name="矩形 32"/>
+          <p:cNvSpPr/>
+          <p:nvPr/>
+        </p:nvSpPr>
+        <p:spPr>
+          <a:xfrm>
+            <a:off x="1029571" y="311084"/>
+            <a:ext cx="9210505" cy="423949"/>
+          </a:xfrm>
+          <a:prstGeom prst="rect">
+            <a:avLst/>
+          </a:prstGeom>
+          <a:noFill/>
+          <a:ln>
+            <a:noFill/>
+          </a:ln>
+        </p:spPr>
+        <p:style>
+          <a:lnRef idx="2">
+            <a:schemeClr val="accent2">
+              <a:shade val="50000"/>
+            </a:schemeClr>
+          </a:lnRef>
+          <a:fillRef idx="1">
+            <a:schemeClr val="accent2"/>
+          </a:fillRef>
+          <a:effectRef idx="0">
+            <a:schemeClr val="accent2"/>
+          </a:effectRef>
+          <a:fontRef idx="minor">
+            <a:schemeClr val="lt1"/>
+          </a:fontRef>
+        </p:style>
+        <p:txBody>
+          <a:bodyPr rtlCol="0" anchor="ctr"/>
+          <a:lstStyle/>
+          <a:p>
+            <a:r>
+              <a:rPr lang="zh-CN" altLang="en-US" sz="3600" b="1" dirty="0" smtClean="0">
+                <a:latin typeface="微软雅黑" pitchFamily="34" charset="-122"/>
+                <a:ea typeface="微软雅黑" pitchFamily="34" charset="-122"/>
+              </a:rPr>
+              <a:t>资源检索服务</a:t>
+            </a:r>
+            <a:endParaRPr lang="zh-CN" altLang="en-US" sz="3600" b="1" dirty="0">
+              <a:latin typeface="微软雅黑" pitchFamily="34" charset="-122"/>
+              <a:ea typeface="微软雅黑" pitchFamily="34" charset="-122"/>
+            </a:endParaRPr>
+          </a:p>
+        </p:txBody>
+      </p:sp>
+      <p:sp>
+        <p:nvSpPr>
+          <p:cNvPr id="6" name="矩形 5"/>
+          <p:cNvSpPr/>
+          <p:nvPr/>
+        </p:nvSpPr>
+        <p:spPr>
+          <a:xfrm>
+            <a:off x="794931" y="1616752"/>
+            <a:ext cx="10124942" cy="3785652"/>
+          </a:xfrm>
+          <a:prstGeom prst="rect">
+            <a:avLst/>
+          </a:prstGeom>
+        </p:spPr>
+        <p:txBody>
+          <a:bodyPr wrap="square">
+            <a:spAutoFit/>
+          </a:bodyPr>
+          <a:lstStyle/>
+          <a:p>
+            <a:pPr marL="514350" indent="-514350">
+              <a:lnSpc>
+                <a:spcPct val="150000"/>
+              </a:lnSpc>
+              <a:buFont typeface="Wingdings" pitchFamily="2" charset="2"/>
+              <a:buChar char="l"/>
+            </a:pPr>
+            <a:r>
+              <a:rPr lang="zh-CN" altLang="en-US" sz="2000" dirty="0" smtClean="0">
+                <a:solidFill>
+                  <a:schemeClr val="bg1"/>
+                </a:solidFill>
+                <a:latin typeface="微软雅黑" pitchFamily="34" charset="-122"/>
+                <a:ea typeface="微软雅黑" pitchFamily="34" charset="-122"/>
+              </a:rPr>
+              <a:t>支持资源属性检索。</a:t>
+            </a:r>
+          </a:p>
+          <a:p>
+            <a:pPr marL="514350" indent="-514350">
+              <a:lnSpc>
+                <a:spcPct val="150000"/>
+              </a:lnSpc>
+              <a:buFont typeface="Wingdings" pitchFamily="2" charset="2"/>
+              <a:buChar char="l"/>
+            </a:pPr>
+            <a:r>
+              <a:rPr lang="zh-CN" altLang="en-US" sz="2000" dirty="0" smtClean="0">
+                <a:solidFill>
+                  <a:schemeClr val="bg1"/>
+                </a:solidFill>
+                <a:latin typeface="微软雅黑" pitchFamily="34" charset="-122"/>
+                <a:ea typeface="微软雅黑" pitchFamily="34" charset="-122"/>
+              </a:rPr>
+              <a:t>支持资源关系检索。</a:t>
+            </a:r>
+          </a:p>
+          <a:p>
+            <a:pPr marL="514350" indent="-514350">
+              <a:lnSpc>
+                <a:spcPct val="150000"/>
+              </a:lnSpc>
+              <a:buFont typeface="Wingdings" pitchFamily="2" charset="2"/>
+              <a:buChar char="l"/>
+            </a:pPr>
+            <a:r>
+              <a:rPr lang="zh-CN" altLang="en-US" sz="2000" dirty="0" smtClean="0">
+                <a:solidFill>
+                  <a:schemeClr val="bg1"/>
+                </a:solidFill>
+                <a:latin typeface="微软雅黑" pitchFamily="34" charset="-122"/>
+                <a:ea typeface="微软雅黑" pitchFamily="34" charset="-122"/>
+              </a:rPr>
+              <a:t>支持资源公私有库查询。</a:t>
+            </a:r>
+          </a:p>
+          <a:p>
+            <a:pPr marL="514350" indent="-514350">
+              <a:lnSpc>
+                <a:spcPct val="150000"/>
+              </a:lnSpc>
+              <a:buFont typeface="Wingdings" pitchFamily="2" charset="2"/>
+              <a:buChar char="l"/>
+            </a:pPr>
+            <a:r>
+              <a:rPr lang="zh-CN" altLang="en-US" sz="2000" dirty="0" smtClean="0">
+                <a:solidFill>
+                  <a:schemeClr val="bg1"/>
+                </a:solidFill>
+                <a:latin typeface="微软雅黑" pitchFamily="34" charset="-122"/>
+                <a:ea typeface="微软雅黑" pitchFamily="34" charset="-122"/>
+              </a:rPr>
+              <a:t>支持资源技术属性［格式，大小］查询。</a:t>
+            </a:r>
+          </a:p>
+          <a:p>
+            <a:pPr marL="514350" indent="-514350">
+              <a:lnSpc>
+                <a:spcPct val="150000"/>
+              </a:lnSpc>
+              <a:buFont typeface="Wingdings" pitchFamily="2" charset="2"/>
+              <a:buChar char="l"/>
+            </a:pPr>
+            <a:r>
+              <a:rPr lang="zh-CN" altLang="en-US" sz="2000" dirty="0" smtClean="0">
+                <a:solidFill>
+                  <a:schemeClr val="bg1"/>
+                </a:solidFill>
+                <a:latin typeface="微软雅黑" pitchFamily="34" charset="-122"/>
+                <a:ea typeface="微软雅黑" pitchFamily="34" charset="-122"/>
+              </a:rPr>
+              <a:t>支持教育属性查询，比如：交互程度、教学语言等。</a:t>
+            </a:r>
+          </a:p>
+          <a:p>
+            <a:pPr marL="514350" indent="-514350">
+              <a:lnSpc>
+                <a:spcPct val="150000"/>
+              </a:lnSpc>
+              <a:buFont typeface="Wingdings" pitchFamily="2" charset="2"/>
+              <a:buChar char="l"/>
+            </a:pPr>
+            <a:r>
+              <a:rPr lang="zh-CN" altLang="en-US" sz="2000" dirty="0" smtClean="0">
+                <a:solidFill>
+                  <a:schemeClr val="bg1"/>
+                </a:solidFill>
+                <a:latin typeface="微软雅黑" pitchFamily="34" charset="-122"/>
+                <a:ea typeface="微软雅黑" pitchFamily="34" charset="-122"/>
+              </a:rPr>
+              <a:t>支持地区语言查询。</a:t>
+            </a:r>
+          </a:p>
+          <a:p>
+            <a:pPr marL="514350" indent="-514350">
+              <a:lnSpc>
+                <a:spcPct val="150000"/>
+              </a:lnSpc>
+              <a:buFont typeface="Wingdings" pitchFamily="2" charset="2"/>
+              <a:buChar char="l"/>
+            </a:pPr>
+            <a:r>
+              <a:rPr lang="zh-CN" altLang="en-US" sz="2000" dirty="0" smtClean="0">
+                <a:solidFill>
+                  <a:srgbClr val="FF0000"/>
+                </a:solidFill>
+                <a:latin typeface="微软雅黑" pitchFamily="34" charset="-122"/>
+                <a:ea typeface="微软雅黑" pitchFamily="34" charset="-122"/>
+              </a:rPr>
+              <a:t>待支持资源平台依赖性查询－－比如</a:t>
+            </a:r>
+            <a:r>
+              <a:rPr lang="en-US" altLang="zh-CN" sz="2000" dirty="0" smtClean="0">
+                <a:solidFill>
+                  <a:srgbClr val="FF0000"/>
+                </a:solidFill>
+                <a:latin typeface="微软雅黑" pitchFamily="34" charset="-122"/>
+                <a:ea typeface="微软雅黑" pitchFamily="34" charset="-122"/>
+              </a:rPr>
+              <a:t>Gear</a:t>
+            </a:r>
+            <a:r>
+              <a:rPr lang="zh-CN" altLang="en-US" sz="2000" dirty="0" smtClean="0">
+                <a:solidFill>
+                  <a:srgbClr val="FF0000"/>
+                </a:solidFill>
+                <a:latin typeface="微软雅黑" pitchFamily="34" charset="-122"/>
+                <a:ea typeface="微软雅黑" pitchFamily="34" charset="-122"/>
+              </a:rPr>
+              <a:t>平台，</a:t>
+            </a:r>
+            <a:r>
+              <a:rPr lang="en-US" altLang="zh-CN" sz="2000" dirty="0" smtClean="0">
+                <a:solidFill>
+                  <a:srgbClr val="FF0000"/>
+                </a:solidFill>
+                <a:latin typeface="微软雅黑" pitchFamily="34" charset="-122"/>
+                <a:ea typeface="微软雅黑" pitchFamily="34" charset="-122"/>
+              </a:rPr>
+              <a:t>android</a:t>
+            </a:r>
+            <a:r>
+              <a:rPr lang="zh-CN" altLang="en-US" sz="2000" dirty="0" smtClean="0">
+                <a:solidFill>
+                  <a:srgbClr val="FF0000"/>
+                </a:solidFill>
+                <a:latin typeface="微软雅黑" pitchFamily="34" charset="-122"/>
+                <a:ea typeface="微软雅黑" pitchFamily="34" charset="-122"/>
+              </a:rPr>
+              <a:t>平台，</a:t>
+            </a:r>
+            <a:r>
+              <a:rPr lang="en-US" altLang="zh-CN" sz="2000" dirty="0" smtClean="0">
+                <a:solidFill>
+                  <a:srgbClr val="FF0000"/>
+                </a:solidFill>
+                <a:latin typeface="微软雅黑" pitchFamily="34" charset="-122"/>
+                <a:ea typeface="微软雅黑" pitchFamily="34" charset="-122"/>
+              </a:rPr>
+              <a:t>WP</a:t>
+            </a:r>
+            <a:r>
+              <a:rPr lang="zh-CN" altLang="en-US" sz="2000" dirty="0" smtClean="0">
+                <a:solidFill>
+                  <a:srgbClr val="FF0000"/>
+                </a:solidFill>
+                <a:latin typeface="微软雅黑" pitchFamily="34" charset="-122"/>
+                <a:ea typeface="微软雅黑" pitchFamily="34" charset="-122"/>
+              </a:rPr>
+              <a:t>平台，</a:t>
+            </a:r>
+            <a:r>
+              <a:rPr lang="en-US" altLang="zh-CN" sz="2000" dirty="0" smtClean="0">
+                <a:solidFill>
+                  <a:srgbClr val="FF0000"/>
+                </a:solidFill>
+                <a:latin typeface="微软雅黑" pitchFamily="34" charset="-122"/>
+                <a:ea typeface="微软雅黑" pitchFamily="34" charset="-122"/>
+              </a:rPr>
+              <a:t>IOS</a:t>
+            </a:r>
+            <a:r>
+              <a:rPr lang="zh-CN" altLang="en-US" sz="2000" dirty="0" smtClean="0">
+                <a:solidFill>
+                  <a:srgbClr val="FF0000"/>
+                </a:solidFill>
+                <a:latin typeface="微软雅黑" pitchFamily="34" charset="-122"/>
+                <a:ea typeface="微软雅黑" pitchFamily="34" charset="-122"/>
+              </a:rPr>
+              <a:t>平台</a:t>
+            </a:r>
+            <a:r>
+              <a:rPr lang="zh-CN" altLang="en-US" sz="2000" dirty="0" smtClean="0">
+                <a:solidFill>
+                  <a:srgbClr val="FF0000"/>
+                </a:solidFill>
+                <a:latin typeface="微软雅黑" pitchFamily="34" charset="-122"/>
+                <a:ea typeface="微软雅黑" pitchFamily="34" charset="-122"/>
+              </a:rPr>
+              <a:t>。</a:t>
+            </a:r>
+          </a:p>
+          <a:p>
+            <a:pPr marL="514350" indent="-514350">
+              <a:lnSpc>
+                <a:spcPct val="150000"/>
+              </a:lnSpc>
+              <a:buFont typeface="Wingdings" pitchFamily="2" charset="2"/>
+              <a:buChar char="l"/>
+            </a:pPr>
+            <a:r>
+              <a:rPr lang="zh-CN" altLang="en-US" sz="2000" dirty="0" smtClean="0">
+                <a:solidFill>
+                  <a:srgbClr val="FF0000"/>
+                </a:solidFill>
+                <a:latin typeface="微软雅黑" pitchFamily="34" charset="-122"/>
+                <a:ea typeface="微软雅黑" pitchFamily="34" charset="-122"/>
+              </a:rPr>
+              <a:t>待支统计排行查询。</a:t>
+            </a:r>
+          </a:p>
+        </p:txBody>
+      </p:sp>
+    </p:spTree>
+    <p:extLst>
+      <p:ext uri="{BB962C8B-B14F-4D97-AF65-F5344CB8AC3E}">
+        <p14:creationId xmlns:p14="http://schemas.microsoft.com/office/powerpoint/2010/main" val="1977648522"/>
+      </p:ext>
+    </p:extLst>
+  </p:cSld>
+  <p:clrMapOvr>
+    <a:masterClrMapping/>
+  </p:clrMapOvr>
+  <p:timing>
+    <p:tnLst>
+      <p:par>
+        <p:cTn id="1" dur="indefinite" restart="never" nodeType="tmRoot"/>
+      </p:par>
+    </p:tnLst>
+  </p:timing>
+</p:sld>
+</file>
+
+<file path=ppt/slides/slide9.xml><?xml version="1.0" encoding="utf-8"?>
+<p:sld xmlns:a="http://schemas.openxmlformats.org/drawingml/2006/main" xmlns:r="http://schemas.openxmlformats.org/officeDocument/2006/relationships" xmlns:p="http://schemas.openxmlformats.org/presentationml/2006/main">
+  <p:cSld>
+    <p:spTree>
+      <p:nvGrpSpPr>
+        <p:cNvPr id="1" name=""/>
+        <p:cNvGrpSpPr/>
+        <p:nvPr/>
+      </p:nvGrpSpPr>
+      <p:grpSpPr>
+        <a:xfrm>
+          <a:off x="0" y="0"/>
+          <a:ext cx="0" cy="0"/>
+          <a:chOff x="0" y="0"/>
+          <a:chExt cx="0" cy="0"/>
+        </a:xfrm>
+      </p:grpSpPr>
+      <p:sp>
+        <p:nvSpPr>
+          <p:cNvPr id="2" name="页脚占位符 1"/>
+          <p:cNvSpPr>
+            <a:spLocks noGrp="1"/>
+          </p:cNvSpPr>
+          <p:nvPr>
+            <p:ph type="ftr" sz="quarter" idx="11"/>
+          </p:nvPr>
+        </p:nvSpPr>
+        <p:spPr/>
+        <p:txBody>
+          <a:bodyPr/>
+          <a:lstStyle/>
+          <a:p>
+            <a:r>
+              <a:rPr lang="en-US" altLang="zh-CN" smtClean="0"/>
+              <a:t>ND Engineering Institute Confidential</a:t>
+            </a:r>
+            <a:endParaRPr lang="zh-CN" altLang="en-US" dirty="0"/>
+          </a:p>
+        </p:txBody>
+      </p:sp>
+      <p:sp>
+        <p:nvSpPr>
+          <p:cNvPr id="3" name="灯片编号占位符 2"/>
+          <p:cNvSpPr>
+            <a:spLocks noGrp="1"/>
+          </p:cNvSpPr>
+          <p:nvPr>
+            <p:ph type="sldNum" sz="quarter" idx="12"/>
+          </p:nvPr>
+        </p:nvSpPr>
+        <p:spPr/>
+        <p:txBody>
+          <a:bodyPr/>
+          <a:lstStyle/>
+          <a:p>
+            <a:fld id="{E2531F13-3D55-48F5-9D66-4D113F3EC470}" type="slidenum">
+              <a:rPr lang="zh-CN" altLang="en-US" smtClean="0"/>
+              <a:pPr/>
+              <a:t>9</a:t>
+            </a:fld>
+            <a:endParaRPr lang="zh-CN" altLang="en-US" dirty="0"/>
+          </a:p>
+        </p:txBody>
+      </p:sp>
+      <p:cxnSp>
+        <p:nvCxnSpPr>
+          <p:cNvPr id="32" name="直接连接符 31"/>
+          <p:cNvCxnSpPr/>
+          <p:nvPr/>
+        </p:nvCxnSpPr>
+        <p:spPr>
+          <a:xfrm rot="5400000">
+            <a:off x="628853" y="507178"/>
+            <a:ext cx="658908" cy="1"/>
+          </a:xfrm>
+          <a:prstGeom prst="line">
+            <a:avLst/>
+          </a:prstGeom>
+          <a:ln w="76200">
+            <a:solidFill>
+              <a:srgbClr val="FF0000"/>
+            </a:solidFill>
+          </a:ln>
+        </p:spPr>
+        <p:style>
+          <a:lnRef idx="1">
+            <a:schemeClr val="accent1"/>
+          </a:lnRef>
+          <a:fillRef idx="0">
+            <a:schemeClr val="accent1"/>
+          </a:fillRef>
+          <a:effectRef idx="0">
+            <a:schemeClr val="accent1"/>
+          </a:effectRef>
+          <a:fontRef idx="minor">
+            <a:schemeClr val="tx1"/>
+          </a:fontRef>
+        </p:style>
+      </p:cxnSp>
+      <p:sp>
+        <p:nvSpPr>
+          <p:cNvPr id="33" name="矩形 32"/>
+          <p:cNvSpPr/>
+          <p:nvPr/>
+        </p:nvSpPr>
+        <p:spPr>
+          <a:xfrm>
+            <a:off x="1029571" y="311084"/>
+            <a:ext cx="9210505" cy="423949"/>
+          </a:xfrm>
+          <a:prstGeom prst="rect">
+            <a:avLst/>
+          </a:prstGeom>
+          <a:noFill/>
+          <a:ln>
+            <a:noFill/>
+          </a:ln>
+        </p:spPr>
+        <p:style>
+          <a:lnRef idx="2">
+            <a:schemeClr val="accent2">
+              <a:shade val="50000"/>
+            </a:schemeClr>
+          </a:lnRef>
+          <a:fillRef idx="1">
+            <a:schemeClr val="accent2"/>
+          </a:fillRef>
+          <a:effectRef idx="0">
+            <a:schemeClr val="accent2"/>
+          </a:effectRef>
+          <a:fontRef idx="minor">
+            <a:schemeClr val="lt1"/>
+          </a:fontRef>
+        </p:style>
+        <p:txBody>
+          <a:bodyPr rtlCol="0" anchor="ctr"/>
+          <a:lstStyle/>
+          <a:p>
+            <a:r>
+              <a:rPr lang="zh-CN" altLang="en-US" sz="3600" b="1" dirty="0" smtClean="0">
+                <a:latin typeface="微软雅黑" pitchFamily="34" charset="-122"/>
+                <a:ea typeface="微软雅黑" pitchFamily="34" charset="-122"/>
+              </a:rPr>
+              <a:t>统计管理</a:t>
+            </a:r>
+            <a:endParaRPr lang="zh-CN" altLang="en-US" sz="3600" b="1" dirty="0">
+              <a:latin typeface="微软雅黑" pitchFamily="34" charset="-122"/>
+              <a:ea typeface="微软雅黑" pitchFamily="34" charset="-122"/>
+            </a:endParaRPr>
+          </a:p>
+        </p:txBody>
+      </p:sp>
+      <p:sp>
+        <p:nvSpPr>
+          <p:cNvPr id="6" name="矩形 5"/>
+          <p:cNvSpPr/>
+          <p:nvPr/>
+        </p:nvSpPr>
+        <p:spPr>
+          <a:xfrm>
+            <a:off x="782231" y="1185710"/>
+            <a:ext cx="10124942" cy="5170646"/>
+          </a:xfrm>
+          <a:prstGeom prst="rect">
+            <a:avLst/>
+          </a:prstGeom>
+        </p:spPr>
+        <p:txBody>
+          <a:bodyPr wrap="square">
+            <a:spAutoFit/>
+          </a:bodyPr>
+          <a:lstStyle/>
+          <a:p>
+            <a:pPr marL="514350" indent="-514350">
+              <a:lnSpc>
+                <a:spcPct val="150000"/>
+              </a:lnSpc>
+              <a:buFont typeface="Wingdings" pitchFamily="2" charset="2"/>
+              <a:buChar char="l"/>
+            </a:pPr>
+            <a:r>
+              <a:rPr lang="zh-CN" altLang="en-US" sz="2000" dirty="0" smtClean="0">
+                <a:solidFill>
+                  <a:schemeClr val="bg1"/>
+                </a:solidFill>
+                <a:latin typeface="微软雅黑" pitchFamily="34" charset="-122"/>
+                <a:ea typeface="微软雅黑" pitchFamily="34" charset="-122"/>
+              </a:rPr>
+              <a:t>支持资源下载量、浏览量、点赞量数据统计。</a:t>
+            </a:r>
+          </a:p>
+          <a:p>
+            <a:pPr marL="514350" indent="-514350">
+              <a:lnSpc>
+                <a:spcPct val="150000"/>
+              </a:lnSpc>
+              <a:buFont typeface="Wingdings" pitchFamily="2" charset="2"/>
+              <a:buChar char="l"/>
+            </a:pPr>
+            <a:r>
+              <a:rPr lang="zh-CN" altLang="en-US" sz="2000" dirty="0" smtClean="0">
+                <a:solidFill>
+                  <a:schemeClr val="bg1"/>
+                </a:solidFill>
+                <a:latin typeface="微软雅黑" pitchFamily="34" charset="-122"/>
+                <a:ea typeface="微软雅黑" pitchFamily="34" charset="-122"/>
+              </a:rPr>
+              <a:t>支持资源类型统计。</a:t>
+            </a:r>
+          </a:p>
+          <a:p>
+            <a:pPr marL="514350" indent="-514350">
+              <a:lnSpc>
+                <a:spcPct val="150000"/>
+              </a:lnSpc>
+              <a:buFont typeface="Wingdings" pitchFamily="2" charset="2"/>
+              <a:buChar char="l"/>
+            </a:pPr>
+            <a:r>
+              <a:rPr lang="zh-CN" altLang="en-US" sz="2000" dirty="0" smtClean="0">
+                <a:solidFill>
+                  <a:schemeClr val="bg1"/>
+                </a:solidFill>
+                <a:latin typeface="微软雅黑" pitchFamily="34" charset="-122"/>
+                <a:ea typeface="微软雅黑" pitchFamily="34" charset="-122"/>
+              </a:rPr>
+              <a:t>支持章节覆盖率统计。</a:t>
+            </a:r>
+          </a:p>
+          <a:p>
+            <a:pPr marL="514350" indent="-514350">
+              <a:lnSpc>
+                <a:spcPct val="150000"/>
+              </a:lnSpc>
+              <a:buFont typeface="Wingdings" pitchFamily="2" charset="2"/>
+              <a:buChar char="l"/>
+            </a:pPr>
+            <a:r>
+              <a:rPr lang="zh-CN" altLang="en-US" sz="2000" dirty="0" smtClean="0">
+                <a:solidFill>
+                  <a:schemeClr val="bg1"/>
+                </a:solidFill>
+                <a:latin typeface="微软雅黑" pitchFamily="34" charset="-122"/>
+                <a:ea typeface="微软雅黑" pitchFamily="34" charset="-122"/>
+              </a:rPr>
+              <a:t>支持资源总量统计。</a:t>
+            </a:r>
+          </a:p>
+          <a:p>
+            <a:pPr marL="514350" indent="-514350">
+              <a:lnSpc>
+                <a:spcPct val="150000"/>
+              </a:lnSpc>
+              <a:buFont typeface="Wingdings" pitchFamily="2" charset="2"/>
+              <a:buChar char="l"/>
+            </a:pPr>
+            <a:r>
+              <a:rPr lang="zh-CN" altLang="en-US" sz="2000" dirty="0" smtClean="0">
+                <a:solidFill>
+                  <a:schemeClr val="bg1"/>
+                </a:solidFill>
+                <a:latin typeface="微软雅黑" pitchFamily="34" charset="-122"/>
+                <a:ea typeface="微软雅黑" pitchFamily="34" charset="-122"/>
+              </a:rPr>
+              <a:t>支持时间范围统计。</a:t>
+            </a:r>
+          </a:p>
+          <a:p>
+            <a:pPr marL="514350" indent="-514350">
+              <a:lnSpc>
+                <a:spcPct val="150000"/>
+              </a:lnSpc>
+              <a:buFont typeface="Wingdings" pitchFamily="2" charset="2"/>
+              <a:buChar char="l"/>
+            </a:pPr>
+            <a:r>
+              <a:rPr lang="zh-CN" altLang="en-US" sz="2000" dirty="0" smtClean="0">
+                <a:solidFill>
+                  <a:srgbClr val="FF0000"/>
+                </a:solidFill>
+                <a:latin typeface="微软雅黑" pitchFamily="34" charset="-122"/>
+                <a:ea typeface="微软雅黑" pitchFamily="34" charset="-122"/>
+              </a:rPr>
+              <a:t>待支持知识点覆盖率统计。</a:t>
+            </a:r>
+          </a:p>
+          <a:p>
+            <a:pPr marL="514350" indent="-514350">
+              <a:lnSpc>
+                <a:spcPct val="150000"/>
+              </a:lnSpc>
+              <a:buFont typeface="Wingdings" pitchFamily="2" charset="2"/>
+              <a:buChar char="l"/>
+            </a:pPr>
+            <a:r>
+              <a:rPr lang="zh-CN" altLang="en-US" sz="2000" dirty="0" smtClean="0">
+                <a:solidFill>
+                  <a:srgbClr val="FF0000"/>
+                </a:solidFill>
+                <a:latin typeface="微软雅黑" pitchFamily="34" charset="-122"/>
+                <a:ea typeface="微软雅黑" pitchFamily="34" charset="-122"/>
+              </a:rPr>
+              <a:t>待支持教学目标覆盖率统计。</a:t>
+            </a:r>
+          </a:p>
+          <a:p>
+            <a:pPr marL="514350" indent="-514350">
+              <a:lnSpc>
+                <a:spcPct val="150000"/>
+              </a:lnSpc>
+              <a:buFont typeface="Wingdings" pitchFamily="2" charset="2"/>
+              <a:buChar char="l"/>
+            </a:pPr>
+            <a:r>
+              <a:rPr lang="zh-CN" altLang="en-US" sz="2000" dirty="0" smtClean="0">
+                <a:solidFill>
+                  <a:srgbClr val="FF0000"/>
+                </a:solidFill>
+                <a:latin typeface="微软雅黑" pitchFamily="34" charset="-122"/>
+                <a:ea typeface="微软雅黑" pitchFamily="34" charset="-122"/>
+              </a:rPr>
+              <a:t>待支持区域资源统计。</a:t>
+            </a:r>
+          </a:p>
+          <a:p>
+            <a:pPr marL="514350" indent="-514350">
+              <a:lnSpc>
+                <a:spcPct val="150000"/>
+              </a:lnSpc>
+              <a:buFont typeface="Wingdings" pitchFamily="2" charset="2"/>
+              <a:buChar char="l"/>
+            </a:pPr>
+            <a:r>
+              <a:rPr lang="zh-CN" altLang="en-US" sz="2000" dirty="0" smtClean="0">
+                <a:solidFill>
+                  <a:srgbClr val="FF0000"/>
+                </a:solidFill>
+                <a:latin typeface="微软雅黑" pitchFamily="34" charset="-122"/>
+                <a:ea typeface="微软雅黑" pitchFamily="34" charset="-122"/>
+              </a:rPr>
+              <a:t>待支持公私有库总量分布统计。</a:t>
+            </a:r>
+          </a:p>
+          <a:p>
+            <a:pPr marL="514350" indent="-514350">
+              <a:lnSpc>
+                <a:spcPct val="150000"/>
+              </a:lnSpc>
+              <a:buFont typeface="Wingdings" pitchFamily="2" charset="2"/>
+              <a:buChar char="l"/>
+            </a:pPr>
+            <a:r>
+              <a:rPr lang="zh-CN" altLang="en-US" sz="2000" dirty="0" smtClean="0">
+                <a:solidFill>
+                  <a:srgbClr val="FF0000"/>
+                </a:solidFill>
+                <a:latin typeface="微软雅黑" pitchFamily="34" charset="-122"/>
+                <a:ea typeface="微软雅黑" pitchFamily="34" charset="-122"/>
+              </a:rPr>
+              <a:t>待支持公私有库增量统计。</a:t>
+            </a:r>
+          </a:p>
+          <a:p>
+            <a:pPr marL="514350" indent="-514350">
+              <a:lnSpc>
+                <a:spcPct val="150000"/>
+              </a:lnSpc>
+              <a:buFont typeface="Wingdings" pitchFamily="2" charset="2"/>
+              <a:buChar char="l"/>
+            </a:pPr>
+            <a:r>
+              <a:rPr lang="zh-CN" altLang="en-US" sz="2000" dirty="0" smtClean="0">
+                <a:solidFill>
+                  <a:srgbClr val="FF0000"/>
+                </a:solidFill>
+                <a:latin typeface="微软雅黑" pitchFamily="34" charset="-122"/>
+                <a:ea typeface="微软雅黑" pitchFamily="34" charset="-122"/>
+              </a:rPr>
+              <a:t>待支持个人资源生产率统计。</a:t>
+            </a:r>
+          </a:p>
+        </p:txBody>
+      </p:sp>
+    </p:spTree>
+    <p:extLst>
+      <p:ext uri="{BB962C8B-B14F-4D97-AF65-F5344CB8AC3E}">
+        <p14:creationId xmlns:p14="http://schemas.microsoft.com/office/powerpoint/2010/main" val="221558440"/>
       </p:ext>
     </p:extLst>
   </p:cSld>
